--- a/module-2/02-02 Creating and using Integrating Testing for your Web API/02-02 Creating and using Integrating Testing for your Web API.pptx
+++ b/module-2/02-02 Creating and using Integrating Testing for your Web API/02-02 Creating and using Integrating Testing for your Web API.pptx
@@ -2,10 +2,15 @@
 <file path=ppt/presentation.xml><?xml version="1.0" encoding="utf-8"?>
 <p:presentation xmlns:a="http://schemas.openxmlformats.org/drawingml/2006/main" xmlns:r="http://schemas.openxmlformats.org/officeDocument/2006/relationships" xmlns:p="http://schemas.openxmlformats.org/presentationml/2006/main" saveSubsetFonts="1">
   <p:sldMasterIdLst>
-    <p:sldMasterId id="2147483672" r:id="rId1"/>
+    <p:sldMasterId id="2147483684" r:id="rId1"/>
+    <p:sldMasterId id="2147483708" r:id="rId2"/>
   </p:sldMasterIdLst>
+  <p:notesMasterIdLst>
+    <p:notesMasterId r:id="rId5"/>
+  </p:notesMasterIdLst>
   <p:sldIdLst>
-    <p:sldId id="256" r:id="rId2"/>
+    <p:sldId id="260" r:id="rId3"/>
+    <p:sldId id="256" r:id="rId4"/>
   </p:sldIdLst>
   <p:sldSz cx="12192000" cy="6858000"/>
   <p:notesSz cx="6858000" cy="9144000"/>
@@ -104,10 +109,1102 @@
       </a:defRPr>
     </a:lvl9pPr>
   </p:defaultTextStyle>
+  <p:extLst>
+    <p:ext uri="{EFAFB233-063F-42B5-8137-9DF3F51BA10A}">
+      <p15:sldGuideLst xmlns:p15="http://schemas.microsoft.com/office/powerpoint/2012/main"/>
+    </p:ext>
+  </p:extLst>
 </p:presentation>
 </file>
 
+<file path=ppt/notesMasters/notesMaster1.xml><?xml version="1.0" encoding="utf-8"?>
+<p:notesMaster xmlns:a="http://schemas.openxmlformats.org/drawingml/2006/main" xmlns:r="http://schemas.openxmlformats.org/officeDocument/2006/relationships" xmlns:p="http://schemas.openxmlformats.org/presentationml/2006/main">
+  <p:cSld>
+    <p:bg>
+      <p:bgRef idx="1001">
+        <a:schemeClr val="bg1"/>
+      </p:bgRef>
+    </p:bg>
+    <p:spTree>
+      <p:nvGrpSpPr>
+        <p:cNvPr id="1" name=""/>
+        <p:cNvGrpSpPr/>
+        <p:nvPr/>
+      </p:nvGrpSpPr>
+      <p:grpSpPr>
+        <a:xfrm>
+          <a:off x="0" y="0"/>
+          <a:ext cx="0" cy="0"/>
+          <a:chOff x="0" y="0"/>
+          <a:chExt cx="0" cy="0"/>
+        </a:xfrm>
+      </p:grpSpPr>
+      <p:sp>
+        <p:nvSpPr>
+          <p:cNvPr id="2" name="Header Placeholder 1"/>
+          <p:cNvSpPr>
+            <a:spLocks noGrp="1"/>
+          </p:cNvSpPr>
+          <p:nvPr>
+            <p:ph type="hdr" sz="quarter"/>
+          </p:nvPr>
+        </p:nvSpPr>
+        <p:spPr>
+          <a:xfrm>
+            <a:off x="0" y="0"/>
+            <a:ext cx="2971800" cy="458788"/>
+          </a:xfrm>
+          <a:prstGeom prst="rect">
+            <a:avLst/>
+          </a:prstGeom>
+        </p:spPr>
+        <p:txBody>
+          <a:bodyPr vert="horz" lIns="91440" tIns="45720" rIns="91440" bIns="45720" rtlCol="0"/>
+          <a:lstStyle>
+            <a:lvl1pPr algn="l">
+              <a:defRPr sz="1200"/>
+            </a:lvl1pPr>
+          </a:lstStyle>
+          <a:p>
+            <a:endParaRPr lang="en-US"/>
+          </a:p>
+        </p:txBody>
+      </p:sp>
+      <p:sp>
+        <p:nvSpPr>
+          <p:cNvPr id="3" name="Date Placeholder 2"/>
+          <p:cNvSpPr>
+            <a:spLocks noGrp="1"/>
+          </p:cNvSpPr>
+          <p:nvPr>
+            <p:ph type="dt" idx="1"/>
+          </p:nvPr>
+        </p:nvSpPr>
+        <p:spPr>
+          <a:xfrm>
+            <a:off x="3884613" y="0"/>
+            <a:ext cx="2971800" cy="458788"/>
+          </a:xfrm>
+          <a:prstGeom prst="rect">
+            <a:avLst/>
+          </a:prstGeom>
+        </p:spPr>
+        <p:txBody>
+          <a:bodyPr vert="horz" lIns="91440" tIns="45720" rIns="91440" bIns="45720" rtlCol="0"/>
+          <a:lstStyle>
+            <a:lvl1pPr algn="r">
+              <a:defRPr sz="1200"/>
+            </a:lvl1pPr>
+          </a:lstStyle>
+          <a:p>
+            <a:fld id="{0019D01E-CBFE-47AC-9098-AB9A7B8C1946}" type="datetimeFigureOut">
+              <a:rPr lang="en-US" smtClean="0"/>
+              <a:t>9/22/2021</a:t>
+            </a:fld>
+            <a:endParaRPr lang="en-US"/>
+          </a:p>
+        </p:txBody>
+      </p:sp>
+      <p:sp>
+        <p:nvSpPr>
+          <p:cNvPr id="4" name="Slide Image Placeholder 3"/>
+          <p:cNvSpPr>
+            <a:spLocks noGrp="1" noRot="1" noChangeAspect="1"/>
+          </p:cNvSpPr>
+          <p:nvPr>
+            <p:ph type="sldImg" idx="2"/>
+          </p:nvPr>
+        </p:nvSpPr>
+        <p:spPr>
+          <a:xfrm>
+            <a:off x="685800" y="1143000"/>
+            <a:ext cx="5486400" cy="3086100"/>
+          </a:xfrm>
+          <a:prstGeom prst="rect">
+            <a:avLst/>
+          </a:prstGeom>
+          <a:noFill/>
+          <a:ln w="12700">
+            <a:solidFill>
+              <a:prstClr val="black"/>
+            </a:solidFill>
+          </a:ln>
+        </p:spPr>
+        <p:txBody>
+          <a:bodyPr vert="horz" lIns="91440" tIns="45720" rIns="91440" bIns="45720" rtlCol="0" anchor="ctr"/>
+          <a:lstStyle/>
+          <a:p>
+            <a:endParaRPr lang="en-US"/>
+          </a:p>
+        </p:txBody>
+      </p:sp>
+      <p:sp>
+        <p:nvSpPr>
+          <p:cNvPr id="5" name="Notes Placeholder 4"/>
+          <p:cNvSpPr>
+            <a:spLocks noGrp="1"/>
+          </p:cNvSpPr>
+          <p:nvPr>
+            <p:ph type="body" sz="quarter" idx="3"/>
+          </p:nvPr>
+        </p:nvSpPr>
+        <p:spPr>
+          <a:xfrm>
+            <a:off x="685800" y="4400550"/>
+            <a:ext cx="5486400" cy="3600450"/>
+          </a:xfrm>
+          <a:prstGeom prst="rect">
+            <a:avLst/>
+          </a:prstGeom>
+        </p:spPr>
+        <p:txBody>
+          <a:bodyPr vert="horz" lIns="91440" tIns="45720" rIns="91440" bIns="45720" rtlCol="0"/>
+          <a:lstStyle/>
+          <a:p>
+            <a:pPr lvl="0"/>
+            <a:r>
+              <a:rPr lang="en-US"/>
+              <a:t>Click to edit Master text styles</a:t>
+            </a:r>
+          </a:p>
+          <a:p>
+            <a:pPr lvl="1"/>
+            <a:r>
+              <a:rPr lang="en-US"/>
+              <a:t>Second level</a:t>
+            </a:r>
+          </a:p>
+          <a:p>
+            <a:pPr lvl="2"/>
+            <a:r>
+              <a:rPr lang="en-US"/>
+              <a:t>Third level</a:t>
+            </a:r>
+          </a:p>
+          <a:p>
+            <a:pPr lvl="3"/>
+            <a:r>
+              <a:rPr lang="en-US"/>
+              <a:t>Fourth level</a:t>
+            </a:r>
+          </a:p>
+          <a:p>
+            <a:pPr lvl="4"/>
+            <a:r>
+              <a:rPr lang="en-US"/>
+              <a:t>Fifth level</a:t>
+            </a:r>
+          </a:p>
+        </p:txBody>
+      </p:sp>
+      <p:sp>
+        <p:nvSpPr>
+          <p:cNvPr id="6" name="Footer Placeholder 5"/>
+          <p:cNvSpPr>
+            <a:spLocks noGrp="1"/>
+          </p:cNvSpPr>
+          <p:nvPr>
+            <p:ph type="ftr" sz="quarter" idx="4"/>
+          </p:nvPr>
+        </p:nvSpPr>
+        <p:spPr>
+          <a:xfrm>
+            <a:off x="0" y="8685213"/>
+            <a:ext cx="2971800" cy="458787"/>
+          </a:xfrm>
+          <a:prstGeom prst="rect">
+            <a:avLst/>
+          </a:prstGeom>
+        </p:spPr>
+        <p:txBody>
+          <a:bodyPr vert="horz" lIns="91440" tIns="45720" rIns="91440" bIns="45720" rtlCol="0" anchor="b"/>
+          <a:lstStyle>
+            <a:lvl1pPr algn="l">
+              <a:defRPr sz="1200"/>
+            </a:lvl1pPr>
+          </a:lstStyle>
+          <a:p>
+            <a:endParaRPr lang="en-US"/>
+          </a:p>
+        </p:txBody>
+      </p:sp>
+      <p:sp>
+        <p:nvSpPr>
+          <p:cNvPr id="7" name="Slide Number Placeholder 6"/>
+          <p:cNvSpPr>
+            <a:spLocks noGrp="1"/>
+          </p:cNvSpPr>
+          <p:nvPr>
+            <p:ph type="sldNum" sz="quarter" idx="5"/>
+          </p:nvPr>
+        </p:nvSpPr>
+        <p:spPr>
+          <a:xfrm>
+            <a:off x="3884613" y="8685213"/>
+            <a:ext cx="2971800" cy="458787"/>
+          </a:xfrm>
+          <a:prstGeom prst="rect">
+            <a:avLst/>
+          </a:prstGeom>
+        </p:spPr>
+        <p:txBody>
+          <a:bodyPr vert="horz" lIns="91440" tIns="45720" rIns="91440" bIns="45720" rtlCol="0" anchor="b"/>
+          <a:lstStyle>
+            <a:lvl1pPr algn="r">
+              <a:defRPr sz="1200"/>
+            </a:lvl1pPr>
+          </a:lstStyle>
+          <a:p>
+            <a:fld id="{4A8647A5-51F3-48A8-AAC9-3A0597D674CD}" type="slidenum">
+              <a:rPr lang="en-US" smtClean="0"/>
+              <a:t>‹#›</a:t>
+            </a:fld>
+            <a:endParaRPr lang="en-US"/>
+          </a:p>
+        </p:txBody>
+      </p:sp>
+    </p:spTree>
+    <p:extLst>
+      <p:ext uri="{BB962C8B-B14F-4D97-AF65-F5344CB8AC3E}">
+        <p14:creationId xmlns:p14="http://schemas.microsoft.com/office/powerpoint/2010/main" val="1203494656"/>
+      </p:ext>
+    </p:extLst>
+  </p:cSld>
+  <p:clrMap bg1="lt1" tx1="dk1" bg2="lt2" tx2="dk2" accent1="accent1" accent2="accent2" accent3="accent3" accent4="accent4" accent5="accent5" accent6="accent6" hlink="hlink" folHlink="folHlink"/>
+  <p:notesStyle>
+    <a:lvl1pPr marL="0" algn="l" defTabSz="914400" rtl="0" eaLnBrk="1" latinLnBrk="0" hangingPunct="1">
+      <a:defRPr sz="1200" kern="1200">
+        <a:solidFill>
+          <a:schemeClr val="tx1"/>
+        </a:solidFill>
+        <a:latin typeface="+mn-lt"/>
+        <a:ea typeface="+mn-ea"/>
+        <a:cs typeface="+mn-cs"/>
+      </a:defRPr>
+    </a:lvl1pPr>
+    <a:lvl2pPr marL="457200" algn="l" defTabSz="914400" rtl="0" eaLnBrk="1" latinLnBrk="0" hangingPunct="1">
+      <a:defRPr sz="1200" kern="1200">
+        <a:solidFill>
+          <a:schemeClr val="tx1"/>
+        </a:solidFill>
+        <a:latin typeface="+mn-lt"/>
+        <a:ea typeface="+mn-ea"/>
+        <a:cs typeface="+mn-cs"/>
+      </a:defRPr>
+    </a:lvl2pPr>
+    <a:lvl3pPr marL="914400" algn="l" defTabSz="914400" rtl="0" eaLnBrk="1" latinLnBrk="0" hangingPunct="1">
+      <a:defRPr sz="1200" kern="1200">
+        <a:solidFill>
+          <a:schemeClr val="tx1"/>
+        </a:solidFill>
+        <a:latin typeface="+mn-lt"/>
+        <a:ea typeface="+mn-ea"/>
+        <a:cs typeface="+mn-cs"/>
+      </a:defRPr>
+    </a:lvl3pPr>
+    <a:lvl4pPr marL="1371600" algn="l" defTabSz="914400" rtl="0" eaLnBrk="1" latinLnBrk="0" hangingPunct="1">
+      <a:defRPr sz="1200" kern="1200">
+        <a:solidFill>
+          <a:schemeClr val="tx1"/>
+        </a:solidFill>
+        <a:latin typeface="+mn-lt"/>
+        <a:ea typeface="+mn-ea"/>
+        <a:cs typeface="+mn-cs"/>
+      </a:defRPr>
+    </a:lvl4pPr>
+    <a:lvl5pPr marL="1828800" algn="l" defTabSz="914400" rtl="0" eaLnBrk="1" latinLnBrk="0" hangingPunct="1">
+      <a:defRPr sz="1200" kern="1200">
+        <a:solidFill>
+          <a:schemeClr val="tx1"/>
+        </a:solidFill>
+        <a:latin typeface="+mn-lt"/>
+        <a:ea typeface="+mn-ea"/>
+        <a:cs typeface="+mn-cs"/>
+      </a:defRPr>
+    </a:lvl5pPr>
+    <a:lvl6pPr marL="2286000" algn="l" defTabSz="914400" rtl="0" eaLnBrk="1" latinLnBrk="0" hangingPunct="1">
+      <a:defRPr sz="1200" kern="1200">
+        <a:solidFill>
+          <a:schemeClr val="tx1"/>
+        </a:solidFill>
+        <a:latin typeface="+mn-lt"/>
+        <a:ea typeface="+mn-ea"/>
+        <a:cs typeface="+mn-cs"/>
+      </a:defRPr>
+    </a:lvl6pPr>
+    <a:lvl7pPr marL="2743200" algn="l" defTabSz="914400" rtl="0" eaLnBrk="1" latinLnBrk="0" hangingPunct="1">
+      <a:defRPr sz="1200" kern="1200">
+        <a:solidFill>
+          <a:schemeClr val="tx1"/>
+        </a:solidFill>
+        <a:latin typeface="+mn-lt"/>
+        <a:ea typeface="+mn-ea"/>
+        <a:cs typeface="+mn-cs"/>
+      </a:defRPr>
+    </a:lvl7pPr>
+    <a:lvl8pPr marL="3200400" algn="l" defTabSz="914400" rtl="0" eaLnBrk="1" latinLnBrk="0" hangingPunct="1">
+      <a:defRPr sz="1200" kern="1200">
+        <a:solidFill>
+          <a:schemeClr val="tx1"/>
+        </a:solidFill>
+        <a:latin typeface="+mn-lt"/>
+        <a:ea typeface="+mn-ea"/>
+        <a:cs typeface="+mn-cs"/>
+      </a:defRPr>
+    </a:lvl8pPr>
+    <a:lvl9pPr marL="3657600" algn="l" defTabSz="914400" rtl="0" eaLnBrk="1" latinLnBrk="0" hangingPunct="1">
+      <a:defRPr sz="1200" kern="1200">
+        <a:solidFill>
+          <a:schemeClr val="tx1"/>
+        </a:solidFill>
+        <a:latin typeface="+mn-lt"/>
+        <a:ea typeface="+mn-ea"/>
+        <a:cs typeface="+mn-cs"/>
+      </a:defRPr>
+    </a:lvl9pPr>
+  </p:notesStyle>
+</p:notesMaster>
+</file>
+
+<file path=ppt/notesSlides/notesSlide1.xml><?xml version="1.0" encoding="utf-8"?>
+<p:notes xmlns:a="http://schemas.openxmlformats.org/drawingml/2006/main" xmlns:r="http://schemas.openxmlformats.org/officeDocument/2006/relationships" xmlns:p="http://schemas.openxmlformats.org/presentationml/2006/main">
+  <p:cSld>
+    <p:spTree>
+      <p:nvGrpSpPr>
+        <p:cNvPr id="1" name=""/>
+        <p:cNvGrpSpPr/>
+        <p:nvPr/>
+      </p:nvGrpSpPr>
+      <p:grpSpPr>
+        <a:xfrm>
+          <a:off x="0" y="0"/>
+          <a:ext cx="0" cy="0"/>
+          <a:chOff x="0" y="0"/>
+          <a:chExt cx="0" cy="0"/>
+        </a:xfrm>
+      </p:grpSpPr>
+      <p:sp>
+        <p:nvSpPr>
+          <p:cNvPr id="2" name="Slide Image Placeholder 1"/>
+          <p:cNvSpPr>
+            <a:spLocks noGrp="1" noRot="1" noChangeAspect="1"/>
+          </p:cNvSpPr>
+          <p:nvPr>
+            <p:ph type="sldImg"/>
+          </p:nvPr>
+        </p:nvSpPr>
+        <p:spPr/>
+      </p:sp>
+      <p:sp>
+        <p:nvSpPr>
+          <p:cNvPr id="3" name="Notes Placeholder 2"/>
+          <p:cNvSpPr>
+            <a:spLocks noGrp="1"/>
+          </p:cNvSpPr>
+          <p:nvPr>
+            <p:ph type="body" idx="1"/>
+          </p:nvPr>
+        </p:nvSpPr>
+        <p:spPr/>
+        <p:txBody>
+          <a:bodyPr/>
+          <a:lstStyle/>
+          <a:p>
+            <a:endParaRPr lang="en-US" dirty="0"/>
+          </a:p>
+        </p:txBody>
+      </p:sp>
+      <p:sp>
+        <p:nvSpPr>
+          <p:cNvPr id="4" name="Slide Number Placeholder 3"/>
+          <p:cNvSpPr>
+            <a:spLocks noGrp="1"/>
+          </p:cNvSpPr>
+          <p:nvPr>
+            <p:ph type="sldNum" sz="quarter" idx="10"/>
+          </p:nvPr>
+        </p:nvSpPr>
+        <p:spPr>
+          <a:xfrm>
+            <a:off x="3884613" y="8685213"/>
+            <a:ext cx="2971800" cy="457200"/>
+          </a:xfrm>
+          <a:prstGeom prst="rect">
+            <a:avLst/>
+          </a:prstGeom>
+        </p:spPr>
+        <p:txBody>
+          <a:bodyPr/>
+          <a:lstStyle/>
+          <a:p>
+            <a:pPr marL="0" marR="0" lvl="0" indent="0" algn="l" defTabSz="914400" rtl="0" eaLnBrk="1" fontAlgn="auto" latinLnBrk="0" hangingPunct="1">
+              <a:lnSpc>
+                <a:spcPct val="100000"/>
+              </a:lnSpc>
+              <a:spcBef>
+                <a:spcPts val="0"/>
+              </a:spcBef>
+              <a:spcAft>
+                <a:spcPts val="0"/>
+              </a:spcAft>
+              <a:buClrTx/>
+              <a:buSzTx/>
+              <a:buFontTx/>
+              <a:buNone/>
+              <a:tabLst/>
+              <a:defRPr/>
+            </a:pPr>
+            <a:fld id="{DE326DE0-BACA-4EA0-B73F-CC7DC1D7F4A1}" type="slidenum">
+              <a:rPr kumimoji="0" lang="en-US" sz="1800" b="0" i="0" u="none" strike="noStrike" kern="1200" cap="none" spc="0" normalizeH="0" baseline="0" noProof="0" smtClean="0">
+                <a:ln>
+                  <a:noFill/>
+                </a:ln>
+                <a:solidFill>
+                  <a:prstClr val="black"/>
+                </a:solidFill>
+                <a:effectLst/>
+                <a:uLnTx/>
+                <a:uFillTx/>
+                <a:latin typeface="Calibri"/>
+                <a:ea typeface="+mn-ea"/>
+                <a:cs typeface="+mn-cs"/>
+              </a:rPr>
+              <a:pPr marL="0" marR="0" lvl="0" indent="0" algn="l" defTabSz="914400" rtl="0" eaLnBrk="1" fontAlgn="auto" latinLnBrk="0" hangingPunct="1">
+                <a:lnSpc>
+                  <a:spcPct val="100000"/>
+                </a:lnSpc>
+                <a:spcBef>
+                  <a:spcPts val="0"/>
+                </a:spcBef>
+                <a:spcAft>
+                  <a:spcPts val="0"/>
+                </a:spcAft>
+                <a:buClrTx/>
+                <a:buSzTx/>
+                <a:buFontTx/>
+                <a:buNone/>
+                <a:tabLst/>
+                <a:defRPr/>
+              </a:pPr>
+              <a:t>1</a:t>
+            </a:fld>
+            <a:endParaRPr kumimoji="0" lang="en-US" sz="1800" b="0" i="0" u="none" strike="noStrike" kern="1200" cap="none" spc="0" normalizeH="0" baseline="0" noProof="0">
+              <a:ln>
+                <a:noFill/>
+              </a:ln>
+              <a:solidFill>
+                <a:prstClr val="black"/>
+              </a:solidFill>
+              <a:effectLst/>
+              <a:uLnTx/>
+              <a:uFillTx/>
+              <a:latin typeface="Calibri"/>
+              <a:ea typeface="+mn-ea"/>
+              <a:cs typeface="+mn-cs"/>
+            </a:endParaRPr>
+          </a:p>
+        </p:txBody>
+      </p:sp>
+    </p:spTree>
+    <p:extLst>
+      <p:ext uri="{BB962C8B-B14F-4D97-AF65-F5344CB8AC3E}">
+        <p14:creationId xmlns:p14="http://schemas.microsoft.com/office/powerpoint/2010/main" val="4261198586"/>
+      </p:ext>
+    </p:extLst>
+  </p:cSld>
+  <p:clrMapOvr>
+    <a:masterClrMapping/>
+  </p:clrMapOvr>
+</p:notes>
+</file>
+
 <file path=ppt/slideLayouts/slideLayout1.xml><?xml version="1.0" encoding="utf-8"?>
+<p:sldLayout xmlns:a="http://schemas.openxmlformats.org/drawingml/2006/main" xmlns:r="http://schemas.openxmlformats.org/officeDocument/2006/relationships" xmlns:p="http://schemas.openxmlformats.org/presentationml/2006/main" type="title" preserve="1">
+  <p:cSld name="Title Slide">
+    <p:spTree>
+      <p:nvGrpSpPr>
+        <p:cNvPr id="1" name=""/>
+        <p:cNvGrpSpPr/>
+        <p:nvPr/>
+      </p:nvGrpSpPr>
+      <p:grpSpPr>
+        <a:xfrm>
+          <a:off x="0" y="0"/>
+          <a:ext cx="0" cy="0"/>
+          <a:chOff x="0" y="0"/>
+          <a:chExt cx="0" cy="0"/>
+        </a:xfrm>
+      </p:grpSpPr>
+      <p:sp>
+        <p:nvSpPr>
+          <p:cNvPr id="2" name="Title 1"/>
+          <p:cNvSpPr>
+            <a:spLocks noGrp="1"/>
+          </p:cNvSpPr>
+          <p:nvPr>
+            <p:ph type="ctrTitle"/>
+          </p:nvPr>
+        </p:nvSpPr>
+        <p:spPr>
+          <a:xfrm>
+            <a:off x="914400" y="2131485"/>
+            <a:ext cx="10363200" cy="1468967"/>
+          </a:xfrm>
+        </p:spPr>
+        <p:txBody>
+          <a:bodyPr/>
+          <a:lstStyle/>
+          <a:p>
+            <a:r>
+              <a:rPr lang="en-US"/>
+              <a:t>Click to edit Master title style</a:t>
+            </a:r>
+          </a:p>
+        </p:txBody>
+      </p:sp>
+      <p:sp>
+        <p:nvSpPr>
+          <p:cNvPr id="3" name="Subtitle 2"/>
+          <p:cNvSpPr>
+            <a:spLocks noGrp="1"/>
+          </p:cNvSpPr>
+          <p:nvPr>
+            <p:ph type="subTitle" idx="1"/>
+          </p:nvPr>
+        </p:nvSpPr>
+        <p:spPr>
+          <a:xfrm>
+            <a:off x="1828800" y="3886200"/>
+            <a:ext cx="8534400" cy="1752600"/>
+          </a:xfrm>
+        </p:spPr>
+        <p:txBody>
+          <a:bodyPr/>
+          <a:lstStyle>
+            <a:lvl1pPr marL="0" indent="0" algn="ctr">
+              <a:buNone/>
+              <a:defRPr>
+                <a:solidFill>
+                  <a:schemeClr val="tx1">
+                    <a:tint val="75000"/>
+                  </a:schemeClr>
+                </a:solidFill>
+              </a:defRPr>
+            </a:lvl1pPr>
+            <a:lvl2pPr marL="609585" indent="0" algn="ctr">
+              <a:buNone/>
+              <a:defRPr>
+                <a:solidFill>
+                  <a:schemeClr val="tx1">
+                    <a:tint val="75000"/>
+                  </a:schemeClr>
+                </a:solidFill>
+              </a:defRPr>
+            </a:lvl2pPr>
+            <a:lvl3pPr marL="1219170" indent="0" algn="ctr">
+              <a:buNone/>
+              <a:defRPr>
+                <a:solidFill>
+                  <a:schemeClr val="tx1">
+                    <a:tint val="75000"/>
+                  </a:schemeClr>
+                </a:solidFill>
+              </a:defRPr>
+            </a:lvl3pPr>
+            <a:lvl4pPr marL="1828754" indent="0" algn="ctr">
+              <a:buNone/>
+              <a:defRPr>
+                <a:solidFill>
+                  <a:schemeClr val="tx1">
+                    <a:tint val="75000"/>
+                  </a:schemeClr>
+                </a:solidFill>
+              </a:defRPr>
+            </a:lvl4pPr>
+            <a:lvl5pPr marL="2438339" indent="0" algn="ctr">
+              <a:buNone/>
+              <a:defRPr>
+                <a:solidFill>
+                  <a:schemeClr val="tx1">
+                    <a:tint val="75000"/>
+                  </a:schemeClr>
+                </a:solidFill>
+              </a:defRPr>
+            </a:lvl5pPr>
+            <a:lvl6pPr marL="3047924" indent="0" algn="ctr">
+              <a:buNone/>
+              <a:defRPr>
+                <a:solidFill>
+                  <a:schemeClr val="tx1">
+                    <a:tint val="75000"/>
+                  </a:schemeClr>
+                </a:solidFill>
+              </a:defRPr>
+            </a:lvl6pPr>
+            <a:lvl7pPr marL="3657509" indent="0" algn="ctr">
+              <a:buNone/>
+              <a:defRPr>
+                <a:solidFill>
+                  <a:schemeClr val="tx1">
+                    <a:tint val="75000"/>
+                  </a:schemeClr>
+                </a:solidFill>
+              </a:defRPr>
+            </a:lvl7pPr>
+            <a:lvl8pPr marL="4267093" indent="0" algn="ctr">
+              <a:buNone/>
+              <a:defRPr>
+                <a:solidFill>
+                  <a:schemeClr val="tx1">
+                    <a:tint val="75000"/>
+                  </a:schemeClr>
+                </a:solidFill>
+              </a:defRPr>
+            </a:lvl8pPr>
+            <a:lvl9pPr marL="4876678" indent="0" algn="ctr">
+              <a:buNone/>
+              <a:defRPr>
+                <a:solidFill>
+                  <a:schemeClr val="tx1">
+                    <a:tint val="75000"/>
+                  </a:schemeClr>
+                </a:solidFill>
+              </a:defRPr>
+            </a:lvl9pPr>
+          </a:lstStyle>
+          <a:p>
+            <a:r>
+              <a:rPr lang="en-US"/>
+              <a:t>Click to edit Master subtitle style</a:t>
+            </a:r>
+          </a:p>
+        </p:txBody>
+      </p:sp>
+      <p:sp>
+        <p:nvSpPr>
+          <p:cNvPr id="4" name="Date Placeholder 3"/>
+          <p:cNvSpPr>
+            <a:spLocks noGrp="1"/>
+          </p:cNvSpPr>
+          <p:nvPr>
+            <p:ph type="dt" sz="half" idx="10"/>
+          </p:nvPr>
+        </p:nvSpPr>
+        <p:spPr/>
+        <p:txBody>
+          <a:bodyPr/>
+          <a:lstStyle/>
+          <a:p>
+            <a:fld id="{D088F999-7A4E-6B4F-9FED-EF75B73AD044}" type="datetimeFigureOut">
+              <a:rPr lang="en-US" smtClean="0"/>
+              <a:t>9/22/2021</a:t>
+            </a:fld>
+            <a:endParaRPr lang="en-US"/>
+          </a:p>
+        </p:txBody>
+      </p:sp>
+      <p:sp>
+        <p:nvSpPr>
+          <p:cNvPr id="5" name="Footer Placeholder 4"/>
+          <p:cNvSpPr>
+            <a:spLocks noGrp="1"/>
+          </p:cNvSpPr>
+          <p:nvPr>
+            <p:ph type="ftr" sz="quarter" idx="11"/>
+          </p:nvPr>
+        </p:nvSpPr>
+        <p:spPr/>
+        <p:txBody>
+          <a:bodyPr/>
+          <a:lstStyle/>
+          <a:p>
+            <a:endParaRPr lang="en-US"/>
+          </a:p>
+        </p:txBody>
+      </p:sp>
+      <p:sp>
+        <p:nvSpPr>
+          <p:cNvPr id="6" name="Slide Number Placeholder 5"/>
+          <p:cNvSpPr>
+            <a:spLocks noGrp="1"/>
+          </p:cNvSpPr>
+          <p:nvPr>
+            <p:ph type="sldNum" sz="quarter" idx="12"/>
+          </p:nvPr>
+        </p:nvSpPr>
+        <p:spPr/>
+        <p:txBody>
+          <a:bodyPr/>
+          <a:lstStyle/>
+          <a:p>
+            <a:fld id="{5D024AAD-DF78-DE44-A1F3-EEB19EDC9165}" type="slidenum">
+              <a:rPr lang="en-US" smtClean="0"/>
+              <a:t>‹#›</a:t>
+            </a:fld>
+            <a:endParaRPr lang="en-US"/>
+          </a:p>
+        </p:txBody>
+      </p:sp>
+    </p:spTree>
+    <p:extLst>
+      <p:ext uri="{BB962C8B-B14F-4D97-AF65-F5344CB8AC3E}">
+        <p14:creationId xmlns:p14="http://schemas.microsoft.com/office/powerpoint/2010/main" val="1472358239"/>
+      </p:ext>
+    </p:extLst>
+  </p:cSld>
+  <p:clrMapOvr>
+    <a:masterClrMapping/>
+  </p:clrMapOvr>
+</p:sldLayout>
+</file>
+
+<file path=ppt/slideLayouts/slideLayout10.xml><?xml version="1.0" encoding="utf-8"?>
+<p:sldLayout xmlns:a="http://schemas.openxmlformats.org/drawingml/2006/main" xmlns:r="http://schemas.openxmlformats.org/officeDocument/2006/relationships" xmlns:p="http://schemas.openxmlformats.org/presentationml/2006/main" type="vertTx" preserve="1">
+  <p:cSld name="Title and Vertical Text">
+    <p:spTree>
+      <p:nvGrpSpPr>
+        <p:cNvPr id="1" name=""/>
+        <p:cNvGrpSpPr/>
+        <p:nvPr/>
+      </p:nvGrpSpPr>
+      <p:grpSpPr>
+        <a:xfrm>
+          <a:off x="0" y="0"/>
+          <a:ext cx="0" cy="0"/>
+          <a:chOff x="0" y="0"/>
+          <a:chExt cx="0" cy="0"/>
+        </a:xfrm>
+      </p:grpSpPr>
+      <p:sp>
+        <p:nvSpPr>
+          <p:cNvPr id="2" name="Title 1"/>
+          <p:cNvSpPr>
+            <a:spLocks noGrp="1"/>
+          </p:cNvSpPr>
+          <p:nvPr>
+            <p:ph type="title"/>
+          </p:nvPr>
+        </p:nvSpPr>
+        <p:spPr/>
+        <p:txBody>
+          <a:bodyPr/>
+          <a:lstStyle/>
+          <a:p>
+            <a:r>
+              <a:rPr lang="en-US"/>
+              <a:t>Click to edit Master title style</a:t>
+            </a:r>
+          </a:p>
+        </p:txBody>
+      </p:sp>
+      <p:sp>
+        <p:nvSpPr>
+          <p:cNvPr id="3" name="Vertical Text Placeholder 2"/>
+          <p:cNvSpPr>
+            <a:spLocks noGrp="1"/>
+          </p:cNvSpPr>
+          <p:nvPr>
+            <p:ph type="body" orient="vert" idx="1"/>
+          </p:nvPr>
+        </p:nvSpPr>
+        <p:spPr/>
+        <p:txBody>
+          <a:bodyPr vert="eaVert"/>
+          <a:lstStyle/>
+          <a:p>
+            <a:pPr lvl="0"/>
+            <a:r>
+              <a:rPr lang="en-US"/>
+              <a:t>Click to edit Master text styles</a:t>
+            </a:r>
+          </a:p>
+          <a:p>
+            <a:pPr lvl="1"/>
+            <a:r>
+              <a:rPr lang="en-US"/>
+              <a:t>Second level</a:t>
+            </a:r>
+          </a:p>
+          <a:p>
+            <a:pPr lvl="2"/>
+            <a:r>
+              <a:rPr lang="en-US"/>
+              <a:t>Third level</a:t>
+            </a:r>
+          </a:p>
+          <a:p>
+            <a:pPr lvl="3"/>
+            <a:r>
+              <a:rPr lang="en-US"/>
+              <a:t>Fourth level</a:t>
+            </a:r>
+          </a:p>
+          <a:p>
+            <a:pPr lvl="4"/>
+            <a:r>
+              <a:rPr lang="en-US"/>
+              <a:t>Fifth level</a:t>
+            </a:r>
+          </a:p>
+        </p:txBody>
+      </p:sp>
+      <p:sp>
+        <p:nvSpPr>
+          <p:cNvPr id="4" name="Date Placeholder 3"/>
+          <p:cNvSpPr>
+            <a:spLocks noGrp="1"/>
+          </p:cNvSpPr>
+          <p:nvPr>
+            <p:ph type="dt" sz="half" idx="10"/>
+          </p:nvPr>
+        </p:nvSpPr>
+        <p:spPr/>
+        <p:txBody>
+          <a:bodyPr/>
+          <a:lstStyle/>
+          <a:p>
+            <a:fld id="{D088F999-7A4E-6B4F-9FED-EF75B73AD044}" type="datetimeFigureOut">
+              <a:rPr lang="en-US" smtClean="0"/>
+              <a:t>9/22/2021</a:t>
+            </a:fld>
+            <a:endParaRPr lang="en-US"/>
+          </a:p>
+        </p:txBody>
+      </p:sp>
+      <p:sp>
+        <p:nvSpPr>
+          <p:cNvPr id="5" name="Footer Placeholder 4"/>
+          <p:cNvSpPr>
+            <a:spLocks noGrp="1"/>
+          </p:cNvSpPr>
+          <p:nvPr>
+            <p:ph type="ftr" sz="quarter" idx="11"/>
+          </p:nvPr>
+        </p:nvSpPr>
+        <p:spPr/>
+        <p:txBody>
+          <a:bodyPr/>
+          <a:lstStyle/>
+          <a:p>
+            <a:endParaRPr lang="en-US"/>
+          </a:p>
+        </p:txBody>
+      </p:sp>
+      <p:sp>
+        <p:nvSpPr>
+          <p:cNvPr id="6" name="Slide Number Placeholder 5"/>
+          <p:cNvSpPr>
+            <a:spLocks noGrp="1"/>
+          </p:cNvSpPr>
+          <p:nvPr>
+            <p:ph type="sldNum" sz="quarter" idx="12"/>
+          </p:nvPr>
+        </p:nvSpPr>
+        <p:spPr/>
+        <p:txBody>
+          <a:bodyPr/>
+          <a:lstStyle/>
+          <a:p>
+            <a:fld id="{5D024AAD-DF78-DE44-A1F3-EEB19EDC9165}" type="slidenum">
+              <a:rPr lang="en-US" smtClean="0"/>
+              <a:t>‹#›</a:t>
+            </a:fld>
+            <a:endParaRPr lang="en-US"/>
+          </a:p>
+        </p:txBody>
+      </p:sp>
+    </p:spTree>
+    <p:extLst>
+      <p:ext uri="{BB962C8B-B14F-4D97-AF65-F5344CB8AC3E}">
+        <p14:creationId xmlns:p14="http://schemas.microsoft.com/office/powerpoint/2010/main" val="3950423606"/>
+      </p:ext>
+    </p:extLst>
+  </p:cSld>
+  <p:clrMapOvr>
+    <a:masterClrMapping/>
+  </p:clrMapOvr>
+</p:sldLayout>
+</file>
+
+<file path=ppt/slideLayouts/slideLayout11.xml><?xml version="1.0" encoding="utf-8"?>
+<p:sldLayout xmlns:a="http://schemas.openxmlformats.org/drawingml/2006/main" xmlns:r="http://schemas.openxmlformats.org/officeDocument/2006/relationships" xmlns:p="http://schemas.openxmlformats.org/presentationml/2006/main" type="vertTitleAndTx" preserve="1">
+  <p:cSld name="Vertical Title and Text">
+    <p:spTree>
+      <p:nvGrpSpPr>
+        <p:cNvPr id="1" name=""/>
+        <p:cNvGrpSpPr/>
+        <p:nvPr/>
+      </p:nvGrpSpPr>
+      <p:grpSpPr>
+        <a:xfrm>
+          <a:off x="0" y="0"/>
+          <a:ext cx="0" cy="0"/>
+          <a:chOff x="0" y="0"/>
+          <a:chExt cx="0" cy="0"/>
+        </a:xfrm>
+      </p:grpSpPr>
+      <p:sp>
+        <p:nvSpPr>
+          <p:cNvPr id="2" name="Vertical Title 1"/>
+          <p:cNvSpPr>
+            <a:spLocks noGrp="1"/>
+          </p:cNvSpPr>
+          <p:nvPr>
+            <p:ph type="title" orient="vert"/>
+          </p:nvPr>
+        </p:nvSpPr>
+        <p:spPr>
+          <a:xfrm>
+            <a:off x="8839200" y="275167"/>
+            <a:ext cx="2743200" cy="5850467"/>
+          </a:xfrm>
+        </p:spPr>
+        <p:txBody>
+          <a:bodyPr vert="eaVert"/>
+          <a:lstStyle/>
+          <a:p>
+            <a:r>
+              <a:rPr lang="en-US"/>
+              <a:t>Click to edit Master title style</a:t>
+            </a:r>
+          </a:p>
+        </p:txBody>
+      </p:sp>
+      <p:sp>
+        <p:nvSpPr>
+          <p:cNvPr id="3" name="Vertical Text Placeholder 2"/>
+          <p:cNvSpPr>
+            <a:spLocks noGrp="1"/>
+          </p:cNvSpPr>
+          <p:nvPr>
+            <p:ph type="body" orient="vert" idx="1"/>
+          </p:nvPr>
+        </p:nvSpPr>
+        <p:spPr>
+          <a:xfrm>
+            <a:off x="609600" y="275167"/>
+            <a:ext cx="8026400" cy="5850467"/>
+          </a:xfrm>
+        </p:spPr>
+        <p:txBody>
+          <a:bodyPr vert="eaVert"/>
+          <a:lstStyle/>
+          <a:p>
+            <a:pPr lvl="0"/>
+            <a:r>
+              <a:rPr lang="en-US"/>
+              <a:t>Click to edit Master text styles</a:t>
+            </a:r>
+          </a:p>
+          <a:p>
+            <a:pPr lvl="1"/>
+            <a:r>
+              <a:rPr lang="en-US"/>
+              <a:t>Second level</a:t>
+            </a:r>
+          </a:p>
+          <a:p>
+            <a:pPr lvl="2"/>
+            <a:r>
+              <a:rPr lang="en-US"/>
+              <a:t>Third level</a:t>
+            </a:r>
+          </a:p>
+          <a:p>
+            <a:pPr lvl="3"/>
+            <a:r>
+              <a:rPr lang="en-US"/>
+              <a:t>Fourth level</a:t>
+            </a:r>
+          </a:p>
+          <a:p>
+            <a:pPr lvl="4"/>
+            <a:r>
+              <a:rPr lang="en-US"/>
+              <a:t>Fifth level</a:t>
+            </a:r>
+          </a:p>
+        </p:txBody>
+      </p:sp>
+      <p:sp>
+        <p:nvSpPr>
+          <p:cNvPr id="4" name="Date Placeholder 3"/>
+          <p:cNvSpPr>
+            <a:spLocks noGrp="1"/>
+          </p:cNvSpPr>
+          <p:nvPr>
+            <p:ph type="dt" sz="half" idx="10"/>
+          </p:nvPr>
+        </p:nvSpPr>
+        <p:spPr/>
+        <p:txBody>
+          <a:bodyPr/>
+          <a:lstStyle/>
+          <a:p>
+            <a:fld id="{D088F999-7A4E-6B4F-9FED-EF75B73AD044}" type="datetimeFigureOut">
+              <a:rPr lang="en-US" smtClean="0"/>
+              <a:t>9/22/2021</a:t>
+            </a:fld>
+            <a:endParaRPr lang="en-US"/>
+          </a:p>
+        </p:txBody>
+      </p:sp>
+      <p:sp>
+        <p:nvSpPr>
+          <p:cNvPr id="5" name="Footer Placeholder 4"/>
+          <p:cNvSpPr>
+            <a:spLocks noGrp="1"/>
+          </p:cNvSpPr>
+          <p:nvPr>
+            <p:ph type="ftr" sz="quarter" idx="11"/>
+          </p:nvPr>
+        </p:nvSpPr>
+        <p:spPr/>
+        <p:txBody>
+          <a:bodyPr/>
+          <a:lstStyle/>
+          <a:p>
+            <a:endParaRPr lang="en-US"/>
+          </a:p>
+        </p:txBody>
+      </p:sp>
+      <p:sp>
+        <p:nvSpPr>
+          <p:cNvPr id="6" name="Slide Number Placeholder 5"/>
+          <p:cNvSpPr>
+            <a:spLocks noGrp="1"/>
+          </p:cNvSpPr>
+          <p:nvPr>
+            <p:ph type="sldNum" sz="quarter" idx="12"/>
+          </p:nvPr>
+        </p:nvSpPr>
+        <p:spPr/>
+        <p:txBody>
+          <a:bodyPr/>
+          <a:lstStyle/>
+          <a:p>
+            <a:fld id="{5D024AAD-DF78-DE44-A1F3-EEB19EDC9165}" type="slidenum">
+              <a:rPr lang="en-US" smtClean="0"/>
+              <a:t>‹#›</a:t>
+            </a:fld>
+            <a:endParaRPr lang="en-US"/>
+          </a:p>
+        </p:txBody>
+      </p:sp>
+    </p:spTree>
+    <p:extLst>
+      <p:ext uri="{BB962C8B-B14F-4D97-AF65-F5344CB8AC3E}">
+        <p14:creationId xmlns:p14="http://schemas.microsoft.com/office/powerpoint/2010/main" val="4144072315"/>
+      </p:ext>
+    </p:extLst>
+  </p:cSld>
+  <p:clrMapOvr>
+    <a:masterClrMapping/>
+  </p:clrMapOvr>
+</p:sldLayout>
+</file>
+
+<file path=ppt/slideLayouts/slideLayout12.xml><?xml version="1.0" encoding="utf-8"?>
 <p:sldLayout xmlns:a="http://schemas.openxmlformats.org/drawingml/2006/main" xmlns:r="http://schemas.openxmlformats.org/officeDocument/2006/relationships" xmlns:p="http://schemas.openxmlformats.org/presentationml/2006/main" showMasterSp="0" type="title" preserve="1">
   <p:cSld name="Title Slide">
     <p:spTree>
@@ -139,7 +1236,9 @@
             <a:avLst/>
           </a:prstGeom>
           <a:solidFill>
-            <a:schemeClr val="accent2"/>
+            <a:schemeClr val="accent1">
+              <a:lumMod val="75000"/>
+            </a:schemeClr>
           </a:solidFill>
           <a:ln>
             <a:noFill/>
@@ -333,7 +1432,7 @@
           <a:p>
             <a:fld id="{EA857CBD-A883-4259-9501-1C56CD3D7B17}" type="datetimeFigureOut">
               <a:rPr lang="en-US" smtClean="0"/>
-              <a:t>8/30/2021</a:t>
+              <a:t>9/22/2021</a:t>
             </a:fld>
             <a:endParaRPr lang="en-US"/>
           </a:p>
@@ -422,7 +1521,7 @@
     </p:spTree>
     <p:extLst>
       <p:ext uri="{BB962C8B-B14F-4D97-AF65-F5344CB8AC3E}">
-        <p14:creationId xmlns:p14="http://schemas.microsoft.com/office/powerpoint/2010/main" val="1956522089"/>
+        <p14:creationId xmlns:p14="http://schemas.microsoft.com/office/powerpoint/2010/main" val="1681144676"/>
       </p:ext>
     </p:extLst>
   </p:cSld>
@@ -432,9 +1531,9 @@
 </p:sldLayout>
 </file>
 
-<file path=ppt/slideLayouts/slideLayout10.xml><?xml version="1.0" encoding="utf-8"?>
-<p:sldLayout xmlns:a="http://schemas.openxmlformats.org/drawingml/2006/main" xmlns:r="http://schemas.openxmlformats.org/officeDocument/2006/relationships" xmlns:p="http://schemas.openxmlformats.org/presentationml/2006/main" type="vertTx" preserve="1">
-  <p:cSld name="Title and Vertical Text">
+<file path=ppt/slideLayouts/slideLayout13.xml><?xml version="1.0" encoding="utf-8"?>
+<p:sldLayout xmlns:a="http://schemas.openxmlformats.org/drawingml/2006/main" xmlns:r="http://schemas.openxmlformats.org/officeDocument/2006/relationships" xmlns:p="http://schemas.openxmlformats.org/presentationml/2006/main" type="obj" preserve="1">
+  <p:cSld name="Title and Content">
     <p:spTree>
       <p:nvGrpSpPr>
         <p:cNvPr id="1" name=""/>
@@ -474,17 +1573,17 @@
       </p:sp>
       <p:sp>
         <p:nvSpPr>
-          <p:cNvPr id="3" name="Vertical Text Placeholder 2"/>
-          <p:cNvSpPr>
-            <a:spLocks noGrp="1"/>
-          </p:cNvSpPr>
-          <p:nvPr>
-            <p:ph type="body" orient="vert" idx="1"/>
+          <p:cNvPr id="3" name="Content Placeholder 2"/>
+          <p:cNvSpPr>
+            <a:spLocks noGrp="1"/>
+          </p:cNvSpPr>
+          <p:nvPr>
+            <p:ph idx="1"/>
           </p:nvPr>
         </p:nvSpPr>
         <p:spPr/>
         <p:txBody>
-          <a:bodyPr vert="eaVert" lIns="45720" tIns="0" rIns="45720" bIns="0"/>
+          <a:bodyPr/>
           <a:lstStyle/>
           <a:p>
             <a:pPr lvl="0"/>
@@ -541,7 +1640,7 @@
           <a:p>
             <a:fld id="{EA857CBD-A883-4259-9501-1C56CD3D7B17}" type="datetimeFigureOut">
               <a:rPr lang="en-US" smtClean="0"/>
-              <a:t>8/30/2021</a:t>
+              <a:t>9/22/2021</a:t>
             </a:fld>
             <a:endParaRPr lang="en-US"/>
           </a:p>
@@ -592,7 +1691,7 @@
     </p:spTree>
     <p:extLst>
       <p:ext uri="{BB962C8B-B14F-4D97-AF65-F5344CB8AC3E}">
-        <p14:creationId xmlns:p14="http://schemas.microsoft.com/office/powerpoint/2010/main" val="1568544995"/>
+        <p14:creationId xmlns:p14="http://schemas.microsoft.com/office/powerpoint/2010/main" val="613706512"/>
       </p:ext>
     </p:extLst>
   </p:cSld>
@@ -602,9 +1701,9 @@
 </p:sldLayout>
 </file>
 
-<file path=ppt/slideLayouts/slideLayout11.xml><?xml version="1.0" encoding="utf-8"?>
-<p:sldLayout xmlns:a="http://schemas.openxmlformats.org/drawingml/2006/main" xmlns:r="http://schemas.openxmlformats.org/officeDocument/2006/relationships" xmlns:p="http://schemas.openxmlformats.org/presentationml/2006/main" showMasterSp="0" type="vertTitleAndTx" preserve="1">
-  <p:cSld name="Vertical Title and Text">
+<file path=ppt/slideLayouts/slideLayout14.xml><?xml version="1.0" encoding="utf-8"?>
+<p:sldLayout xmlns:a="http://schemas.openxmlformats.org/drawingml/2006/main" xmlns:r="http://schemas.openxmlformats.org/officeDocument/2006/relationships" xmlns:p="http://schemas.openxmlformats.org/presentationml/2006/main" showMasterSp="0" type="secHead" preserve="1">
+  <p:cSld name="Section Header">
     <p:spTree>
       <p:nvGrpSpPr>
         <p:cNvPr id="1" name=""/>
@@ -634,7 +1733,9 @@
             <a:avLst/>
           </a:prstGeom>
           <a:solidFill>
-            <a:schemeClr val="accent2"/>
+            <a:schemeClr val="accent1">
+              <a:lumMod val="75000"/>
+            </a:schemeClr>
           </a:solidFill>
           <a:ln>
             <a:noFill/>
@@ -697,440 +1798,6 @@
       </p:sp>
       <p:sp>
         <p:nvSpPr>
-          <p:cNvPr id="2" name="Vertical Title 1"/>
-          <p:cNvSpPr>
-            <a:spLocks noGrp="1"/>
-          </p:cNvSpPr>
-          <p:nvPr>
-            <p:ph type="title" orient="vert"/>
-          </p:nvPr>
-        </p:nvSpPr>
-        <p:spPr>
-          <a:xfrm>
-            <a:off x="8724900" y="412302"/>
-            <a:ext cx="2628900" cy="5759898"/>
-          </a:xfrm>
-        </p:spPr>
-        <p:txBody>
-          <a:bodyPr vert="eaVert"/>
-          <a:lstStyle/>
-          <a:p>
-            <a:r>
-              <a:rPr lang="en-US"/>
-              <a:t>Click to edit Master title style</a:t>
-            </a:r>
-            <a:endParaRPr lang="en-US" dirty="0"/>
-          </a:p>
-        </p:txBody>
-      </p:sp>
-      <p:sp>
-        <p:nvSpPr>
-          <p:cNvPr id="3" name="Vertical Text Placeholder 2"/>
-          <p:cNvSpPr>
-            <a:spLocks noGrp="1"/>
-          </p:cNvSpPr>
-          <p:nvPr>
-            <p:ph type="body" orient="vert" idx="1"/>
-          </p:nvPr>
-        </p:nvSpPr>
-        <p:spPr>
-          <a:xfrm>
-            <a:off x="838200" y="412302"/>
-            <a:ext cx="7734300" cy="5759898"/>
-          </a:xfrm>
-        </p:spPr>
-        <p:txBody>
-          <a:bodyPr vert="eaVert" lIns="45720" tIns="0" rIns="45720" bIns="0"/>
-          <a:lstStyle/>
-          <a:p>
-            <a:pPr lvl="0"/>
-            <a:r>
-              <a:rPr lang="en-US"/>
-              <a:t>Click to edit Master text styles</a:t>
-            </a:r>
-          </a:p>
-          <a:p>
-            <a:pPr lvl="1"/>
-            <a:r>
-              <a:rPr lang="en-US"/>
-              <a:t>Second level</a:t>
-            </a:r>
-          </a:p>
-          <a:p>
-            <a:pPr lvl="2"/>
-            <a:r>
-              <a:rPr lang="en-US"/>
-              <a:t>Third level</a:t>
-            </a:r>
-          </a:p>
-          <a:p>
-            <a:pPr lvl="3"/>
-            <a:r>
-              <a:rPr lang="en-US"/>
-              <a:t>Fourth level</a:t>
-            </a:r>
-          </a:p>
-          <a:p>
-            <a:pPr lvl="4"/>
-            <a:r>
-              <a:rPr lang="en-US"/>
-              <a:t>Fifth level</a:t>
-            </a:r>
-            <a:endParaRPr lang="en-US" dirty="0"/>
-          </a:p>
-        </p:txBody>
-      </p:sp>
-      <p:sp>
-        <p:nvSpPr>
-          <p:cNvPr id="4" name="Date Placeholder 3"/>
-          <p:cNvSpPr>
-            <a:spLocks noGrp="1"/>
-          </p:cNvSpPr>
-          <p:nvPr>
-            <p:ph type="dt" sz="half" idx="10"/>
-          </p:nvPr>
-        </p:nvSpPr>
-        <p:spPr/>
-        <p:txBody>
-          <a:bodyPr/>
-          <a:lstStyle/>
-          <a:p>
-            <a:fld id="{EA857CBD-A883-4259-9501-1C56CD3D7B17}" type="datetimeFigureOut">
-              <a:rPr lang="en-US" smtClean="0"/>
-              <a:t>8/30/2021</a:t>
-            </a:fld>
-            <a:endParaRPr lang="en-US"/>
-          </a:p>
-        </p:txBody>
-      </p:sp>
-      <p:sp>
-        <p:nvSpPr>
-          <p:cNvPr id="5" name="Footer Placeholder 4"/>
-          <p:cNvSpPr>
-            <a:spLocks noGrp="1"/>
-          </p:cNvSpPr>
-          <p:nvPr>
-            <p:ph type="ftr" sz="quarter" idx="11"/>
-          </p:nvPr>
-        </p:nvSpPr>
-        <p:spPr/>
-        <p:txBody>
-          <a:bodyPr/>
-          <a:lstStyle/>
-          <a:p>
-            <a:endParaRPr lang="en-US"/>
-          </a:p>
-        </p:txBody>
-      </p:sp>
-      <p:sp>
-        <p:nvSpPr>
-          <p:cNvPr id="6" name="Slide Number Placeholder 5"/>
-          <p:cNvSpPr>
-            <a:spLocks noGrp="1"/>
-          </p:cNvSpPr>
-          <p:nvPr>
-            <p:ph type="sldNum" sz="quarter" idx="12"/>
-          </p:nvPr>
-        </p:nvSpPr>
-        <p:spPr/>
-        <p:txBody>
-          <a:bodyPr/>
-          <a:lstStyle/>
-          <a:p>
-            <a:fld id="{CF02091F-C107-4755-91B3-FAAE4F49D9FF}" type="slidenum">
-              <a:rPr lang="en-US" smtClean="0"/>
-              <a:t>‹#›</a:t>
-            </a:fld>
-            <a:endParaRPr lang="en-US"/>
-          </a:p>
-        </p:txBody>
-      </p:sp>
-    </p:spTree>
-    <p:extLst>
-      <p:ext uri="{BB962C8B-B14F-4D97-AF65-F5344CB8AC3E}">
-        <p14:creationId xmlns:p14="http://schemas.microsoft.com/office/powerpoint/2010/main" val="2280299850"/>
-      </p:ext>
-    </p:extLst>
-  </p:cSld>
-  <p:clrMapOvr>
-    <a:masterClrMapping/>
-  </p:clrMapOvr>
-</p:sldLayout>
-</file>
-
-<file path=ppt/slideLayouts/slideLayout2.xml><?xml version="1.0" encoding="utf-8"?>
-<p:sldLayout xmlns:a="http://schemas.openxmlformats.org/drawingml/2006/main" xmlns:r="http://schemas.openxmlformats.org/officeDocument/2006/relationships" xmlns:p="http://schemas.openxmlformats.org/presentationml/2006/main" type="obj" preserve="1">
-  <p:cSld name="Title and Content">
-    <p:spTree>
-      <p:nvGrpSpPr>
-        <p:cNvPr id="1" name=""/>
-        <p:cNvGrpSpPr/>
-        <p:nvPr/>
-      </p:nvGrpSpPr>
-      <p:grpSpPr>
-        <a:xfrm>
-          <a:off x="0" y="0"/>
-          <a:ext cx="0" cy="0"/>
-          <a:chOff x="0" y="0"/>
-          <a:chExt cx="0" cy="0"/>
-        </a:xfrm>
-      </p:grpSpPr>
-      <p:sp>
-        <p:nvSpPr>
-          <p:cNvPr id="2" name="Title 1"/>
-          <p:cNvSpPr>
-            <a:spLocks noGrp="1"/>
-          </p:cNvSpPr>
-          <p:nvPr>
-            <p:ph type="title"/>
-          </p:nvPr>
-        </p:nvSpPr>
-        <p:spPr/>
-        <p:txBody>
-          <a:bodyPr/>
-          <a:lstStyle/>
-          <a:p>
-            <a:r>
-              <a:rPr lang="en-US"/>
-              <a:t>Click to edit Master title style</a:t>
-            </a:r>
-            <a:endParaRPr lang="en-US" dirty="0"/>
-          </a:p>
-        </p:txBody>
-      </p:sp>
-      <p:sp>
-        <p:nvSpPr>
-          <p:cNvPr id="3" name="Content Placeholder 2"/>
-          <p:cNvSpPr>
-            <a:spLocks noGrp="1"/>
-          </p:cNvSpPr>
-          <p:nvPr>
-            <p:ph idx="1"/>
-          </p:nvPr>
-        </p:nvSpPr>
-        <p:spPr/>
-        <p:txBody>
-          <a:bodyPr/>
-          <a:lstStyle/>
-          <a:p>
-            <a:pPr lvl="0"/>
-            <a:r>
-              <a:rPr lang="en-US"/>
-              <a:t>Click to edit Master text styles</a:t>
-            </a:r>
-          </a:p>
-          <a:p>
-            <a:pPr lvl="1"/>
-            <a:r>
-              <a:rPr lang="en-US"/>
-              <a:t>Second level</a:t>
-            </a:r>
-          </a:p>
-          <a:p>
-            <a:pPr lvl="2"/>
-            <a:r>
-              <a:rPr lang="en-US"/>
-              <a:t>Third level</a:t>
-            </a:r>
-          </a:p>
-          <a:p>
-            <a:pPr lvl="3"/>
-            <a:r>
-              <a:rPr lang="en-US"/>
-              <a:t>Fourth level</a:t>
-            </a:r>
-          </a:p>
-          <a:p>
-            <a:pPr lvl="4"/>
-            <a:r>
-              <a:rPr lang="en-US"/>
-              <a:t>Fifth level</a:t>
-            </a:r>
-            <a:endParaRPr lang="en-US" dirty="0"/>
-          </a:p>
-        </p:txBody>
-      </p:sp>
-      <p:sp>
-        <p:nvSpPr>
-          <p:cNvPr id="4" name="Date Placeholder 3"/>
-          <p:cNvSpPr>
-            <a:spLocks noGrp="1"/>
-          </p:cNvSpPr>
-          <p:nvPr>
-            <p:ph type="dt" sz="half" idx="10"/>
-          </p:nvPr>
-        </p:nvSpPr>
-        <p:spPr/>
-        <p:txBody>
-          <a:bodyPr/>
-          <a:lstStyle/>
-          <a:p>
-            <a:fld id="{EA857CBD-A883-4259-9501-1C56CD3D7B17}" type="datetimeFigureOut">
-              <a:rPr lang="en-US" smtClean="0"/>
-              <a:t>8/30/2021</a:t>
-            </a:fld>
-            <a:endParaRPr lang="en-US"/>
-          </a:p>
-        </p:txBody>
-      </p:sp>
-      <p:sp>
-        <p:nvSpPr>
-          <p:cNvPr id="5" name="Footer Placeholder 4"/>
-          <p:cNvSpPr>
-            <a:spLocks noGrp="1"/>
-          </p:cNvSpPr>
-          <p:nvPr>
-            <p:ph type="ftr" sz="quarter" idx="11"/>
-          </p:nvPr>
-        </p:nvSpPr>
-        <p:spPr/>
-        <p:txBody>
-          <a:bodyPr/>
-          <a:lstStyle/>
-          <a:p>
-            <a:endParaRPr lang="en-US"/>
-          </a:p>
-        </p:txBody>
-      </p:sp>
-      <p:sp>
-        <p:nvSpPr>
-          <p:cNvPr id="6" name="Slide Number Placeholder 5"/>
-          <p:cNvSpPr>
-            <a:spLocks noGrp="1"/>
-          </p:cNvSpPr>
-          <p:nvPr>
-            <p:ph type="sldNum" sz="quarter" idx="12"/>
-          </p:nvPr>
-        </p:nvSpPr>
-        <p:spPr/>
-        <p:txBody>
-          <a:bodyPr/>
-          <a:lstStyle/>
-          <a:p>
-            <a:fld id="{CF02091F-C107-4755-91B3-FAAE4F49D9FF}" type="slidenum">
-              <a:rPr lang="en-US" smtClean="0"/>
-              <a:t>‹#›</a:t>
-            </a:fld>
-            <a:endParaRPr lang="en-US"/>
-          </a:p>
-        </p:txBody>
-      </p:sp>
-    </p:spTree>
-    <p:extLst>
-      <p:ext uri="{BB962C8B-B14F-4D97-AF65-F5344CB8AC3E}">
-        <p14:creationId xmlns:p14="http://schemas.microsoft.com/office/powerpoint/2010/main" val="3583042151"/>
-      </p:ext>
-    </p:extLst>
-  </p:cSld>
-  <p:clrMapOvr>
-    <a:masterClrMapping/>
-  </p:clrMapOvr>
-</p:sldLayout>
-</file>
-
-<file path=ppt/slideLayouts/slideLayout3.xml><?xml version="1.0" encoding="utf-8"?>
-<p:sldLayout xmlns:a="http://schemas.openxmlformats.org/drawingml/2006/main" xmlns:r="http://schemas.openxmlformats.org/officeDocument/2006/relationships" xmlns:p="http://schemas.openxmlformats.org/presentationml/2006/main" showMasterSp="0" type="secHead" preserve="1">
-  <p:cSld name="Section Header">
-    <p:bg>
-      <p:bgPr>
-        <a:solidFill>
-          <a:schemeClr val="bg1"/>
-        </a:solidFill>
-        <a:effectLst/>
-      </p:bgPr>
-    </p:bg>
-    <p:spTree>
-      <p:nvGrpSpPr>
-        <p:cNvPr id="1" name=""/>
-        <p:cNvGrpSpPr/>
-        <p:nvPr/>
-      </p:nvGrpSpPr>
-      <p:grpSpPr>
-        <a:xfrm>
-          <a:off x="0" y="0"/>
-          <a:ext cx="0" cy="0"/>
-          <a:chOff x="0" y="0"/>
-          <a:chExt cx="0" cy="0"/>
-        </a:xfrm>
-      </p:grpSpPr>
-      <p:sp>
-        <p:nvSpPr>
-          <p:cNvPr id="7" name="Rectangle 6"/>
-          <p:cNvSpPr/>
-          <p:nvPr/>
-        </p:nvSpPr>
-        <p:spPr>
-          <a:xfrm>
-            <a:off x="3175" y="6400800"/>
-            <a:ext cx="12188825" cy="457200"/>
-          </a:xfrm>
-          <a:prstGeom prst="rect">
-            <a:avLst/>
-          </a:prstGeom>
-          <a:solidFill>
-            <a:schemeClr val="accent2"/>
-          </a:solidFill>
-          <a:ln>
-            <a:noFill/>
-          </a:ln>
-        </p:spPr>
-        <p:style>
-          <a:lnRef idx="2">
-            <a:schemeClr val="accent1">
-              <a:shade val="50000"/>
-            </a:schemeClr>
-          </a:lnRef>
-          <a:fillRef idx="1">
-            <a:schemeClr val="accent1"/>
-          </a:fillRef>
-          <a:effectRef idx="0">
-            <a:schemeClr val="accent1"/>
-          </a:effectRef>
-          <a:fontRef idx="minor">
-            <a:schemeClr val="lt1"/>
-          </a:fontRef>
-        </p:style>
-      </p:sp>
-      <p:sp>
-        <p:nvSpPr>
-          <p:cNvPr id="8" name="Rectangle 7"/>
-          <p:cNvSpPr/>
-          <p:nvPr/>
-        </p:nvSpPr>
-        <p:spPr>
-          <a:xfrm>
-            <a:off x="15" y="6334316"/>
-            <a:ext cx="12188825" cy="64008"/>
-          </a:xfrm>
-          <a:prstGeom prst="rect">
-            <a:avLst/>
-          </a:prstGeom>
-          <a:solidFill>
-            <a:schemeClr val="accent1"/>
-          </a:solidFill>
-          <a:ln>
-            <a:noFill/>
-          </a:ln>
-        </p:spPr>
-        <p:style>
-          <a:lnRef idx="2">
-            <a:schemeClr val="accent1">
-              <a:shade val="50000"/>
-            </a:schemeClr>
-          </a:lnRef>
-          <a:fillRef idx="1">
-            <a:schemeClr val="accent1"/>
-          </a:fillRef>
-          <a:effectRef idx="0">
-            <a:schemeClr val="accent1"/>
-          </a:effectRef>
-          <a:fontRef idx="minor">
-            <a:schemeClr val="lt1"/>
-          </a:fontRef>
-        </p:style>
-      </p:sp>
-      <p:sp>
-        <p:nvSpPr>
           <p:cNvPr id="2" name="Title 1"/>
           <p:cNvSpPr>
             <a:spLocks noGrp="1"/>
@@ -1310,7 +1977,7 @@
           <a:p>
             <a:fld id="{EA857CBD-A883-4259-9501-1C56CD3D7B17}" type="datetimeFigureOut">
               <a:rPr lang="en-US" smtClean="0"/>
-              <a:t>8/30/2021</a:t>
+              <a:t>9/22/2021</a:t>
             </a:fld>
             <a:endParaRPr lang="en-US"/>
           </a:p>
@@ -1399,7 +2066,7 @@
     </p:spTree>
     <p:extLst>
       <p:ext uri="{BB962C8B-B14F-4D97-AF65-F5344CB8AC3E}">
-        <p14:creationId xmlns:p14="http://schemas.microsoft.com/office/powerpoint/2010/main" val="3125989560"/>
+        <p14:creationId xmlns:p14="http://schemas.microsoft.com/office/powerpoint/2010/main" val="1863803697"/>
       </p:ext>
     </p:extLst>
   </p:cSld>
@@ -1409,7 +2076,7 @@
 </p:sldLayout>
 </file>
 
-<file path=ppt/slideLayouts/slideLayout4.xml><?xml version="1.0" encoding="utf-8"?>
+<file path=ppt/slideLayouts/slideLayout15.xml><?xml version="1.0" encoding="utf-8"?>
 <p:sldLayout xmlns:a="http://schemas.openxmlformats.org/drawingml/2006/main" xmlns:r="http://schemas.openxmlformats.org/officeDocument/2006/relationships" xmlns:p="http://schemas.openxmlformats.org/presentationml/2006/main" type="twoObj" preserve="1">
   <p:cSld name="Two Content">
     <p:spTree>
@@ -1467,7 +2134,7 @@
         <p:spPr>
           <a:xfrm>
             <a:off x="1097278" y="1845734"/>
-            <a:ext cx="4937760" cy="4023360"/>
+            <a:ext cx="4937760" cy="4023359"/>
           </a:xfrm>
         </p:spPr>
         <p:txBody>
@@ -1585,7 +2252,7 @@
           <a:p>
             <a:fld id="{EA857CBD-A883-4259-9501-1C56CD3D7B17}" type="datetimeFigureOut">
               <a:rPr lang="en-US" smtClean="0"/>
-              <a:t>8/30/2021</a:t>
+              <a:t>9/22/2021</a:t>
             </a:fld>
             <a:endParaRPr lang="en-US"/>
           </a:p>
@@ -1636,7 +2303,7 @@
     </p:spTree>
     <p:extLst>
       <p:ext uri="{BB962C8B-B14F-4D97-AF65-F5344CB8AC3E}">
-        <p14:creationId xmlns:p14="http://schemas.microsoft.com/office/powerpoint/2010/main" val="1338421726"/>
+        <p14:creationId xmlns:p14="http://schemas.microsoft.com/office/powerpoint/2010/main" val="1500967710"/>
       </p:ext>
     </p:extLst>
   </p:cSld>
@@ -1646,7 +2313,7 @@
 </p:sldLayout>
 </file>
 
-<file path=ppt/slideLayouts/slideLayout5.xml><?xml version="1.0" encoding="utf-8"?>
+<file path=ppt/slideLayouts/slideLayout16.xml><?xml version="1.0" encoding="utf-8"?>
 <p:sldLayout xmlns:a="http://schemas.openxmlformats.org/drawingml/2006/main" xmlns:r="http://schemas.openxmlformats.org/officeDocument/2006/relationships" xmlns:p="http://schemas.openxmlformats.org/presentationml/2006/main" type="twoTxTwoObj" preserve="1">
   <p:cSld name="Comparison">
     <p:spTree>
@@ -1716,7 +2383,9 @@
               <a:buNone/>
               <a:defRPr sz="2000" b="0" cap="all" baseline="0">
                 <a:solidFill>
-                  <a:schemeClr val="tx2"/>
+                  <a:schemeClr val="tx2">
+                    <a:lumMod val="90000"/>
+                  </a:schemeClr>
                 </a:solidFill>
               </a:defRPr>
             </a:lvl1pPr>
@@ -1844,7 +2513,9 @@
               <a:buNone/>
               <a:defRPr sz="2000" b="0" cap="all" baseline="0">
                 <a:solidFill>
-                  <a:schemeClr val="tx2"/>
+                  <a:schemeClr val="tx2">
+                    <a:lumMod val="90000"/>
+                  </a:schemeClr>
                 </a:solidFill>
               </a:defRPr>
             </a:lvl1pPr>
@@ -1964,7 +2635,7 @@
           <a:p>
             <a:fld id="{EA857CBD-A883-4259-9501-1C56CD3D7B17}" type="datetimeFigureOut">
               <a:rPr lang="en-US" smtClean="0"/>
-              <a:t>8/30/2021</a:t>
+              <a:t>9/22/2021</a:t>
             </a:fld>
             <a:endParaRPr lang="en-US"/>
           </a:p>
@@ -2015,7 +2686,7 @@
     </p:spTree>
     <p:extLst>
       <p:ext uri="{BB962C8B-B14F-4D97-AF65-F5344CB8AC3E}">
-        <p14:creationId xmlns:p14="http://schemas.microsoft.com/office/powerpoint/2010/main" val="3556513091"/>
+        <p14:creationId xmlns:p14="http://schemas.microsoft.com/office/powerpoint/2010/main" val="2818643756"/>
       </p:ext>
     </p:extLst>
   </p:cSld>
@@ -2025,7 +2696,7 @@
 </p:sldLayout>
 </file>
 
-<file path=ppt/slideLayouts/slideLayout6.xml><?xml version="1.0" encoding="utf-8"?>
+<file path=ppt/slideLayouts/slideLayout17.xml><?xml version="1.0" encoding="utf-8"?>
 <p:sldLayout xmlns:a="http://schemas.openxmlformats.org/drawingml/2006/main" xmlns:r="http://schemas.openxmlformats.org/officeDocument/2006/relationships" xmlns:p="http://schemas.openxmlformats.org/presentationml/2006/main" type="titleOnly" preserve="1">
   <p:cSld name="Title Only">
     <p:spTree>
@@ -2082,7 +2753,7 @@
           <a:p>
             <a:fld id="{EA857CBD-A883-4259-9501-1C56CD3D7B17}" type="datetimeFigureOut">
               <a:rPr lang="en-US" smtClean="0"/>
-              <a:t>8/30/2021</a:t>
+              <a:t>9/22/2021</a:t>
             </a:fld>
             <a:endParaRPr lang="en-US"/>
           </a:p>
@@ -2133,7 +2804,7 @@
     </p:spTree>
     <p:extLst>
       <p:ext uri="{BB962C8B-B14F-4D97-AF65-F5344CB8AC3E}">
-        <p14:creationId xmlns:p14="http://schemas.microsoft.com/office/powerpoint/2010/main" val="843319013"/>
+        <p14:creationId xmlns:p14="http://schemas.microsoft.com/office/powerpoint/2010/main" val="649387575"/>
       </p:ext>
     </p:extLst>
   </p:cSld>
@@ -2143,7 +2814,7 @@
 </p:sldLayout>
 </file>
 
-<file path=ppt/slideLayouts/slideLayout7.xml><?xml version="1.0" encoding="utf-8"?>
+<file path=ppt/slideLayouts/slideLayout18.xml><?xml version="1.0" encoding="utf-8"?>
 <p:sldLayout xmlns:a="http://schemas.openxmlformats.org/drawingml/2006/main" xmlns:r="http://schemas.openxmlformats.org/officeDocument/2006/relationships" xmlns:p="http://schemas.openxmlformats.org/presentationml/2006/main" showMasterSp="0" type="blank" preserve="1">
   <p:cSld name="Blank">
     <p:spTree>
@@ -2175,7 +2846,9 @@
             <a:avLst/>
           </a:prstGeom>
           <a:solidFill>
-            <a:schemeClr val="accent2"/>
+            <a:schemeClr val="accent1">
+              <a:lumMod val="75000"/>
+            </a:schemeClr>
           </a:solidFill>
           <a:ln>
             <a:noFill/>
@@ -2253,7 +2926,7 @@
           <a:p>
             <a:fld id="{EA857CBD-A883-4259-9501-1C56CD3D7B17}" type="datetimeFigureOut">
               <a:rPr lang="en-US" smtClean="0"/>
-              <a:t>8/30/2021</a:t>
+              <a:t>9/22/2021</a:t>
             </a:fld>
             <a:endParaRPr lang="en-US"/>
           </a:p>
@@ -2312,7 +2985,7 @@
     </p:spTree>
     <p:extLst>
       <p:ext uri="{BB962C8B-B14F-4D97-AF65-F5344CB8AC3E}">
-        <p14:creationId xmlns:p14="http://schemas.microsoft.com/office/powerpoint/2010/main" val="2084272086"/>
+        <p14:creationId xmlns:p14="http://schemas.microsoft.com/office/powerpoint/2010/main" val="179420605"/>
       </p:ext>
     </p:extLst>
   </p:cSld>
@@ -2322,7 +2995,7 @@
 </p:sldLayout>
 </file>
 
-<file path=ppt/slideLayouts/slideLayout8.xml><?xml version="1.0" encoding="utf-8"?>
+<file path=ppt/slideLayouts/slideLayout19.xml><?xml version="1.0" encoding="utf-8"?>
 <p:sldLayout xmlns:a="http://schemas.openxmlformats.org/drawingml/2006/main" xmlns:r="http://schemas.openxmlformats.org/officeDocument/2006/relationships" xmlns:p="http://schemas.openxmlformats.org/presentationml/2006/main" showMasterSp="0" type="objTx" preserve="1">
   <p:cSld name="Content with Caption">
     <p:spTree>
@@ -2347,14 +3020,16 @@
         </p:nvSpPr>
         <p:spPr>
           <a:xfrm>
-            <a:off x="16" y="0"/>
+            <a:off x="0" y="0"/>
             <a:ext cx="4050791" cy="6858000"/>
           </a:xfrm>
           <a:prstGeom prst="rect">
             <a:avLst/>
           </a:prstGeom>
           <a:solidFill>
-            <a:schemeClr val="accent2"/>
+            <a:schemeClr val="accent1">
+              <a:lumMod val="75000"/>
+            </a:schemeClr>
           </a:solidFill>
           <a:ln>
             <a:noFill/>
@@ -2607,7 +3282,7 @@
           <a:p>
             <a:fld id="{EA857CBD-A883-4259-9501-1C56CD3D7B17}" type="datetimeFigureOut">
               <a:rPr lang="en-US" smtClean="0"/>
-              <a:t>8/30/2021</a:t>
+              <a:t>9/22/2021</a:t>
             </a:fld>
             <a:endParaRPr lang="en-US"/>
           </a:p>
@@ -2679,7 +3354,7 @@
     </p:spTree>
     <p:extLst>
       <p:ext uri="{BB962C8B-B14F-4D97-AF65-F5344CB8AC3E}">
-        <p14:creationId xmlns:p14="http://schemas.microsoft.com/office/powerpoint/2010/main" val="714829168"/>
+        <p14:creationId xmlns:p14="http://schemas.microsoft.com/office/powerpoint/2010/main" val="2640590107"/>
       </p:ext>
     </p:extLst>
   </p:cSld>
@@ -2689,7 +3364,175 @@
 </p:sldLayout>
 </file>
 
-<file path=ppt/slideLayouts/slideLayout9.xml><?xml version="1.0" encoding="utf-8"?>
+<file path=ppt/slideLayouts/slideLayout2.xml><?xml version="1.0" encoding="utf-8"?>
+<p:sldLayout xmlns:a="http://schemas.openxmlformats.org/drawingml/2006/main" xmlns:r="http://schemas.openxmlformats.org/officeDocument/2006/relationships" xmlns:p="http://schemas.openxmlformats.org/presentationml/2006/main" type="obj" preserve="1">
+  <p:cSld name="Title and Content">
+    <p:spTree>
+      <p:nvGrpSpPr>
+        <p:cNvPr id="1" name=""/>
+        <p:cNvGrpSpPr/>
+        <p:nvPr/>
+      </p:nvGrpSpPr>
+      <p:grpSpPr>
+        <a:xfrm>
+          <a:off x="0" y="0"/>
+          <a:ext cx="0" cy="0"/>
+          <a:chOff x="0" y="0"/>
+          <a:chExt cx="0" cy="0"/>
+        </a:xfrm>
+      </p:grpSpPr>
+      <p:sp>
+        <p:nvSpPr>
+          <p:cNvPr id="2" name="Title 1"/>
+          <p:cNvSpPr>
+            <a:spLocks noGrp="1"/>
+          </p:cNvSpPr>
+          <p:nvPr>
+            <p:ph type="title"/>
+          </p:nvPr>
+        </p:nvSpPr>
+        <p:spPr/>
+        <p:txBody>
+          <a:bodyPr/>
+          <a:lstStyle/>
+          <a:p>
+            <a:r>
+              <a:rPr lang="en-US"/>
+              <a:t>Click to edit Master title style</a:t>
+            </a:r>
+          </a:p>
+        </p:txBody>
+      </p:sp>
+      <p:sp>
+        <p:nvSpPr>
+          <p:cNvPr id="3" name="Content Placeholder 2"/>
+          <p:cNvSpPr>
+            <a:spLocks noGrp="1"/>
+          </p:cNvSpPr>
+          <p:nvPr>
+            <p:ph idx="1"/>
+          </p:nvPr>
+        </p:nvSpPr>
+        <p:spPr/>
+        <p:txBody>
+          <a:bodyPr/>
+          <a:lstStyle/>
+          <a:p>
+            <a:pPr lvl="0"/>
+            <a:r>
+              <a:rPr lang="en-US"/>
+              <a:t>Click to edit Master text styles</a:t>
+            </a:r>
+          </a:p>
+          <a:p>
+            <a:pPr lvl="1"/>
+            <a:r>
+              <a:rPr lang="en-US"/>
+              <a:t>Second level</a:t>
+            </a:r>
+          </a:p>
+          <a:p>
+            <a:pPr lvl="2"/>
+            <a:r>
+              <a:rPr lang="en-US"/>
+              <a:t>Third level</a:t>
+            </a:r>
+          </a:p>
+          <a:p>
+            <a:pPr lvl="3"/>
+            <a:r>
+              <a:rPr lang="en-US"/>
+              <a:t>Fourth level</a:t>
+            </a:r>
+          </a:p>
+          <a:p>
+            <a:pPr lvl="4"/>
+            <a:r>
+              <a:rPr lang="en-US"/>
+              <a:t>Fifth level</a:t>
+            </a:r>
+          </a:p>
+        </p:txBody>
+      </p:sp>
+      <p:sp>
+        <p:nvSpPr>
+          <p:cNvPr id="4" name="Date Placeholder 3"/>
+          <p:cNvSpPr>
+            <a:spLocks noGrp="1"/>
+          </p:cNvSpPr>
+          <p:nvPr>
+            <p:ph type="dt" sz="half" idx="10"/>
+          </p:nvPr>
+        </p:nvSpPr>
+        <p:spPr/>
+        <p:txBody>
+          <a:bodyPr/>
+          <a:lstStyle/>
+          <a:p>
+            <a:fld id="{D088F999-7A4E-6B4F-9FED-EF75B73AD044}" type="datetimeFigureOut">
+              <a:rPr lang="en-US" smtClean="0"/>
+              <a:t>9/22/2021</a:t>
+            </a:fld>
+            <a:endParaRPr lang="en-US"/>
+          </a:p>
+        </p:txBody>
+      </p:sp>
+      <p:sp>
+        <p:nvSpPr>
+          <p:cNvPr id="5" name="Footer Placeholder 4"/>
+          <p:cNvSpPr>
+            <a:spLocks noGrp="1"/>
+          </p:cNvSpPr>
+          <p:nvPr>
+            <p:ph type="ftr" sz="quarter" idx="11"/>
+          </p:nvPr>
+        </p:nvSpPr>
+        <p:spPr/>
+        <p:txBody>
+          <a:bodyPr/>
+          <a:lstStyle/>
+          <a:p>
+            <a:endParaRPr lang="en-US"/>
+          </a:p>
+        </p:txBody>
+      </p:sp>
+      <p:sp>
+        <p:nvSpPr>
+          <p:cNvPr id="6" name="Slide Number Placeholder 5"/>
+          <p:cNvSpPr>
+            <a:spLocks noGrp="1"/>
+          </p:cNvSpPr>
+          <p:nvPr>
+            <p:ph type="sldNum" sz="quarter" idx="12"/>
+          </p:nvPr>
+        </p:nvSpPr>
+        <p:spPr/>
+        <p:txBody>
+          <a:bodyPr/>
+          <a:lstStyle/>
+          <a:p>
+            <a:fld id="{5D024AAD-DF78-DE44-A1F3-EEB19EDC9165}" type="slidenum">
+              <a:rPr lang="en-US" smtClean="0"/>
+              <a:t>‹#›</a:t>
+            </a:fld>
+            <a:endParaRPr lang="en-US"/>
+          </a:p>
+        </p:txBody>
+      </p:sp>
+    </p:spTree>
+    <p:extLst>
+      <p:ext uri="{BB962C8B-B14F-4D97-AF65-F5344CB8AC3E}">
+        <p14:creationId xmlns:p14="http://schemas.microsoft.com/office/powerpoint/2010/main" val="2131335822"/>
+      </p:ext>
+    </p:extLst>
+  </p:cSld>
+  <p:clrMapOvr>
+    <a:masterClrMapping/>
+  </p:clrMapOvr>
+</p:sldLayout>
+</file>
+
+<file path=ppt/slideLayouts/slideLayout20.xml><?xml version="1.0" encoding="utf-8"?>
 <p:sldLayout xmlns:a="http://schemas.openxmlformats.org/drawingml/2006/main" xmlns:r="http://schemas.openxmlformats.org/officeDocument/2006/relationships" xmlns:p="http://schemas.openxmlformats.org/presentationml/2006/main" showMasterSp="0" type="picTx" preserve="1">
   <p:cSld name="Picture with Caption">
     <p:spTree>
@@ -2706,44 +3549,6 @@
           <a:chExt cx="0" cy="0"/>
         </a:xfrm>
       </p:grpSpPr>
-      <p:sp>
-        <p:nvSpPr>
-          <p:cNvPr id="8" name="Rectangle 7"/>
-          <p:cNvSpPr/>
-          <p:nvPr/>
-        </p:nvSpPr>
-        <p:spPr>
-          <a:xfrm>
-            <a:off x="0" y="4953000"/>
-            <a:ext cx="12188825" cy="1905000"/>
-          </a:xfrm>
-          <a:prstGeom prst="rect">
-            <a:avLst/>
-          </a:prstGeom>
-          <a:solidFill>
-            <a:schemeClr val="accent2"/>
-          </a:solidFill>
-          <a:ln>
-            <a:noFill/>
-          </a:ln>
-        </p:spPr>
-        <p:style>
-          <a:lnRef idx="2">
-            <a:schemeClr val="accent1">
-              <a:shade val="50000"/>
-            </a:schemeClr>
-          </a:lnRef>
-          <a:fillRef idx="1">
-            <a:schemeClr val="accent1"/>
-          </a:fillRef>
-          <a:effectRef idx="0">
-            <a:schemeClr val="accent1"/>
-          </a:effectRef>
-          <a:fontRef idx="minor">
-            <a:schemeClr val="lt1"/>
-          </a:fontRef>
-        </p:style>
-      </p:sp>
       <p:sp>
         <p:nvSpPr>
           <p:cNvPr id="9" name="Rectangle 8"/>
@@ -2799,14 +3604,14 @@
           </a:xfrm>
         </p:spPr>
         <p:txBody>
-          <a:bodyPr lIns="91440" tIns="0" rIns="91440" bIns="0" anchor="b">
+          <a:bodyPr tIns="0" bIns="0" anchor="b">
             <a:noAutofit/>
           </a:bodyPr>
           <a:lstStyle>
             <a:lvl1pPr>
               <a:defRPr sz="3600" b="0">
                 <a:solidFill>
-                  <a:srgbClr val="FFFFFF"/>
+                  <a:schemeClr val="tx1"/>
                 </a:solidFill>
               </a:defRPr>
             </a:lvl1pPr>
@@ -2836,8 +3641,9 @@
             <a:ext cx="12191985" cy="4915076"/>
           </a:xfrm>
           <a:solidFill>
-            <a:schemeClr val="bg2">
-              <a:lumMod val="90000"/>
+            <a:schemeClr val="bg1">
+              <a:lumMod val="50000"/>
+              <a:lumOff val="50000"/>
             </a:schemeClr>
           </a:solidFill>
         </p:spPr>
@@ -2921,7 +3727,7 @@
               <a:buNone/>
               <a:defRPr sz="1500">
                 <a:solidFill>
-                  <a:srgbClr val="FFFFFF"/>
+                  <a:schemeClr val="tx1"/>
                 </a:solidFill>
               </a:defRPr>
             </a:lvl1pPr>
@@ -2980,11 +3786,19 @@
         <p:spPr/>
         <p:txBody>
           <a:bodyPr/>
-          <a:lstStyle/>
+          <a:lstStyle>
+            <a:lvl1pPr>
+              <a:defRPr>
+                <a:solidFill>
+                  <a:schemeClr val="tx2"/>
+                </a:solidFill>
+              </a:defRPr>
+            </a:lvl1pPr>
+          </a:lstStyle>
           <a:p>
             <a:fld id="{EA857CBD-A883-4259-9501-1C56CD3D7B17}" type="datetimeFigureOut">
               <a:rPr lang="en-US" smtClean="0"/>
-              <a:t>8/30/2021</a:t>
+              <a:t>9/22/2021</a:t>
             </a:fld>
             <a:endParaRPr lang="en-US"/>
           </a:p>
@@ -3003,7 +3817,15 @@
         <p:spPr/>
         <p:txBody>
           <a:bodyPr/>
-          <a:lstStyle/>
+          <a:lstStyle>
+            <a:lvl1pPr>
+              <a:defRPr>
+                <a:solidFill>
+                  <a:schemeClr val="tx2"/>
+                </a:solidFill>
+              </a:defRPr>
+            </a:lvl1pPr>
+          </a:lstStyle>
           <a:p>
             <a:endParaRPr lang="en-US"/>
           </a:p>
@@ -3022,7 +3844,15 @@
         <p:spPr/>
         <p:txBody>
           <a:bodyPr/>
-          <a:lstStyle/>
+          <a:lstStyle>
+            <a:lvl1pPr>
+              <a:defRPr>
+                <a:solidFill>
+                  <a:schemeClr val="tx2"/>
+                </a:solidFill>
+              </a:defRPr>
+            </a:lvl1pPr>
+          </a:lstStyle>
           <a:p>
             <a:fld id="{CF02091F-C107-4755-91B3-FAAE4F49D9FF}" type="slidenum">
               <a:rPr lang="en-US" smtClean="0"/>
@@ -3035,7 +3865,7 @@
     </p:spTree>
     <p:extLst>
       <p:ext uri="{BB962C8B-B14F-4D97-AF65-F5344CB8AC3E}">
-        <p14:creationId xmlns:p14="http://schemas.microsoft.com/office/powerpoint/2010/main" val="3542512327"/>
+        <p14:creationId xmlns:p14="http://schemas.microsoft.com/office/powerpoint/2010/main" val="859944432"/>
       </p:ext>
     </p:extLst>
   </p:cSld>
@@ -3045,14 +3875,9 @@
 </p:sldLayout>
 </file>
 
-<file path=ppt/slideMasters/slideMaster1.xml><?xml version="1.0" encoding="utf-8"?>
-<p:sldMaster xmlns:a="http://schemas.openxmlformats.org/drawingml/2006/main" xmlns:r="http://schemas.openxmlformats.org/officeDocument/2006/relationships" xmlns:p="http://schemas.openxmlformats.org/presentationml/2006/main">
-  <p:cSld>
-    <p:bg>
-      <p:bgRef idx="1001">
-        <a:schemeClr val="bg1"/>
-      </p:bgRef>
-    </p:bg>
+<file path=ppt/slideLayouts/slideLayout21.xml><?xml version="1.0" encoding="utf-8"?>
+<p:sldLayout xmlns:a="http://schemas.openxmlformats.org/drawingml/2006/main" xmlns:r="http://schemas.openxmlformats.org/officeDocument/2006/relationships" xmlns:p="http://schemas.openxmlformats.org/presentationml/2006/main" type="vertTx" preserve="1">
+  <p:cSld name="Title and Vertical Text">
     <p:spTree>
       <p:nvGrpSpPr>
         <p:cNvPr id="1" name=""/>
@@ -3069,20 +3894,192 @@
       </p:grpSpPr>
       <p:sp>
         <p:nvSpPr>
+          <p:cNvPr id="2" name="Title 1"/>
+          <p:cNvSpPr>
+            <a:spLocks noGrp="1"/>
+          </p:cNvSpPr>
+          <p:nvPr>
+            <p:ph type="title"/>
+          </p:nvPr>
+        </p:nvSpPr>
+        <p:spPr/>
+        <p:txBody>
+          <a:bodyPr/>
+          <a:lstStyle/>
+          <a:p>
+            <a:r>
+              <a:rPr lang="en-US"/>
+              <a:t>Click to edit Master title style</a:t>
+            </a:r>
+            <a:endParaRPr lang="en-US" dirty="0"/>
+          </a:p>
+        </p:txBody>
+      </p:sp>
+      <p:sp>
+        <p:nvSpPr>
+          <p:cNvPr id="3" name="Vertical Text Placeholder 2"/>
+          <p:cNvSpPr>
+            <a:spLocks noGrp="1"/>
+          </p:cNvSpPr>
+          <p:nvPr>
+            <p:ph type="body" orient="vert" idx="1"/>
+          </p:nvPr>
+        </p:nvSpPr>
+        <p:spPr/>
+        <p:txBody>
+          <a:bodyPr vert="eaVert" lIns="45720" tIns="0" rIns="45720" bIns="0"/>
+          <a:lstStyle/>
+          <a:p>
+            <a:pPr lvl="0"/>
+            <a:r>
+              <a:rPr lang="en-US"/>
+              <a:t>Click to edit Master text styles</a:t>
+            </a:r>
+          </a:p>
+          <a:p>
+            <a:pPr lvl="1"/>
+            <a:r>
+              <a:rPr lang="en-US"/>
+              <a:t>Second level</a:t>
+            </a:r>
+          </a:p>
+          <a:p>
+            <a:pPr lvl="2"/>
+            <a:r>
+              <a:rPr lang="en-US"/>
+              <a:t>Third level</a:t>
+            </a:r>
+          </a:p>
+          <a:p>
+            <a:pPr lvl="3"/>
+            <a:r>
+              <a:rPr lang="en-US"/>
+              <a:t>Fourth level</a:t>
+            </a:r>
+          </a:p>
+          <a:p>
+            <a:pPr lvl="4"/>
+            <a:r>
+              <a:rPr lang="en-US"/>
+              <a:t>Fifth level</a:t>
+            </a:r>
+            <a:endParaRPr lang="en-US" dirty="0"/>
+          </a:p>
+        </p:txBody>
+      </p:sp>
+      <p:sp>
+        <p:nvSpPr>
+          <p:cNvPr id="4" name="Date Placeholder 3"/>
+          <p:cNvSpPr>
+            <a:spLocks noGrp="1"/>
+          </p:cNvSpPr>
+          <p:nvPr>
+            <p:ph type="dt" sz="half" idx="10"/>
+          </p:nvPr>
+        </p:nvSpPr>
+        <p:spPr/>
+        <p:txBody>
+          <a:bodyPr/>
+          <a:lstStyle/>
+          <a:p>
+            <a:fld id="{EA857CBD-A883-4259-9501-1C56CD3D7B17}" type="datetimeFigureOut">
+              <a:rPr lang="en-US" smtClean="0"/>
+              <a:t>9/22/2021</a:t>
+            </a:fld>
+            <a:endParaRPr lang="en-US"/>
+          </a:p>
+        </p:txBody>
+      </p:sp>
+      <p:sp>
+        <p:nvSpPr>
+          <p:cNvPr id="5" name="Footer Placeholder 4"/>
+          <p:cNvSpPr>
+            <a:spLocks noGrp="1"/>
+          </p:cNvSpPr>
+          <p:nvPr>
+            <p:ph type="ftr" sz="quarter" idx="11"/>
+          </p:nvPr>
+        </p:nvSpPr>
+        <p:spPr/>
+        <p:txBody>
+          <a:bodyPr/>
+          <a:lstStyle/>
+          <a:p>
+            <a:endParaRPr lang="en-US"/>
+          </a:p>
+        </p:txBody>
+      </p:sp>
+      <p:sp>
+        <p:nvSpPr>
+          <p:cNvPr id="6" name="Slide Number Placeholder 5"/>
+          <p:cNvSpPr>
+            <a:spLocks noGrp="1"/>
+          </p:cNvSpPr>
+          <p:nvPr>
+            <p:ph type="sldNum" sz="quarter" idx="12"/>
+          </p:nvPr>
+        </p:nvSpPr>
+        <p:spPr/>
+        <p:txBody>
+          <a:bodyPr/>
+          <a:lstStyle/>
+          <a:p>
+            <a:fld id="{CF02091F-C107-4755-91B3-FAAE4F49D9FF}" type="slidenum">
+              <a:rPr lang="en-US" smtClean="0"/>
+              <a:t>‹#›</a:t>
+            </a:fld>
+            <a:endParaRPr lang="en-US"/>
+          </a:p>
+        </p:txBody>
+      </p:sp>
+    </p:spTree>
+    <p:extLst>
+      <p:ext uri="{BB962C8B-B14F-4D97-AF65-F5344CB8AC3E}">
+        <p14:creationId xmlns:p14="http://schemas.microsoft.com/office/powerpoint/2010/main" val="4252778645"/>
+      </p:ext>
+    </p:extLst>
+  </p:cSld>
+  <p:clrMapOvr>
+    <a:masterClrMapping/>
+  </p:clrMapOvr>
+</p:sldLayout>
+</file>
+
+<file path=ppt/slideLayouts/slideLayout22.xml><?xml version="1.0" encoding="utf-8"?>
+<p:sldLayout xmlns:a="http://schemas.openxmlformats.org/drawingml/2006/main" xmlns:r="http://schemas.openxmlformats.org/officeDocument/2006/relationships" xmlns:p="http://schemas.openxmlformats.org/presentationml/2006/main" showMasterSp="0" type="vertTitleAndTx" preserve="1">
+  <p:cSld name="Vertical Title and Text">
+    <p:spTree>
+      <p:nvGrpSpPr>
+        <p:cNvPr id="1" name=""/>
+        <p:cNvGrpSpPr/>
+        <p:nvPr/>
+      </p:nvGrpSpPr>
+      <p:grpSpPr>
+        <a:xfrm>
+          <a:off x="0" y="0"/>
+          <a:ext cx="0" cy="0"/>
+          <a:chOff x="0" y="0"/>
+          <a:chExt cx="0" cy="0"/>
+        </a:xfrm>
+      </p:grpSpPr>
+      <p:sp>
+        <p:nvSpPr>
           <p:cNvPr id="7" name="Rectangle 6"/>
           <p:cNvSpPr/>
           <p:nvPr/>
         </p:nvSpPr>
         <p:spPr>
           <a:xfrm>
-            <a:off x="1" y="6400800"/>
-            <a:ext cx="12192000" cy="457200"/>
+            <a:off x="3175" y="6400800"/>
+            <a:ext cx="12188825" cy="457200"/>
           </a:xfrm>
           <a:prstGeom prst="rect">
             <a:avLst/>
           </a:prstGeom>
           <a:solidFill>
-            <a:schemeClr val="accent2"/>
+            <a:schemeClr val="accent1">
+              <a:lumMod val="75000"/>
+            </a:schemeClr>
           </a:solidFill>
           <a:ln>
             <a:noFill/>
@@ -3107,14 +4104,14 @@
       </p:sp>
       <p:sp>
         <p:nvSpPr>
-          <p:cNvPr id="9" name="Rectangle 8"/>
+          <p:cNvPr id="8" name="Rectangle 7"/>
           <p:cNvSpPr/>
           <p:nvPr/>
         </p:nvSpPr>
         <p:spPr>
           <a:xfrm>
             <a:off x="15" y="6334316"/>
-            <a:ext cx="12191985" cy="66484"/>
+            <a:ext cx="12188825" cy="64008"/>
           </a:xfrm>
           <a:prstGeom prst="rect">
             <a:avLst/>
@@ -3145,6 +4142,2480 @@
       </p:sp>
       <p:sp>
         <p:nvSpPr>
+          <p:cNvPr id="2" name="Vertical Title 1"/>
+          <p:cNvSpPr>
+            <a:spLocks noGrp="1"/>
+          </p:cNvSpPr>
+          <p:nvPr>
+            <p:ph type="title" orient="vert"/>
+          </p:nvPr>
+        </p:nvSpPr>
+        <p:spPr>
+          <a:xfrm>
+            <a:off x="8724900" y="412302"/>
+            <a:ext cx="2628900" cy="5759898"/>
+          </a:xfrm>
+        </p:spPr>
+        <p:txBody>
+          <a:bodyPr vert="eaVert"/>
+          <a:lstStyle/>
+          <a:p>
+            <a:r>
+              <a:rPr lang="en-US"/>
+              <a:t>Click to edit Master title style</a:t>
+            </a:r>
+            <a:endParaRPr lang="en-US" dirty="0"/>
+          </a:p>
+        </p:txBody>
+      </p:sp>
+      <p:sp>
+        <p:nvSpPr>
+          <p:cNvPr id="3" name="Vertical Text Placeholder 2"/>
+          <p:cNvSpPr>
+            <a:spLocks noGrp="1"/>
+          </p:cNvSpPr>
+          <p:nvPr>
+            <p:ph type="body" orient="vert" idx="1"/>
+          </p:nvPr>
+        </p:nvSpPr>
+        <p:spPr>
+          <a:xfrm>
+            <a:off x="838200" y="412302"/>
+            <a:ext cx="7734300" cy="5759898"/>
+          </a:xfrm>
+        </p:spPr>
+        <p:txBody>
+          <a:bodyPr vert="eaVert" lIns="45720" tIns="0" rIns="45720" bIns="0"/>
+          <a:lstStyle/>
+          <a:p>
+            <a:pPr lvl="0"/>
+            <a:r>
+              <a:rPr lang="en-US"/>
+              <a:t>Click to edit Master text styles</a:t>
+            </a:r>
+          </a:p>
+          <a:p>
+            <a:pPr lvl="1"/>
+            <a:r>
+              <a:rPr lang="en-US"/>
+              <a:t>Second level</a:t>
+            </a:r>
+          </a:p>
+          <a:p>
+            <a:pPr lvl="2"/>
+            <a:r>
+              <a:rPr lang="en-US"/>
+              <a:t>Third level</a:t>
+            </a:r>
+          </a:p>
+          <a:p>
+            <a:pPr lvl="3"/>
+            <a:r>
+              <a:rPr lang="en-US"/>
+              <a:t>Fourth level</a:t>
+            </a:r>
+          </a:p>
+          <a:p>
+            <a:pPr lvl="4"/>
+            <a:r>
+              <a:rPr lang="en-US"/>
+              <a:t>Fifth level</a:t>
+            </a:r>
+            <a:endParaRPr lang="en-US" dirty="0"/>
+          </a:p>
+        </p:txBody>
+      </p:sp>
+      <p:sp>
+        <p:nvSpPr>
+          <p:cNvPr id="4" name="Date Placeholder 3"/>
+          <p:cNvSpPr>
+            <a:spLocks noGrp="1"/>
+          </p:cNvSpPr>
+          <p:nvPr>
+            <p:ph type="dt" sz="half" idx="10"/>
+          </p:nvPr>
+        </p:nvSpPr>
+        <p:spPr/>
+        <p:txBody>
+          <a:bodyPr/>
+          <a:lstStyle/>
+          <a:p>
+            <a:fld id="{EA857CBD-A883-4259-9501-1C56CD3D7B17}" type="datetimeFigureOut">
+              <a:rPr lang="en-US" smtClean="0"/>
+              <a:t>9/22/2021</a:t>
+            </a:fld>
+            <a:endParaRPr lang="en-US"/>
+          </a:p>
+        </p:txBody>
+      </p:sp>
+      <p:sp>
+        <p:nvSpPr>
+          <p:cNvPr id="5" name="Footer Placeholder 4"/>
+          <p:cNvSpPr>
+            <a:spLocks noGrp="1"/>
+          </p:cNvSpPr>
+          <p:nvPr>
+            <p:ph type="ftr" sz="quarter" idx="11"/>
+          </p:nvPr>
+        </p:nvSpPr>
+        <p:spPr/>
+        <p:txBody>
+          <a:bodyPr/>
+          <a:lstStyle/>
+          <a:p>
+            <a:endParaRPr lang="en-US"/>
+          </a:p>
+        </p:txBody>
+      </p:sp>
+      <p:sp>
+        <p:nvSpPr>
+          <p:cNvPr id="6" name="Slide Number Placeholder 5"/>
+          <p:cNvSpPr>
+            <a:spLocks noGrp="1"/>
+          </p:cNvSpPr>
+          <p:nvPr>
+            <p:ph type="sldNum" sz="quarter" idx="12"/>
+          </p:nvPr>
+        </p:nvSpPr>
+        <p:spPr/>
+        <p:txBody>
+          <a:bodyPr/>
+          <a:lstStyle/>
+          <a:p>
+            <a:fld id="{CF02091F-C107-4755-91B3-FAAE4F49D9FF}" type="slidenum">
+              <a:rPr lang="en-US" smtClean="0"/>
+              <a:t>‹#›</a:t>
+            </a:fld>
+            <a:endParaRPr lang="en-US"/>
+          </a:p>
+        </p:txBody>
+      </p:sp>
+    </p:spTree>
+    <p:extLst>
+      <p:ext uri="{BB962C8B-B14F-4D97-AF65-F5344CB8AC3E}">
+        <p14:creationId xmlns:p14="http://schemas.microsoft.com/office/powerpoint/2010/main" val="2455741563"/>
+      </p:ext>
+    </p:extLst>
+  </p:cSld>
+  <p:clrMapOvr>
+    <a:masterClrMapping/>
+  </p:clrMapOvr>
+</p:sldLayout>
+</file>
+
+<file path=ppt/slideLayouts/slideLayout3.xml><?xml version="1.0" encoding="utf-8"?>
+<p:sldLayout xmlns:a="http://schemas.openxmlformats.org/drawingml/2006/main" xmlns:r="http://schemas.openxmlformats.org/officeDocument/2006/relationships" xmlns:p="http://schemas.openxmlformats.org/presentationml/2006/main" type="secHead" preserve="1">
+  <p:cSld name="Section Header">
+    <p:spTree>
+      <p:nvGrpSpPr>
+        <p:cNvPr id="1" name=""/>
+        <p:cNvGrpSpPr/>
+        <p:nvPr/>
+      </p:nvGrpSpPr>
+      <p:grpSpPr>
+        <a:xfrm>
+          <a:off x="0" y="0"/>
+          <a:ext cx="0" cy="0"/>
+          <a:chOff x="0" y="0"/>
+          <a:chExt cx="0" cy="0"/>
+        </a:xfrm>
+      </p:grpSpPr>
+      <p:sp>
+        <p:nvSpPr>
+          <p:cNvPr id="2" name="Title 1"/>
+          <p:cNvSpPr>
+            <a:spLocks noGrp="1"/>
+          </p:cNvSpPr>
+          <p:nvPr>
+            <p:ph type="title"/>
+          </p:nvPr>
+        </p:nvSpPr>
+        <p:spPr>
+          <a:xfrm>
+            <a:off x="963084" y="4406900"/>
+            <a:ext cx="10363200" cy="1363133"/>
+          </a:xfrm>
+        </p:spPr>
+        <p:txBody>
+          <a:bodyPr anchor="t"/>
+          <a:lstStyle>
+            <a:lvl1pPr algn="l">
+              <a:defRPr sz="5333" b="1" cap="all"/>
+            </a:lvl1pPr>
+          </a:lstStyle>
+          <a:p>
+            <a:r>
+              <a:rPr lang="en-US"/>
+              <a:t>Click to edit Master title style</a:t>
+            </a:r>
+          </a:p>
+        </p:txBody>
+      </p:sp>
+      <p:sp>
+        <p:nvSpPr>
+          <p:cNvPr id="3" name="Text Placeholder 2"/>
+          <p:cNvSpPr>
+            <a:spLocks noGrp="1"/>
+          </p:cNvSpPr>
+          <p:nvPr>
+            <p:ph type="body" idx="1"/>
+          </p:nvPr>
+        </p:nvSpPr>
+        <p:spPr>
+          <a:xfrm>
+            <a:off x="963084" y="2906185"/>
+            <a:ext cx="10363200" cy="1500716"/>
+          </a:xfrm>
+        </p:spPr>
+        <p:txBody>
+          <a:bodyPr anchor="b"/>
+          <a:lstStyle>
+            <a:lvl1pPr marL="0" indent="0">
+              <a:buNone/>
+              <a:defRPr sz="2667">
+                <a:solidFill>
+                  <a:schemeClr val="tx1">
+                    <a:tint val="75000"/>
+                  </a:schemeClr>
+                </a:solidFill>
+              </a:defRPr>
+            </a:lvl1pPr>
+            <a:lvl2pPr marL="609585" indent="0">
+              <a:buNone/>
+              <a:defRPr sz="2400">
+                <a:solidFill>
+                  <a:schemeClr val="tx1">
+                    <a:tint val="75000"/>
+                  </a:schemeClr>
+                </a:solidFill>
+              </a:defRPr>
+            </a:lvl2pPr>
+            <a:lvl3pPr marL="1219170" indent="0">
+              <a:buNone/>
+              <a:defRPr sz="2133">
+                <a:solidFill>
+                  <a:schemeClr val="tx1">
+                    <a:tint val="75000"/>
+                  </a:schemeClr>
+                </a:solidFill>
+              </a:defRPr>
+            </a:lvl3pPr>
+            <a:lvl4pPr marL="1828754" indent="0">
+              <a:buNone/>
+              <a:defRPr sz="1867">
+                <a:solidFill>
+                  <a:schemeClr val="tx1">
+                    <a:tint val="75000"/>
+                  </a:schemeClr>
+                </a:solidFill>
+              </a:defRPr>
+            </a:lvl4pPr>
+            <a:lvl5pPr marL="2438339" indent="0">
+              <a:buNone/>
+              <a:defRPr sz="1867">
+                <a:solidFill>
+                  <a:schemeClr val="tx1">
+                    <a:tint val="75000"/>
+                  </a:schemeClr>
+                </a:solidFill>
+              </a:defRPr>
+            </a:lvl5pPr>
+            <a:lvl6pPr marL="3047924" indent="0">
+              <a:buNone/>
+              <a:defRPr sz="1867">
+                <a:solidFill>
+                  <a:schemeClr val="tx1">
+                    <a:tint val="75000"/>
+                  </a:schemeClr>
+                </a:solidFill>
+              </a:defRPr>
+            </a:lvl6pPr>
+            <a:lvl7pPr marL="3657509" indent="0">
+              <a:buNone/>
+              <a:defRPr sz="1867">
+                <a:solidFill>
+                  <a:schemeClr val="tx1">
+                    <a:tint val="75000"/>
+                  </a:schemeClr>
+                </a:solidFill>
+              </a:defRPr>
+            </a:lvl7pPr>
+            <a:lvl8pPr marL="4267093" indent="0">
+              <a:buNone/>
+              <a:defRPr sz="1867">
+                <a:solidFill>
+                  <a:schemeClr val="tx1">
+                    <a:tint val="75000"/>
+                  </a:schemeClr>
+                </a:solidFill>
+              </a:defRPr>
+            </a:lvl8pPr>
+            <a:lvl9pPr marL="4876678" indent="0">
+              <a:buNone/>
+              <a:defRPr sz="1867">
+                <a:solidFill>
+                  <a:schemeClr val="tx1">
+                    <a:tint val="75000"/>
+                  </a:schemeClr>
+                </a:solidFill>
+              </a:defRPr>
+            </a:lvl9pPr>
+          </a:lstStyle>
+          <a:p>
+            <a:pPr lvl="0"/>
+            <a:r>
+              <a:rPr lang="en-US"/>
+              <a:t>Click to edit Master text styles</a:t>
+            </a:r>
+          </a:p>
+        </p:txBody>
+      </p:sp>
+      <p:sp>
+        <p:nvSpPr>
+          <p:cNvPr id="4" name="Date Placeholder 3"/>
+          <p:cNvSpPr>
+            <a:spLocks noGrp="1"/>
+          </p:cNvSpPr>
+          <p:nvPr>
+            <p:ph type="dt" sz="half" idx="10"/>
+          </p:nvPr>
+        </p:nvSpPr>
+        <p:spPr/>
+        <p:txBody>
+          <a:bodyPr/>
+          <a:lstStyle/>
+          <a:p>
+            <a:fld id="{D088F999-7A4E-6B4F-9FED-EF75B73AD044}" type="datetimeFigureOut">
+              <a:rPr lang="en-US" smtClean="0"/>
+              <a:t>9/22/2021</a:t>
+            </a:fld>
+            <a:endParaRPr lang="en-US"/>
+          </a:p>
+        </p:txBody>
+      </p:sp>
+      <p:sp>
+        <p:nvSpPr>
+          <p:cNvPr id="5" name="Footer Placeholder 4"/>
+          <p:cNvSpPr>
+            <a:spLocks noGrp="1"/>
+          </p:cNvSpPr>
+          <p:nvPr>
+            <p:ph type="ftr" sz="quarter" idx="11"/>
+          </p:nvPr>
+        </p:nvSpPr>
+        <p:spPr/>
+        <p:txBody>
+          <a:bodyPr/>
+          <a:lstStyle/>
+          <a:p>
+            <a:endParaRPr lang="en-US"/>
+          </a:p>
+        </p:txBody>
+      </p:sp>
+      <p:sp>
+        <p:nvSpPr>
+          <p:cNvPr id="6" name="Slide Number Placeholder 5"/>
+          <p:cNvSpPr>
+            <a:spLocks noGrp="1"/>
+          </p:cNvSpPr>
+          <p:nvPr>
+            <p:ph type="sldNum" sz="quarter" idx="12"/>
+          </p:nvPr>
+        </p:nvSpPr>
+        <p:spPr/>
+        <p:txBody>
+          <a:bodyPr/>
+          <a:lstStyle/>
+          <a:p>
+            <a:fld id="{5D024AAD-DF78-DE44-A1F3-EEB19EDC9165}" type="slidenum">
+              <a:rPr lang="en-US" smtClean="0"/>
+              <a:t>‹#›</a:t>
+            </a:fld>
+            <a:endParaRPr lang="en-US"/>
+          </a:p>
+        </p:txBody>
+      </p:sp>
+    </p:spTree>
+    <p:extLst>
+      <p:ext uri="{BB962C8B-B14F-4D97-AF65-F5344CB8AC3E}">
+        <p14:creationId xmlns:p14="http://schemas.microsoft.com/office/powerpoint/2010/main" val="127395886"/>
+      </p:ext>
+    </p:extLst>
+  </p:cSld>
+  <p:clrMapOvr>
+    <a:masterClrMapping/>
+  </p:clrMapOvr>
+</p:sldLayout>
+</file>
+
+<file path=ppt/slideLayouts/slideLayout4.xml><?xml version="1.0" encoding="utf-8"?>
+<p:sldLayout xmlns:a="http://schemas.openxmlformats.org/drawingml/2006/main" xmlns:r="http://schemas.openxmlformats.org/officeDocument/2006/relationships" xmlns:p="http://schemas.openxmlformats.org/presentationml/2006/main" type="twoObj" preserve="1">
+  <p:cSld name="Two Content">
+    <p:spTree>
+      <p:nvGrpSpPr>
+        <p:cNvPr id="1" name=""/>
+        <p:cNvGrpSpPr/>
+        <p:nvPr/>
+      </p:nvGrpSpPr>
+      <p:grpSpPr>
+        <a:xfrm>
+          <a:off x="0" y="0"/>
+          <a:ext cx="0" cy="0"/>
+          <a:chOff x="0" y="0"/>
+          <a:chExt cx="0" cy="0"/>
+        </a:xfrm>
+      </p:grpSpPr>
+      <p:sp>
+        <p:nvSpPr>
+          <p:cNvPr id="2" name="Title 1"/>
+          <p:cNvSpPr>
+            <a:spLocks noGrp="1"/>
+          </p:cNvSpPr>
+          <p:nvPr>
+            <p:ph type="title"/>
+          </p:nvPr>
+        </p:nvSpPr>
+        <p:spPr/>
+        <p:txBody>
+          <a:bodyPr/>
+          <a:lstStyle/>
+          <a:p>
+            <a:r>
+              <a:rPr lang="en-US"/>
+              <a:t>Click to edit Master title style</a:t>
+            </a:r>
+          </a:p>
+        </p:txBody>
+      </p:sp>
+      <p:sp>
+        <p:nvSpPr>
+          <p:cNvPr id="3" name="Content Placeholder 2"/>
+          <p:cNvSpPr>
+            <a:spLocks noGrp="1"/>
+          </p:cNvSpPr>
+          <p:nvPr>
+            <p:ph sz="half" idx="1"/>
+          </p:nvPr>
+        </p:nvSpPr>
+        <p:spPr>
+          <a:xfrm>
+            <a:off x="609600" y="1600201"/>
+            <a:ext cx="5384800" cy="4525433"/>
+          </a:xfrm>
+        </p:spPr>
+        <p:txBody>
+          <a:bodyPr/>
+          <a:lstStyle>
+            <a:lvl1pPr>
+              <a:defRPr sz="3733"/>
+            </a:lvl1pPr>
+            <a:lvl2pPr>
+              <a:defRPr sz="3200"/>
+            </a:lvl2pPr>
+            <a:lvl3pPr>
+              <a:defRPr sz="2667"/>
+            </a:lvl3pPr>
+            <a:lvl4pPr>
+              <a:defRPr sz="2400"/>
+            </a:lvl4pPr>
+            <a:lvl5pPr>
+              <a:defRPr sz="2400"/>
+            </a:lvl5pPr>
+            <a:lvl6pPr>
+              <a:defRPr sz="2400"/>
+            </a:lvl6pPr>
+            <a:lvl7pPr>
+              <a:defRPr sz="2400"/>
+            </a:lvl7pPr>
+            <a:lvl8pPr>
+              <a:defRPr sz="2400"/>
+            </a:lvl8pPr>
+            <a:lvl9pPr>
+              <a:defRPr sz="2400"/>
+            </a:lvl9pPr>
+          </a:lstStyle>
+          <a:p>
+            <a:pPr lvl="0"/>
+            <a:r>
+              <a:rPr lang="en-US"/>
+              <a:t>Click to edit Master text styles</a:t>
+            </a:r>
+          </a:p>
+          <a:p>
+            <a:pPr lvl="1"/>
+            <a:r>
+              <a:rPr lang="en-US"/>
+              <a:t>Second level</a:t>
+            </a:r>
+          </a:p>
+          <a:p>
+            <a:pPr lvl="2"/>
+            <a:r>
+              <a:rPr lang="en-US"/>
+              <a:t>Third level</a:t>
+            </a:r>
+          </a:p>
+          <a:p>
+            <a:pPr lvl="3"/>
+            <a:r>
+              <a:rPr lang="en-US"/>
+              <a:t>Fourth level</a:t>
+            </a:r>
+          </a:p>
+          <a:p>
+            <a:pPr lvl="4"/>
+            <a:r>
+              <a:rPr lang="en-US"/>
+              <a:t>Fifth level</a:t>
+            </a:r>
+          </a:p>
+        </p:txBody>
+      </p:sp>
+      <p:sp>
+        <p:nvSpPr>
+          <p:cNvPr id="4" name="Content Placeholder 3"/>
+          <p:cNvSpPr>
+            <a:spLocks noGrp="1"/>
+          </p:cNvSpPr>
+          <p:nvPr>
+            <p:ph sz="half" idx="2"/>
+          </p:nvPr>
+        </p:nvSpPr>
+        <p:spPr>
+          <a:xfrm>
+            <a:off x="6197600" y="1600201"/>
+            <a:ext cx="5384800" cy="4525433"/>
+          </a:xfrm>
+        </p:spPr>
+        <p:txBody>
+          <a:bodyPr/>
+          <a:lstStyle>
+            <a:lvl1pPr>
+              <a:defRPr sz="3733"/>
+            </a:lvl1pPr>
+            <a:lvl2pPr>
+              <a:defRPr sz="3200"/>
+            </a:lvl2pPr>
+            <a:lvl3pPr>
+              <a:defRPr sz="2667"/>
+            </a:lvl3pPr>
+            <a:lvl4pPr>
+              <a:defRPr sz="2400"/>
+            </a:lvl4pPr>
+            <a:lvl5pPr>
+              <a:defRPr sz="2400"/>
+            </a:lvl5pPr>
+            <a:lvl6pPr>
+              <a:defRPr sz="2400"/>
+            </a:lvl6pPr>
+            <a:lvl7pPr>
+              <a:defRPr sz="2400"/>
+            </a:lvl7pPr>
+            <a:lvl8pPr>
+              <a:defRPr sz="2400"/>
+            </a:lvl8pPr>
+            <a:lvl9pPr>
+              <a:defRPr sz="2400"/>
+            </a:lvl9pPr>
+          </a:lstStyle>
+          <a:p>
+            <a:pPr lvl="0"/>
+            <a:r>
+              <a:rPr lang="en-US"/>
+              <a:t>Click to edit Master text styles</a:t>
+            </a:r>
+          </a:p>
+          <a:p>
+            <a:pPr lvl="1"/>
+            <a:r>
+              <a:rPr lang="en-US"/>
+              <a:t>Second level</a:t>
+            </a:r>
+          </a:p>
+          <a:p>
+            <a:pPr lvl="2"/>
+            <a:r>
+              <a:rPr lang="en-US"/>
+              <a:t>Third level</a:t>
+            </a:r>
+          </a:p>
+          <a:p>
+            <a:pPr lvl="3"/>
+            <a:r>
+              <a:rPr lang="en-US"/>
+              <a:t>Fourth level</a:t>
+            </a:r>
+          </a:p>
+          <a:p>
+            <a:pPr lvl="4"/>
+            <a:r>
+              <a:rPr lang="en-US"/>
+              <a:t>Fifth level</a:t>
+            </a:r>
+          </a:p>
+        </p:txBody>
+      </p:sp>
+      <p:sp>
+        <p:nvSpPr>
+          <p:cNvPr id="5" name="Date Placeholder 4"/>
+          <p:cNvSpPr>
+            <a:spLocks noGrp="1"/>
+          </p:cNvSpPr>
+          <p:nvPr>
+            <p:ph type="dt" sz="half" idx="10"/>
+          </p:nvPr>
+        </p:nvSpPr>
+        <p:spPr/>
+        <p:txBody>
+          <a:bodyPr/>
+          <a:lstStyle/>
+          <a:p>
+            <a:fld id="{D088F999-7A4E-6B4F-9FED-EF75B73AD044}" type="datetimeFigureOut">
+              <a:rPr lang="en-US" smtClean="0"/>
+              <a:t>9/22/2021</a:t>
+            </a:fld>
+            <a:endParaRPr lang="en-US"/>
+          </a:p>
+        </p:txBody>
+      </p:sp>
+      <p:sp>
+        <p:nvSpPr>
+          <p:cNvPr id="6" name="Footer Placeholder 5"/>
+          <p:cNvSpPr>
+            <a:spLocks noGrp="1"/>
+          </p:cNvSpPr>
+          <p:nvPr>
+            <p:ph type="ftr" sz="quarter" idx="11"/>
+          </p:nvPr>
+        </p:nvSpPr>
+        <p:spPr/>
+        <p:txBody>
+          <a:bodyPr/>
+          <a:lstStyle/>
+          <a:p>
+            <a:endParaRPr lang="en-US"/>
+          </a:p>
+        </p:txBody>
+      </p:sp>
+      <p:sp>
+        <p:nvSpPr>
+          <p:cNvPr id="7" name="Slide Number Placeholder 6"/>
+          <p:cNvSpPr>
+            <a:spLocks noGrp="1"/>
+          </p:cNvSpPr>
+          <p:nvPr>
+            <p:ph type="sldNum" sz="quarter" idx="12"/>
+          </p:nvPr>
+        </p:nvSpPr>
+        <p:spPr/>
+        <p:txBody>
+          <a:bodyPr/>
+          <a:lstStyle/>
+          <a:p>
+            <a:fld id="{5D024AAD-DF78-DE44-A1F3-EEB19EDC9165}" type="slidenum">
+              <a:rPr lang="en-US" smtClean="0"/>
+              <a:t>‹#›</a:t>
+            </a:fld>
+            <a:endParaRPr lang="en-US"/>
+          </a:p>
+        </p:txBody>
+      </p:sp>
+    </p:spTree>
+    <p:extLst>
+      <p:ext uri="{BB962C8B-B14F-4D97-AF65-F5344CB8AC3E}">
+        <p14:creationId xmlns:p14="http://schemas.microsoft.com/office/powerpoint/2010/main" val="268352990"/>
+      </p:ext>
+    </p:extLst>
+  </p:cSld>
+  <p:clrMapOvr>
+    <a:masterClrMapping/>
+  </p:clrMapOvr>
+</p:sldLayout>
+</file>
+
+<file path=ppt/slideLayouts/slideLayout5.xml><?xml version="1.0" encoding="utf-8"?>
+<p:sldLayout xmlns:a="http://schemas.openxmlformats.org/drawingml/2006/main" xmlns:r="http://schemas.openxmlformats.org/officeDocument/2006/relationships" xmlns:p="http://schemas.openxmlformats.org/presentationml/2006/main" type="twoTxTwoObj" preserve="1">
+  <p:cSld name="Comparison">
+    <p:spTree>
+      <p:nvGrpSpPr>
+        <p:cNvPr id="1" name=""/>
+        <p:cNvGrpSpPr/>
+        <p:nvPr/>
+      </p:nvGrpSpPr>
+      <p:grpSpPr>
+        <a:xfrm>
+          <a:off x="0" y="0"/>
+          <a:ext cx="0" cy="0"/>
+          <a:chOff x="0" y="0"/>
+          <a:chExt cx="0" cy="0"/>
+        </a:xfrm>
+      </p:grpSpPr>
+      <p:sp>
+        <p:nvSpPr>
+          <p:cNvPr id="2" name="Title 1"/>
+          <p:cNvSpPr>
+            <a:spLocks noGrp="1"/>
+          </p:cNvSpPr>
+          <p:nvPr>
+            <p:ph type="title"/>
+          </p:nvPr>
+        </p:nvSpPr>
+        <p:spPr/>
+        <p:txBody>
+          <a:bodyPr/>
+          <a:lstStyle>
+            <a:lvl1pPr>
+              <a:defRPr/>
+            </a:lvl1pPr>
+          </a:lstStyle>
+          <a:p>
+            <a:r>
+              <a:rPr lang="en-US"/>
+              <a:t>Click to edit Master title style</a:t>
+            </a:r>
+          </a:p>
+        </p:txBody>
+      </p:sp>
+      <p:sp>
+        <p:nvSpPr>
+          <p:cNvPr id="3" name="Text Placeholder 2"/>
+          <p:cNvSpPr>
+            <a:spLocks noGrp="1"/>
+          </p:cNvSpPr>
+          <p:nvPr>
+            <p:ph type="body" idx="1"/>
+          </p:nvPr>
+        </p:nvSpPr>
+        <p:spPr>
+          <a:xfrm>
+            <a:off x="609600" y="1534584"/>
+            <a:ext cx="5386917" cy="641349"/>
+          </a:xfrm>
+        </p:spPr>
+        <p:txBody>
+          <a:bodyPr anchor="b"/>
+          <a:lstStyle>
+            <a:lvl1pPr marL="0" indent="0">
+              <a:buNone/>
+              <a:defRPr sz="3200" b="1"/>
+            </a:lvl1pPr>
+            <a:lvl2pPr marL="609585" indent="0">
+              <a:buNone/>
+              <a:defRPr sz="2667" b="1"/>
+            </a:lvl2pPr>
+            <a:lvl3pPr marL="1219170" indent="0">
+              <a:buNone/>
+              <a:defRPr sz="2400" b="1"/>
+            </a:lvl3pPr>
+            <a:lvl4pPr marL="1828754" indent="0">
+              <a:buNone/>
+              <a:defRPr sz="2133" b="1"/>
+            </a:lvl4pPr>
+            <a:lvl5pPr marL="2438339" indent="0">
+              <a:buNone/>
+              <a:defRPr sz="2133" b="1"/>
+            </a:lvl5pPr>
+            <a:lvl6pPr marL="3047924" indent="0">
+              <a:buNone/>
+              <a:defRPr sz="2133" b="1"/>
+            </a:lvl6pPr>
+            <a:lvl7pPr marL="3657509" indent="0">
+              <a:buNone/>
+              <a:defRPr sz="2133" b="1"/>
+            </a:lvl7pPr>
+            <a:lvl8pPr marL="4267093" indent="0">
+              <a:buNone/>
+              <a:defRPr sz="2133" b="1"/>
+            </a:lvl8pPr>
+            <a:lvl9pPr marL="4876678" indent="0">
+              <a:buNone/>
+              <a:defRPr sz="2133" b="1"/>
+            </a:lvl9pPr>
+          </a:lstStyle>
+          <a:p>
+            <a:pPr lvl="0"/>
+            <a:r>
+              <a:rPr lang="en-US"/>
+              <a:t>Click to edit Master text styles</a:t>
+            </a:r>
+          </a:p>
+        </p:txBody>
+      </p:sp>
+      <p:sp>
+        <p:nvSpPr>
+          <p:cNvPr id="4" name="Content Placeholder 3"/>
+          <p:cNvSpPr>
+            <a:spLocks noGrp="1"/>
+          </p:cNvSpPr>
+          <p:nvPr>
+            <p:ph sz="half" idx="2"/>
+          </p:nvPr>
+        </p:nvSpPr>
+        <p:spPr>
+          <a:xfrm>
+            <a:off x="609600" y="2175934"/>
+            <a:ext cx="5386917" cy="3949700"/>
+          </a:xfrm>
+        </p:spPr>
+        <p:txBody>
+          <a:bodyPr/>
+          <a:lstStyle>
+            <a:lvl1pPr>
+              <a:defRPr sz="3200"/>
+            </a:lvl1pPr>
+            <a:lvl2pPr>
+              <a:defRPr sz="2667"/>
+            </a:lvl2pPr>
+            <a:lvl3pPr>
+              <a:defRPr sz="2400"/>
+            </a:lvl3pPr>
+            <a:lvl4pPr>
+              <a:defRPr sz="2133"/>
+            </a:lvl4pPr>
+            <a:lvl5pPr>
+              <a:defRPr sz="2133"/>
+            </a:lvl5pPr>
+            <a:lvl6pPr>
+              <a:defRPr sz="2133"/>
+            </a:lvl6pPr>
+            <a:lvl7pPr>
+              <a:defRPr sz="2133"/>
+            </a:lvl7pPr>
+            <a:lvl8pPr>
+              <a:defRPr sz="2133"/>
+            </a:lvl8pPr>
+            <a:lvl9pPr>
+              <a:defRPr sz="2133"/>
+            </a:lvl9pPr>
+          </a:lstStyle>
+          <a:p>
+            <a:pPr lvl="0"/>
+            <a:r>
+              <a:rPr lang="en-US"/>
+              <a:t>Click to edit Master text styles</a:t>
+            </a:r>
+          </a:p>
+          <a:p>
+            <a:pPr lvl="1"/>
+            <a:r>
+              <a:rPr lang="en-US"/>
+              <a:t>Second level</a:t>
+            </a:r>
+          </a:p>
+          <a:p>
+            <a:pPr lvl="2"/>
+            <a:r>
+              <a:rPr lang="en-US"/>
+              <a:t>Third level</a:t>
+            </a:r>
+          </a:p>
+          <a:p>
+            <a:pPr lvl="3"/>
+            <a:r>
+              <a:rPr lang="en-US"/>
+              <a:t>Fourth level</a:t>
+            </a:r>
+          </a:p>
+          <a:p>
+            <a:pPr lvl="4"/>
+            <a:r>
+              <a:rPr lang="en-US"/>
+              <a:t>Fifth level</a:t>
+            </a:r>
+          </a:p>
+        </p:txBody>
+      </p:sp>
+      <p:sp>
+        <p:nvSpPr>
+          <p:cNvPr id="5" name="Text Placeholder 4"/>
+          <p:cNvSpPr>
+            <a:spLocks noGrp="1"/>
+          </p:cNvSpPr>
+          <p:nvPr>
+            <p:ph type="body" sz="quarter" idx="3"/>
+          </p:nvPr>
+        </p:nvSpPr>
+        <p:spPr>
+          <a:xfrm>
+            <a:off x="6193368" y="1534584"/>
+            <a:ext cx="5389033" cy="641349"/>
+          </a:xfrm>
+        </p:spPr>
+        <p:txBody>
+          <a:bodyPr anchor="b"/>
+          <a:lstStyle>
+            <a:lvl1pPr marL="0" indent="0">
+              <a:buNone/>
+              <a:defRPr sz="3200" b="1"/>
+            </a:lvl1pPr>
+            <a:lvl2pPr marL="609585" indent="0">
+              <a:buNone/>
+              <a:defRPr sz="2667" b="1"/>
+            </a:lvl2pPr>
+            <a:lvl3pPr marL="1219170" indent="0">
+              <a:buNone/>
+              <a:defRPr sz="2400" b="1"/>
+            </a:lvl3pPr>
+            <a:lvl4pPr marL="1828754" indent="0">
+              <a:buNone/>
+              <a:defRPr sz="2133" b="1"/>
+            </a:lvl4pPr>
+            <a:lvl5pPr marL="2438339" indent="0">
+              <a:buNone/>
+              <a:defRPr sz="2133" b="1"/>
+            </a:lvl5pPr>
+            <a:lvl6pPr marL="3047924" indent="0">
+              <a:buNone/>
+              <a:defRPr sz="2133" b="1"/>
+            </a:lvl6pPr>
+            <a:lvl7pPr marL="3657509" indent="0">
+              <a:buNone/>
+              <a:defRPr sz="2133" b="1"/>
+            </a:lvl7pPr>
+            <a:lvl8pPr marL="4267093" indent="0">
+              <a:buNone/>
+              <a:defRPr sz="2133" b="1"/>
+            </a:lvl8pPr>
+            <a:lvl9pPr marL="4876678" indent="0">
+              <a:buNone/>
+              <a:defRPr sz="2133" b="1"/>
+            </a:lvl9pPr>
+          </a:lstStyle>
+          <a:p>
+            <a:pPr lvl="0"/>
+            <a:r>
+              <a:rPr lang="en-US"/>
+              <a:t>Click to edit Master text styles</a:t>
+            </a:r>
+          </a:p>
+        </p:txBody>
+      </p:sp>
+      <p:sp>
+        <p:nvSpPr>
+          <p:cNvPr id="6" name="Content Placeholder 5"/>
+          <p:cNvSpPr>
+            <a:spLocks noGrp="1"/>
+          </p:cNvSpPr>
+          <p:nvPr>
+            <p:ph sz="quarter" idx="4"/>
+          </p:nvPr>
+        </p:nvSpPr>
+        <p:spPr>
+          <a:xfrm>
+            <a:off x="6193368" y="2175934"/>
+            <a:ext cx="5389033" cy="3949700"/>
+          </a:xfrm>
+        </p:spPr>
+        <p:txBody>
+          <a:bodyPr/>
+          <a:lstStyle>
+            <a:lvl1pPr>
+              <a:defRPr sz="3200"/>
+            </a:lvl1pPr>
+            <a:lvl2pPr>
+              <a:defRPr sz="2667"/>
+            </a:lvl2pPr>
+            <a:lvl3pPr>
+              <a:defRPr sz="2400"/>
+            </a:lvl3pPr>
+            <a:lvl4pPr>
+              <a:defRPr sz="2133"/>
+            </a:lvl4pPr>
+            <a:lvl5pPr>
+              <a:defRPr sz="2133"/>
+            </a:lvl5pPr>
+            <a:lvl6pPr>
+              <a:defRPr sz="2133"/>
+            </a:lvl6pPr>
+            <a:lvl7pPr>
+              <a:defRPr sz="2133"/>
+            </a:lvl7pPr>
+            <a:lvl8pPr>
+              <a:defRPr sz="2133"/>
+            </a:lvl8pPr>
+            <a:lvl9pPr>
+              <a:defRPr sz="2133"/>
+            </a:lvl9pPr>
+          </a:lstStyle>
+          <a:p>
+            <a:pPr lvl="0"/>
+            <a:r>
+              <a:rPr lang="en-US"/>
+              <a:t>Click to edit Master text styles</a:t>
+            </a:r>
+          </a:p>
+          <a:p>
+            <a:pPr lvl="1"/>
+            <a:r>
+              <a:rPr lang="en-US"/>
+              <a:t>Second level</a:t>
+            </a:r>
+          </a:p>
+          <a:p>
+            <a:pPr lvl="2"/>
+            <a:r>
+              <a:rPr lang="en-US"/>
+              <a:t>Third level</a:t>
+            </a:r>
+          </a:p>
+          <a:p>
+            <a:pPr lvl="3"/>
+            <a:r>
+              <a:rPr lang="en-US"/>
+              <a:t>Fourth level</a:t>
+            </a:r>
+          </a:p>
+          <a:p>
+            <a:pPr lvl="4"/>
+            <a:r>
+              <a:rPr lang="en-US"/>
+              <a:t>Fifth level</a:t>
+            </a:r>
+          </a:p>
+        </p:txBody>
+      </p:sp>
+      <p:sp>
+        <p:nvSpPr>
+          <p:cNvPr id="7" name="Date Placeholder 6"/>
+          <p:cNvSpPr>
+            <a:spLocks noGrp="1"/>
+          </p:cNvSpPr>
+          <p:nvPr>
+            <p:ph type="dt" sz="half" idx="10"/>
+          </p:nvPr>
+        </p:nvSpPr>
+        <p:spPr/>
+        <p:txBody>
+          <a:bodyPr/>
+          <a:lstStyle/>
+          <a:p>
+            <a:fld id="{D088F999-7A4E-6B4F-9FED-EF75B73AD044}" type="datetimeFigureOut">
+              <a:rPr lang="en-US" smtClean="0"/>
+              <a:t>9/22/2021</a:t>
+            </a:fld>
+            <a:endParaRPr lang="en-US"/>
+          </a:p>
+        </p:txBody>
+      </p:sp>
+      <p:sp>
+        <p:nvSpPr>
+          <p:cNvPr id="8" name="Footer Placeholder 7"/>
+          <p:cNvSpPr>
+            <a:spLocks noGrp="1"/>
+          </p:cNvSpPr>
+          <p:nvPr>
+            <p:ph type="ftr" sz="quarter" idx="11"/>
+          </p:nvPr>
+        </p:nvSpPr>
+        <p:spPr/>
+        <p:txBody>
+          <a:bodyPr/>
+          <a:lstStyle/>
+          <a:p>
+            <a:endParaRPr lang="en-US"/>
+          </a:p>
+        </p:txBody>
+      </p:sp>
+      <p:sp>
+        <p:nvSpPr>
+          <p:cNvPr id="9" name="Slide Number Placeholder 8"/>
+          <p:cNvSpPr>
+            <a:spLocks noGrp="1"/>
+          </p:cNvSpPr>
+          <p:nvPr>
+            <p:ph type="sldNum" sz="quarter" idx="12"/>
+          </p:nvPr>
+        </p:nvSpPr>
+        <p:spPr/>
+        <p:txBody>
+          <a:bodyPr/>
+          <a:lstStyle/>
+          <a:p>
+            <a:fld id="{5D024AAD-DF78-DE44-A1F3-EEB19EDC9165}" type="slidenum">
+              <a:rPr lang="en-US" smtClean="0"/>
+              <a:t>‹#›</a:t>
+            </a:fld>
+            <a:endParaRPr lang="en-US"/>
+          </a:p>
+        </p:txBody>
+      </p:sp>
+    </p:spTree>
+    <p:extLst>
+      <p:ext uri="{BB962C8B-B14F-4D97-AF65-F5344CB8AC3E}">
+        <p14:creationId xmlns:p14="http://schemas.microsoft.com/office/powerpoint/2010/main" val="3805344593"/>
+      </p:ext>
+    </p:extLst>
+  </p:cSld>
+  <p:clrMapOvr>
+    <a:masterClrMapping/>
+  </p:clrMapOvr>
+</p:sldLayout>
+</file>
+
+<file path=ppt/slideLayouts/slideLayout6.xml><?xml version="1.0" encoding="utf-8"?>
+<p:sldLayout xmlns:a="http://schemas.openxmlformats.org/drawingml/2006/main" xmlns:r="http://schemas.openxmlformats.org/officeDocument/2006/relationships" xmlns:p="http://schemas.openxmlformats.org/presentationml/2006/main" type="titleOnly" preserve="1">
+  <p:cSld name="Title Only">
+    <p:spTree>
+      <p:nvGrpSpPr>
+        <p:cNvPr id="1" name=""/>
+        <p:cNvGrpSpPr/>
+        <p:nvPr/>
+      </p:nvGrpSpPr>
+      <p:grpSpPr>
+        <a:xfrm>
+          <a:off x="0" y="0"/>
+          <a:ext cx="0" cy="0"/>
+          <a:chOff x="0" y="0"/>
+          <a:chExt cx="0" cy="0"/>
+        </a:xfrm>
+      </p:grpSpPr>
+      <p:sp>
+        <p:nvSpPr>
+          <p:cNvPr id="2" name="Title 1"/>
+          <p:cNvSpPr>
+            <a:spLocks noGrp="1"/>
+          </p:cNvSpPr>
+          <p:nvPr>
+            <p:ph type="title"/>
+          </p:nvPr>
+        </p:nvSpPr>
+        <p:spPr/>
+        <p:txBody>
+          <a:bodyPr/>
+          <a:lstStyle/>
+          <a:p>
+            <a:r>
+              <a:rPr lang="en-US"/>
+              <a:t>Click to edit Master title style</a:t>
+            </a:r>
+          </a:p>
+        </p:txBody>
+      </p:sp>
+      <p:sp>
+        <p:nvSpPr>
+          <p:cNvPr id="3" name="Date Placeholder 2"/>
+          <p:cNvSpPr>
+            <a:spLocks noGrp="1"/>
+          </p:cNvSpPr>
+          <p:nvPr>
+            <p:ph type="dt" sz="half" idx="10"/>
+          </p:nvPr>
+        </p:nvSpPr>
+        <p:spPr/>
+        <p:txBody>
+          <a:bodyPr/>
+          <a:lstStyle/>
+          <a:p>
+            <a:fld id="{D088F999-7A4E-6B4F-9FED-EF75B73AD044}" type="datetimeFigureOut">
+              <a:rPr lang="en-US" smtClean="0"/>
+              <a:t>9/22/2021</a:t>
+            </a:fld>
+            <a:endParaRPr lang="en-US"/>
+          </a:p>
+        </p:txBody>
+      </p:sp>
+      <p:sp>
+        <p:nvSpPr>
+          <p:cNvPr id="4" name="Footer Placeholder 3"/>
+          <p:cNvSpPr>
+            <a:spLocks noGrp="1"/>
+          </p:cNvSpPr>
+          <p:nvPr>
+            <p:ph type="ftr" sz="quarter" idx="11"/>
+          </p:nvPr>
+        </p:nvSpPr>
+        <p:spPr/>
+        <p:txBody>
+          <a:bodyPr/>
+          <a:lstStyle/>
+          <a:p>
+            <a:endParaRPr lang="en-US"/>
+          </a:p>
+        </p:txBody>
+      </p:sp>
+      <p:sp>
+        <p:nvSpPr>
+          <p:cNvPr id="5" name="Slide Number Placeholder 4"/>
+          <p:cNvSpPr>
+            <a:spLocks noGrp="1"/>
+          </p:cNvSpPr>
+          <p:nvPr>
+            <p:ph type="sldNum" sz="quarter" idx="12"/>
+          </p:nvPr>
+        </p:nvSpPr>
+        <p:spPr/>
+        <p:txBody>
+          <a:bodyPr/>
+          <a:lstStyle/>
+          <a:p>
+            <a:fld id="{5D024AAD-DF78-DE44-A1F3-EEB19EDC9165}" type="slidenum">
+              <a:rPr lang="en-US" smtClean="0"/>
+              <a:t>‹#›</a:t>
+            </a:fld>
+            <a:endParaRPr lang="en-US"/>
+          </a:p>
+        </p:txBody>
+      </p:sp>
+    </p:spTree>
+    <p:extLst>
+      <p:ext uri="{BB962C8B-B14F-4D97-AF65-F5344CB8AC3E}">
+        <p14:creationId xmlns:p14="http://schemas.microsoft.com/office/powerpoint/2010/main" val="2294614023"/>
+      </p:ext>
+    </p:extLst>
+  </p:cSld>
+  <p:clrMapOvr>
+    <a:masterClrMapping/>
+  </p:clrMapOvr>
+</p:sldLayout>
+</file>
+
+<file path=ppt/slideLayouts/slideLayout7.xml><?xml version="1.0" encoding="utf-8"?>
+<p:sldLayout xmlns:a="http://schemas.openxmlformats.org/drawingml/2006/main" xmlns:r="http://schemas.openxmlformats.org/officeDocument/2006/relationships" xmlns:p="http://schemas.openxmlformats.org/presentationml/2006/main" type="blank" preserve="1">
+  <p:cSld name="Blank">
+    <p:spTree>
+      <p:nvGrpSpPr>
+        <p:cNvPr id="1" name=""/>
+        <p:cNvGrpSpPr/>
+        <p:nvPr/>
+      </p:nvGrpSpPr>
+      <p:grpSpPr>
+        <a:xfrm>
+          <a:off x="0" y="0"/>
+          <a:ext cx="0" cy="0"/>
+          <a:chOff x="0" y="0"/>
+          <a:chExt cx="0" cy="0"/>
+        </a:xfrm>
+      </p:grpSpPr>
+      <p:sp>
+        <p:nvSpPr>
+          <p:cNvPr id="2" name="Date Placeholder 1"/>
+          <p:cNvSpPr>
+            <a:spLocks noGrp="1"/>
+          </p:cNvSpPr>
+          <p:nvPr>
+            <p:ph type="dt" sz="half" idx="10"/>
+          </p:nvPr>
+        </p:nvSpPr>
+        <p:spPr/>
+        <p:txBody>
+          <a:bodyPr/>
+          <a:lstStyle/>
+          <a:p>
+            <a:fld id="{D088F999-7A4E-6B4F-9FED-EF75B73AD044}" type="datetimeFigureOut">
+              <a:rPr lang="en-US" smtClean="0"/>
+              <a:t>9/22/2021</a:t>
+            </a:fld>
+            <a:endParaRPr lang="en-US"/>
+          </a:p>
+        </p:txBody>
+      </p:sp>
+      <p:sp>
+        <p:nvSpPr>
+          <p:cNvPr id="3" name="Footer Placeholder 2"/>
+          <p:cNvSpPr>
+            <a:spLocks noGrp="1"/>
+          </p:cNvSpPr>
+          <p:nvPr>
+            <p:ph type="ftr" sz="quarter" idx="11"/>
+          </p:nvPr>
+        </p:nvSpPr>
+        <p:spPr/>
+        <p:txBody>
+          <a:bodyPr/>
+          <a:lstStyle/>
+          <a:p>
+            <a:endParaRPr lang="en-US"/>
+          </a:p>
+        </p:txBody>
+      </p:sp>
+      <p:sp>
+        <p:nvSpPr>
+          <p:cNvPr id="4" name="Slide Number Placeholder 3"/>
+          <p:cNvSpPr>
+            <a:spLocks noGrp="1"/>
+          </p:cNvSpPr>
+          <p:nvPr>
+            <p:ph type="sldNum" sz="quarter" idx="12"/>
+          </p:nvPr>
+        </p:nvSpPr>
+        <p:spPr/>
+        <p:txBody>
+          <a:bodyPr/>
+          <a:lstStyle/>
+          <a:p>
+            <a:fld id="{5D024AAD-DF78-DE44-A1F3-EEB19EDC9165}" type="slidenum">
+              <a:rPr lang="en-US" smtClean="0"/>
+              <a:t>‹#›</a:t>
+            </a:fld>
+            <a:endParaRPr lang="en-US"/>
+          </a:p>
+        </p:txBody>
+      </p:sp>
+    </p:spTree>
+    <p:extLst>
+      <p:ext uri="{BB962C8B-B14F-4D97-AF65-F5344CB8AC3E}">
+        <p14:creationId xmlns:p14="http://schemas.microsoft.com/office/powerpoint/2010/main" val="1027263075"/>
+      </p:ext>
+    </p:extLst>
+  </p:cSld>
+  <p:clrMapOvr>
+    <a:masterClrMapping/>
+  </p:clrMapOvr>
+</p:sldLayout>
+</file>
+
+<file path=ppt/slideLayouts/slideLayout8.xml><?xml version="1.0" encoding="utf-8"?>
+<p:sldLayout xmlns:a="http://schemas.openxmlformats.org/drawingml/2006/main" xmlns:r="http://schemas.openxmlformats.org/officeDocument/2006/relationships" xmlns:p="http://schemas.openxmlformats.org/presentationml/2006/main" type="objTx" preserve="1">
+  <p:cSld name="Content with Caption">
+    <p:spTree>
+      <p:nvGrpSpPr>
+        <p:cNvPr id="1" name=""/>
+        <p:cNvGrpSpPr/>
+        <p:nvPr/>
+      </p:nvGrpSpPr>
+      <p:grpSpPr>
+        <a:xfrm>
+          <a:off x="0" y="0"/>
+          <a:ext cx="0" cy="0"/>
+          <a:chOff x="0" y="0"/>
+          <a:chExt cx="0" cy="0"/>
+        </a:xfrm>
+      </p:grpSpPr>
+      <p:sp>
+        <p:nvSpPr>
+          <p:cNvPr id="2" name="Title 1"/>
+          <p:cNvSpPr>
+            <a:spLocks noGrp="1"/>
+          </p:cNvSpPr>
+          <p:nvPr>
+            <p:ph type="title"/>
+          </p:nvPr>
+        </p:nvSpPr>
+        <p:spPr>
+          <a:xfrm>
+            <a:off x="609601" y="273052"/>
+            <a:ext cx="4011084" cy="1162049"/>
+          </a:xfrm>
+        </p:spPr>
+        <p:txBody>
+          <a:bodyPr anchor="b"/>
+          <a:lstStyle>
+            <a:lvl1pPr algn="l">
+              <a:defRPr sz="2667" b="1"/>
+            </a:lvl1pPr>
+          </a:lstStyle>
+          <a:p>
+            <a:r>
+              <a:rPr lang="en-US"/>
+              <a:t>Click to edit Master title style</a:t>
+            </a:r>
+          </a:p>
+        </p:txBody>
+      </p:sp>
+      <p:sp>
+        <p:nvSpPr>
+          <p:cNvPr id="3" name="Content Placeholder 2"/>
+          <p:cNvSpPr>
+            <a:spLocks noGrp="1"/>
+          </p:cNvSpPr>
+          <p:nvPr>
+            <p:ph idx="1"/>
+          </p:nvPr>
+        </p:nvSpPr>
+        <p:spPr>
+          <a:xfrm>
+            <a:off x="4766733" y="273051"/>
+            <a:ext cx="6815667" cy="5852583"/>
+          </a:xfrm>
+        </p:spPr>
+        <p:txBody>
+          <a:bodyPr/>
+          <a:lstStyle>
+            <a:lvl1pPr>
+              <a:defRPr sz="4267"/>
+            </a:lvl1pPr>
+            <a:lvl2pPr>
+              <a:defRPr sz="3733"/>
+            </a:lvl2pPr>
+            <a:lvl3pPr>
+              <a:defRPr sz="3200"/>
+            </a:lvl3pPr>
+            <a:lvl4pPr>
+              <a:defRPr sz="2667"/>
+            </a:lvl4pPr>
+            <a:lvl5pPr>
+              <a:defRPr sz="2667"/>
+            </a:lvl5pPr>
+            <a:lvl6pPr>
+              <a:defRPr sz="2667"/>
+            </a:lvl6pPr>
+            <a:lvl7pPr>
+              <a:defRPr sz="2667"/>
+            </a:lvl7pPr>
+            <a:lvl8pPr>
+              <a:defRPr sz="2667"/>
+            </a:lvl8pPr>
+            <a:lvl9pPr>
+              <a:defRPr sz="2667"/>
+            </a:lvl9pPr>
+          </a:lstStyle>
+          <a:p>
+            <a:pPr lvl="0"/>
+            <a:r>
+              <a:rPr lang="en-US"/>
+              <a:t>Click to edit Master text styles</a:t>
+            </a:r>
+          </a:p>
+          <a:p>
+            <a:pPr lvl="1"/>
+            <a:r>
+              <a:rPr lang="en-US"/>
+              <a:t>Second level</a:t>
+            </a:r>
+          </a:p>
+          <a:p>
+            <a:pPr lvl="2"/>
+            <a:r>
+              <a:rPr lang="en-US"/>
+              <a:t>Third level</a:t>
+            </a:r>
+          </a:p>
+          <a:p>
+            <a:pPr lvl="3"/>
+            <a:r>
+              <a:rPr lang="en-US"/>
+              <a:t>Fourth level</a:t>
+            </a:r>
+          </a:p>
+          <a:p>
+            <a:pPr lvl="4"/>
+            <a:r>
+              <a:rPr lang="en-US"/>
+              <a:t>Fifth level</a:t>
+            </a:r>
+          </a:p>
+        </p:txBody>
+      </p:sp>
+      <p:sp>
+        <p:nvSpPr>
+          <p:cNvPr id="4" name="Text Placeholder 3"/>
+          <p:cNvSpPr>
+            <a:spLocks noGrp="1"/>
+          </p:cNvSpPr>
+          <p:nvPr>
+            <p:ph type="body" sz="half" idx="2"/>
+          </p:nvPr>
+        </p:nvSpPr>
+        <p:spPr>
+          <a:xfrm>
+            <a:off x="609601" y="1435100"/>
+            <a:ext cx="4011084" cy="4690533"/>
+          </a:xfrm>
+        </p:spPr>
+        <p:txBody>
+          <a:bodyPr/>
+          <a:lstStyle>
+            <a:lvl1pPr marL="0" indent="0">
+              <a:buNone/>
+              <a:defRPr sz="1867"/>
+            </a:lvl1pPr>
+            <a:lvl2pPr marL="609585" indent="0">
+              <a:buNone/>
+              <a:defRPr sz="1600"/>
+            </a:lvl2pPr>
+            <a:lvl3pPr marL="1219170" indent="0">
+              <a:buNone/>
+              <a:defRPr sz="1333"/>
+            </a:lvl3pPr>
+            <a:lvl4pPr marL="1828754" indent="0">
+              <a:buNone/>
+              <a:defRPr sz="1200"/>
+            </a:lvl4pPr>
+            <a:lvl5pPr marL="2438339" indent="0">
+              <a:buNone/>
+              <a:defRPr sz="1200"/>
+            </a:lvl5pPr>
+            <a:lvl6pPr marL="3047924" indent="0">
+              <a:buNone/>
+              <a:defRPr sz="1200"/>
+            </a:lvl6pPr>
+            <a:lvl7pPr marL="3657509" indent="0">
+              <a:buNone/>
+              <a:defRPr sz="1200"/>
+            </a:lvl7pPr>
+            <a:lvl8pPr marL="4267093" indent="0">
+              <a:buNone/>
+              <a:defRPr sz="1200"/>
+            </a:lvl8pPr>
+            <a:lvl9pPr marL="4876678" indent="0">
+              <a:buNone/>
+              <a:defRPr sz="1200"/>
+            </a:lvl9pPr>
+          </a:lstStyle>
+          <a:p>
+            <a:pPr lvl="0"/>
+            <a:r>
+              <a:rPr lang="en-US"/>
+              <a:t>Click to edit Master text styles</a:t>
+            </a:r>
+          </a:p>
+        </p:txBody>
+      </p:sp>
+      <p:sp>
+        <p:nvSpPr>
+          <p:cNvPr id="5" name="Date Placeholder 4"/>
+          <p:cNvSpPr>
+            <a:spLocks noGrp="1"/>
+          </p:cNvSpPr>
+          <p:nvPr>
+            <p:ph type="dt" sz="half" idx="10"/>
+          </p:nvPr>
+        </p:nvSpPr>
+        <p:spPr/>
+        <p:txBody>
+          <a:bodyPr/>
+          <a:lstStyle/>
+          <a:p>
+            <a:fld id="{D088F999-7A4E-6B4F-9FED-EF75B73AD044}" type="datetimeFigureOut">
+              <a:rPr lang="en-US" smtClean="0"/>
+              <a:t>9/22/2021</a:t>
+            </a:fld>
+            <a:endParaRPr lang="en-US"/>
+          </a:p>
+        </p:txBody>
+      </p:sp>
+      <p:sp>
+        <p:nvSpPr>
+          <p:cNvPr id="6" name="Footer Placeholder 5"/>
+          <p:cNvSpPr>
+            <a:spLocks noGrp="1"/>
+          </p:cNvSpPr>
+          <p:nvPr>
+            <p:ph type="ftr" sz="quarter" idx="11"/>
+          </p:nvPr>
+        </p:nvSpPr>
+        <p:spPr/>
+        <p:txBody>
+          <a:bodyPr/>
+          <a:lstStyle/>
+          <a:p>
+            <a:endParaRPr lang="en-US"/>
+          </a:p>
+        </p:txBody>
+      </p:sp>
+      <p:sp>
+        <p:nvSpPr>
+          <p:cNvPr id="7" name="Slide Number Placeholder 6"/>
+          <p:cNvSpPr>
+            <a:spLocks noGrp="1"/>
+          </p:cNvSpPr>
+          <p:nvPr>
+            <p:ph type="sldNum" sz="quarter" idx="12"/>
+          </p:nvPr>
+        </p:nvSpPr>
+        <p:spPr/>
+        <p:txBody>
+          <a:bodyPr/>
+          <a:lstStyle/>
+          <a:p>
+            <a:fld id="{5D024AAD-DF78-DE44-A1F3-EEB19EDC9165}" type="slidenum">
+              <a:rPr lang="en-US" smtClean="0"/>
+              <a:t>‹#›</a:t>
+            </a:fld>
+            <a:endParaRPr lang="en-US"/>
+          </a:p>
+        </p:txBody>
+      </p:sp>
+    </p:spTree>
+    <p:extLst>
+      <p:ext uri="{BB962C8B-B14F-4D97-AF65-F5344CB8AC3E}">
+        <p14:creationId xmlns:p14="http://schemas.microsoft.com/office/powerpoint/2010/main" val="2371582769"/>
+      </p:ext>
+    </p:extLst>
+  </p:cSld>
+  <p:clrMapOvr>
+    <a:masterClrMapping/>
+  </p:clrMapOvr>
+</p:sldLayout>
+</file>
+
+<file path=ppt/slideLayouts/slideLayout9.xml><?xml version="1.0" encoding="utf-8"?>
+<p:sldLayout xmlns:a="http://schemas.openxmlformats.org/drawingml/2006/main" xmlns:r="http://schemas.openxmlformats.org/officeDocument/2006/relationships" xmlns:p="http://schemas.openxmlformats.org/presentationml/2006/main" type="picTx" preserve="1">
+  <p:cSld name="Picture with Caption">
+    <p:spTree>
+      <p:nvGrpSpPr>
+        <p:cNvPr id="1" name=""/>
+        <p:cNvGrpSpPr/>
+        <p:nvPr/>
+      </p:nvGrpSpPr>
+      <p:grpSpPr>
+        <a:xfrm>
+          <a:off x="0" y="0"/>
+          <a:ext cx="0" cy="0"/>
+          <a:chOff x="0" y="0"/>
+          <a:chExt cx="0" cy="0"/>
+        </a:xfrm>
+      </p:grpSpPr>
+      <p:sp>
+        <p:nvSpPr>
+          <p:cNvPr id="2" name="Title 1"/>
+          <p:cNvSpPr>
+            <a:spLocks noGrp="1"/>
+          </p:cNvSpPr>
+          <p:nvPr>
+            <p:ph type="title"/>
+          </p:nvPr>
+        </p:nvSpPr>
+        <p:spPr>
+          <a:xfrm>
+            <a:off x="2389717" y="4800600"/>
+            <a:ext cx="7315200" cy="567267"/>
+          </a:xfrm>
+        </p:spPr>
+        <p:txBody>
+          <a:bodyPr anchor="b"/>
+          <a:lstStyle>
+            <a:lvl1pPr algn="l">
+              <a:defRPr sz="2667" b="1"/>
+            </a:lvl1pPr>
+          </a:lstStyle>
+          <a:p>
+            <a:r>
+              <a:rPr lang="en-US"/>
+              <a:t>Click to edit Master title style</a:t>
+            </a:r>
+          </a:p>
+        </p:txBody>
+      </p:sp>
+      <p:sp>
+        <p:nvSpPr>
+          <p:cNvPr id="3" name="Picture Placeholder 2"/>
+          <p:cNvSpPr>
+            <a:spLocks noGrp="1"/>
+          </p:cNvSpPr>
+          <p:nvPr>
+            <p:ph type="pic" idx="1"/>
+          </p:nvPr>
+        </p:nvSpPr>
+        <p:spPr>
+          <a:xfrm>
+            <a:off x="2389717" y="613833"/>
+            <a:ext cx="7315200" cy="4114800"/>
+          </a:xfrm>
+        </p:spPr>
+        <p:txBody>
+          <a:bodyPr/>
+          <a:lstStyle>
+            <a:lvl1pPr marL="0" indent="0">
+              <a:buNone/>
+              <a:defRPr sz="4267"/>
+            </a:lvl1pPr>
+            <a:lvl2pPr marL="609585" indent="0">
+              <a:buNone/>
+              <a:defRPr sz="3733"/>
+            </a:lvl2pPr>
+            <a:lvl3pPr marL="1219170" indent="0">
+              <a:buNone/>
+              <a:defRPr sz="3200"/>
+            </a:lvl3pPr>
+            <a:lvl4pPr marL="1828754" indent="0">
+              <a:buNone/>
+              <a:defRPr sz="2667"/>
+            </a:lvl4pPr>
+            <a:lvl5pPr marL="2438339" indent="0">
+              <a:buNone/>
+              <a:defRPr sz="2667"/>
+            </a:lvl5pPr>
+            <a:lvl6pPr marL="3047924" indent="0">
+              <a:buNone/>
+              <a:defRPr sz="2667"/>
+            </a:lvl6pPr>
+            <a:lvl7pPr marL="3657509" indent="0">
+              <a:buNone/>
+              <a:defRPr sz="2667"/>
+            </a:lvl7pPr>
+            <a:lvl8pPr marL="4267093" indent="0">
+              <a:buNone/>
+              <a:defRPr sz="2667"/>
+            </a:lvl8pPr>
+            <a:lvl9pPr marL="4876678" indent="0">
+              <a:buNone/>
+              <a:defRPr sz="2667"/>
+            </a:lvl9pPr>
+          </a:lstStyle>
+          <a:p>
+            <a:endParaRPr lang="en-US"/>
+          </a:p>
+        </p:txBody>
+      </p:sp>
+      <p:sp>
+        <p:nvSpPr>
+          <p:cNvPr id="4" name="Text Placeholder 3"/>
+          <p:cNvSpPr>
+            <a:spLocks noGrp="1"/>
+          </p:cNvSpPr>
+          <p:nvPr>
+            <p:ph type="body" sz="half" idx="2"/>
+          </p:nvPr>
+        </p:nvSpPr>
+        <p:spPr>
+          <a:xfrm>
+            <a:off x="2389717" y="5367867"/>
+            <a:ext cx="7315200" cy="804333"/>
+          </a:xfrm>
+        </p:spPr>
+        <p:txBody>
+          <a:bodyPr/>
+          <a:lstStyle>
+            <a:lvl1pPr marL="0" indent="0">
+              <a:buNone/>
+              <a:defRPr sz="1867"/>
+            </a:lvl1pPr>
+            <a:lvl2pPr marL="609585" indent="0">
+              <a:buNone/>
+              <a:defRPr sz="1600"/>
+            </a:lvl2pPr>
+            <a:lvl3pPr marL="1219170" indent="0">
+              <a:buNone/>
+              <a:defRPr sz="1333"/>
+            </a:lvl3pPr>
+            <a:lvl4pPr marL="1828754" indent="0">
+              <a:buNone/>
+              <a:defRPr sz="1200"/>
+            </a:lvl4pPr>
+            <a:lvl5pPr marL="2438339" indent="0">
+              <a:buNone/>
+              <a:defRPr sz="1200"/>
+            </a:lvl5pPr>
+            <a:lvl6pPr marL="3047924" indent="0">
+              <a:buNone/>
+              <a:defRPr sz="1200"/>
+            </a:lvl6pPr>
+            <a:lvl7pPr marL="3657509" indent="0">
+              <a:buNone/>
+              <a:defRPr sz="1200"/>
+            </a:lvl7pPr>
+            <a:lvl8pPr marL="4267093" indent="0">
+              <a:buNone/>
+              <a:defRPr sz="1200"/>
+            </a:lvl8pPr>
+            <a:lvl9pPr marL="4876678" indent="0">
+              <a:buNone/>
+              <a:defRPr sz="1200"/>
+            </a:lvl9pPr>
+          </a:lstStyle>
+          <a:p>
+            <a:pPr lvl="0"/>
+            <a:r>
+              <a:rPr lang="en-US"/>
+              <a:t>Click to edit Master text styles</a:t>
+            </a:r>
+          </a:p>
+        </p:txBody>
+      </p:sp>
+      <p:sp>
+        <p:nvSpPr>
+          <p:cNvPr id="5" name="Date Placeholder 4"/>
+          <p:cNvSpPr>
+            <a:spLocks noGrp="1"/>
+          </p:cNvSpPr>
+          <p:nvPr>
+            <p:ph type="dt" sz="half" idx="10"/>
+          </p:nvPr>
+        </p:nvSpPr>
+        <p:spPr/>
+        <p:txBody>
+          <a:bodyPr/>
+          <a:lstStyle/>
+          <a:p>
+            <a:fld id="{D088F999-7A4E-6B4F-9FED-EF75B73AD044}" type="datetimeFigureOut">
+              <a:rPr lang="en-US" smtClean="0"/>
+              <a:t>9/22/2021</a:t>
+            </a:fld>
+            <a:endParaRPr lang="en-US"/>
+          </a:p>
+        </p:txBody>
+      </p:sp>
+      <p:sp>
+        <p:nvSpPr>
+          <p:cNvPr id="6" name="Footer Placeholder 5"/>
+          <p:cNvSpPr>
+            <a:spLocks noGrp="1"/>
+          </p:cNvSpPr>
+          <p:nvPr>
+            <p:ph type="ftr" sz="quarter" idx="11"/>
+          </p:nvPr>
+        </p:nvSpPr>
+        <p:spPr/>
+        <p:txBody>
+          <a:bodyPr/>
+          <a:lstStyle/>
+          <a:p>
+            <a:endParaRPr lang="en-US"/>
+          </a:p>
+        </p:txBody>
+      </p:sp>
+      <p:sp>
+        <p:nvSpPr>
+          <p:cNvPr id="7" name="Slide Number Placeholder 6"/>
+          <p:cNvSpPr>
+            <a:spLocks noGrp="1"/>
+          </p:cNvSpPr>
+          <p:nvPr>
+            <p:ph type="sldNum" sz="quarter" idx="12"/>
+          </p:nvPr>
+        </p:nvSpPr>
+        <p:spPr/>
+        <p:txBody>
+          <a:bodyPr/>
+          <a:lstStyle/>
+          <a:p>
+            <a:fld id="{5D024AAD-DF78-DE44-A1F3-EEB19EDC9165}" type="slidenum">
+              <a:rPr lang="en-US" smtClean="0"/>
+              <a:t>‹#›</a:t>
+            </a:fld>
+            <a:endParaRPr lang="en-US"/>
+          </a:p>
+        </p:txBody>
+      </p:sp>
+    </p:spTree>
+    <p:extLst>
+      <p:ext uri="{BB962C8B-B14F-4D97-AF65-F5344CB8AC3E}">
+        <p14:creationId xmlns:p14="http://schemas.microsoft.com/office/powerpoint/2010/main" val="623420929"/>
+      </p:ext>
+    </p:extLst>
+  </p:cSld>
+  <p:clrMapOvr>
+    <a:masterClrMapping/>
+  </p:clrMapOvr>
+</p:sldLayout>
+</file>
+
+<file path=ppt/slideMasters/slideMaster1.xml><?xml version="1.0" encoding="utf-8"?>
+<p:sldMaster xmlns:a="http://schemas.openxmlformats.org/drawingml/2006/main" xmlns:r="http://schemas.openxmlformats.org/officeDocument/2006/relationships" xmlns:p="http://schemas.openxmlformats.org/presentationml/2006/main" preserve="1">
+  <p:cSld>
+    <p:bg>
+      <p:bgPr>
+        <a:blipFill dpi="0" rotWithShape="1">
+          <a:blip r:embed="rId13">
+            <a:lum/>
+          </a:blip>
+          <a:srcRect/>
+          <a:stretch>
+            <a:fillRect/>
+          </a:stretch>
+        </a:blipFill>
+        <a:effectLst/>
+      </p:bgPr>
+    </p:bg>
+    <p:spTree>
+      <p:nvGrpSpPr>
+        <p:cNvPr id="1" name=""/>
+        <p:cNvGrpSpPr/>
+        <p:nvPr/>
+      </p:nvGrpSpPr>
+      <p:grpSpPr>
+        <a:xfrm>
+          <a:off x="0" y="0"/>
+          <a:ext cx="0" cy="0"/>
+          <a:chOff x="0" y="0"/>
+          <a:chExt cx="0" cy="0"/>
+        </a:xfrm>
+      </p:grpSpPr>
+      <p:sp>
+        <p:nvSpPr>
+          <p:cNvPr id="2" name="Title Placeholder 1"/>
+          <p:cNvSpPr>
+            <a:spLocks noGrp="1"/>
+          </p:cNvSpPr>
+          <p:nvPr>
+            <p:ph type="title"/>
+          </p:nvPr>
+        </p:nvSpPr>
+        <p:spPr>
+          <a:xfrm>
+            <a:off x="609600" y="275167"/>
+            <a:ext cx="10972800" cy="1143000"/>
+          </a:xfrm>
+          <a:prstGeom prst="rect">
+            <a:avLst/>
+          </a:prstGeom>
+        </p:spPr>
+        <p:txBody>
+          <a:bodyPr vert="horz" lIns="91440" tIns="45720" rIns="91440" bIns="45720" rtlCol="0" anchor="ctr">
+            <a:normAutofit/>
+          </a:bodyPr>
+          <a:lstStyle/>
+          <a:p>
+            <a:r>
+              <a:rPr lang="en-US"/>
+              <a:t>Click to edit Master title style</a:t>
+            </a:r>
+          </a:p>
+        </p:txBody>
+      </p:sp>
+      <p:sp>
+        <p:nvSpPr>
+          <p:cNvPr id="3" name="Text Placeholder 2"/>
+          <p:cNvSpPr>
+            <a:spLocks noGrp="1"/>
+          </p:cNvSpPr>
+          <p:nvPr>
+            <p:ph type="body" idx="1"/>
+          </p:nvPr>
+        </p:nvSpPr>
+        <p:spPr>
+          <a:xfrm>
+            <a:off x="609600" y="1600201"/>
+            <a:ext cx="10972800" cy="4525433"/>
+          </a:xfrm>
+          <a:prstGeom prst="rect">
+            <a:avLst/>
+          </a:prstGeom>
+        </p:spPr>
+        <p:txBody>
+          <a:bodyPr vert="horz" lIns="91440" tIns="45720" rIns="91440" bIns="45720" rtlCol="0">
+            <a:normAutofit/>
+          </a:bodyPr>
+          <a:lstStyle/>
+          <a:p>
+            <a:pPr lvl="0"/>
+            <a:r>
+              <a:rPr lang="en-US"/>
+              <a:t>Click to edit Master text styles</a:t>
+            </a:r>
+          </a:p>
+          <a:p>
+            <a:pPr lvl="1"/>
+            <a:r>
+              <a:rPr lang="en-US"/>
+              <a:t>Second level</a:t>
+            </a:r>
+          </a:p>
+          <a:p>
+            <a:pPr lvl="2"/>
+            <a:r>
+              <a:rPr lang="en-US"/>
+              <a:t>Third level</a:t>
+            </a:r>
+          </a:p>
+          <a:p>
+            <a:pPr lvl="3"/>
+            <a:r>
+              <a:rPr lang="en-US"/>
+              <a:t>Fourth level</a:t>
+            </a:r>
+          </a:p>
+          <a:p>
+            <a:pPr lvl="4"/>
+            <a:r>
+              <a:rPr lang="en-US"/>
+              <a:t>Fifth level</a:t>
+            </a:r>
+          </a:p>
+        </p:txBody>
+      </p:sp>
+      <p:sp>
+        <p:nvSpPr>
+          <p:cNvPr id="4" name="Date Placeholder 3"/>
+          <p:cNvSpPr>
+            <a:spLocks noGrp="1"/>
+          </p:cNvSpPr>
+          <p:nvPr>
+            <p:ph type="dt" sz="half" idx="2"/>
+          </p:nvPr>
+        </p:nvSpPr>
+        <p:spPr>
+          <a:xfrm>
+            <a:off x="609600" y="6356351"/>
+            <a:ext cx="2844800" cy="366183"/>
+          </a:xfrm>
+          <a:prstGeom prst="rect">
+            <a:avLst/>
+          </a:prstGeom>
+        </p:spPr>
+        <p:txBody>
+          <a:bodyPr vert="horz" lIns="91440" tIns="45720" rIns="91440" bIns="45720" rtlCol="0" anchor="ctr"/>
+          <a:lstStyle>
+            <a:lvl1pPr algn="l">
+              <a:defRPr sz="1600">
+                <a:solidFill>
+                  <a:schemeClr val="tx1">
+                    <a:tint val="75000"/>
+                  </a:schemeClr>
+                </a:solidFill>
+              </a:defRPr>
+            </a:lvl1pPr>
+          </a:lstStyle>
+          <a:p>
+            <a:fld id="{D088F999-7A4E-6B4F-9FED-EF75B73AD044}" type="datetimeFigureOut">
+              <a:rPr lang="en-US" smtClean="0"/>
+              <a:t>9/22/2021</a:t>
+            </a:fld>
+            <a:endParaRPr lang="en-US"/>
+          </a:p>
+        </p:txBody>
+      </p:sp>
+      <p:sp>
+        <p:nvSpPr>
+          <p:cNvPr id="5" name="Footer Placeholder 4"/>
+          <p:cNvSpPr>
+            <a:spLocks noGrp="1"/>
+          </p:cNvSpPr>
+          <p:nvPr>
+            <p:ph type="ftr" sz="quarter" idx="3"/>
+          </p:nvPr>
+        </p:nvSpPr>
+        <p:spPr>
+          <a:xfrm>
+            <a:off x="4165600" y="6356351"/>
+            <a:ext cx="3860800" cy="366183"/>
+          </a:xfrm>
+          <a:prstGeom prst="rect">
+            <a:avLst/>
+          </a:prstGeom>
+        </p:spPr>
+        <p:txBody>
+          <a:bodyPr vert="horz" lIns="91440" tIns="45720" rIns="91440" bIns="45720" rtlCol="0" anchor="ctr"/>
+          <a:lstStyle>
+            <a:lvl1pPr algn="ctr">
+              <a:defRPr sz="1600">
+                <a:solidFill>
+                  <a:schemeClr val="tx1">
+                    <a:tint val="75000"/>
+                  </a:schemeClr>
+                </a:solidFill>
+              </a:defRPr>
+            </a:lvl1pPr>
+          </a:lstStyle>
+          <a:p>
+            <a:endParaRPr lang="en-US"/>
+          </a:p>
+        </p:txBody>
+      </p:sp>
+      <p:sp>
+        <p:nvSpPr>
+          <p:cNvPr id="6" name="Slide Number Placeholder 5"/>
+          <p:cNvSpPr>
+            <a:spLocks noGrp="1"/>
+          </p:cNvSpPr>
+          <p:nvPr>
+            <p:ph type="sldNum" sz="quarter" idx="4"/>
+          </p:nvPr>
+        </p:nvSpPr>
+        <p:spPr>
+          <a:xfrm>
+            <a:off x="8737600" y="6356351"/>
+            <a:ext cx="2844800" cy="366183"/>
+          </a:xfrm>
+          <a:prstGeom prst="rect">
+            <a:avLst/>
+          </a:prstGeom>
+        </p:spPr>
+        <p:txBody>
+          <a:bodyPr vert="horz" lIns="91440" tIns="45720" rIns="91440" bIns="45720" rtlCol="0" anchor="ctr"/>
+          <a:lstStyle>
+            <a:lvl1pPr algn="r">
+              <a:defRPr sz="1600">
+                <a:solidFill>
+                  <a:schemeClr val="tx1">
+                    <a:tint val="75000"/>
+                  </a:schemeClr>
+                </a:solidFill>
+              </a:defRPr>
+            </a:lvl1pPr>
+          </a:lstStyle>
+          <a:p>
+            <a:fld id="{5D024AAD-DF78-DE44-A1F3-EEB19EDC9165}" type="slidenum">
+              <a:rPr lang="en-US" smtClean="0"/>
+              <a:t>‹#›</a:t>
+            </a:fld>
+            <a:endParaRPr lang="en-US"/>
+          </a:p>
+        </p:txBody>
+      </p:sp>
+    </p:spTree>
+    <p:extLst>
+      <p:ext uri="{BB962C8B-B14F-4D97-AF65-F5344CB8AC3E}">
+        <p14:creationId xmlns:p14="http://schemas.microsoft.com/office/powerpoint/2010/main" val="4006854141"/>
+      </p:ext>
+    </p:extLst>
+  </p:cSld>
+  <p:clrMap bg1="lt1" tx1="dk1" bg2="lt2" tx2="dk2" accent1="accent1" accent2="accent2" accent3="accent3" accent4="accent4" accent5="accent5" accent6="accent6" hlink="hlink" folHlink="folHlink"/>
+  <p:sldLayoutIdLst>
+    <p:sldLayoutId id="2147483685" r:id="rId1"/>
+    <p:sldLayoutId id="2147483686" r:id="rId2"/>
+    <p:sldLayoutId id="2147483687" r:id="rId3"/>
+    <p:sldLayoutId id="2147483688" r:id="rId4"/>
+    <p:sldLayoutId id="2147483689" r:id="rId5"/>
+    <p:sldLayoutId id="2147483690" r:id="rId6"/>
+    <p:sldLayoutId id="2147483691" r:id="rId7"/>
+    <p:sldLayoutId id="2147483692" r:id="rId8"/>
+    <p:sldLayoutId id="2147483693" r:id="rId9"/>
+    <p:sldLayoutId id="2147483694" r:id="rId10"/>
+    <p:sldLayoutId id="2147483695" r:id="rId11"/>
+  </p:sldLayoutIdLst>
+  <p:txStyles>
+    <p:titleStyle>
+      <a:lvl1pPr algn="ctr" defTabSz="609585" rtl="0" eaLnBrk="1" latinLnBrk="0" hangingPunct="1">
+        <a:spcBef>
+          <a:spcPct val="0"/>
+        </a:spcBef>
+        <a:buNone/>
+        <a:defRPr sz="5867" kern="1200">
+          <a:solidFill>
+            <a:schemeClr val="tx1"/>
+          </a:solidFill>
+          <a:latin typeface="+mj-lt"/>
+          <a:ea typeface="+mj-ea"/>
+          <a:cs typeface="+mj-cs"/>
+        </a:defRPr>
+      </a:lvl1pPr>
+    </p:titleStyle>
+    <p:bodyStyle>
+      <a:lvl1pPr marL="457189" indent="-457189" algn="l" defTabSz="609585" rtl="0" eaLnBrk="1" latinLnBrk="0" hangingPunct="1">
+        <a:spcBef>
+          <a:spcPct val="20000"/>
+        </a:spcBef>
+        <a:buFont typeface="Arial"/>
+        <a:buChar char="•"/>
+        <a:defRPr sz="4267" kern="1200">
+          <a:solidFill>
+            <a:schemeClr val="tx1"/>
+          </a:solidFill>
+          <a:latin typeface="+mn-lt"/>
+          <a:ea typeface="+mn-ea"/>
+          <a:cs typeface="+mn-cs"/>
+        </a:defRPr>
+      </a:lvl1pPr>
+      <a:lvl2pPr marL="990575" indent="-380990" algn="l" defTabSz="609585" rtl="0" eaLnBrk="1" latinLnBrk="0" hangingPunct="1">
+        <a:spcBef>
+          <a:spcPct val="20000"/>
+        </a:spcBef>
+        <a:buFont typeface="Arial"/>
+        <a:buChar char="–"/>
+        <a:defRPr sz="3733" kern="1200">
+          <a:solidFill>
+            <a:schemeClr val="tx1"/>
+          </a:solidFill>
+          <a:latin typeface="+mn-lt"/>
+          <a:ea typeface="+mn-ea"/>
+          <a:cs typeface="+mn-cs"/>
+        </a:defRPr>
+      </a:lvl2pPr>
+      <a:lvl3pPr marL="1523962" indent="-304792" algn="l" defTabSz="609585" rtl="0" eaLnBrk="1" latinLnBrk="0" hangingPunct="1">
+        <a:spcBef>
+          <a:spcPct val="20000"/>
+        </a:spcBef>
+        <a:buFont typeface="Arial"/>
+        <a:buChar char="•"/>
+        <a:defRPr sz="3200" kern="1200">
+          <a:solidFill>
+            <a:schemeClr val="tx1"/>
+          </a:solidFill>
+          <a:latin typeface="+mn-lt"/>
+          <a:ea typeface="+mn-ea"/>
+          <a:cs typeface="+mn-cs"/>
+        </a:defRPr>
+      </a:lvl3pPr>
+      <a:lvl4pPr marL="2133547" indent="-304792" algn="l" defTabSz="609585" rtl="0" eaLnBrk="1" latinLnBrk="0" hangingPunct="1">
+        <a:spcBef>
+          <a:spcPct val="20000"/>
+        </a:spcBef>
+        <a:buFont typeface="Arial"/>
+        <a:buChar char="–"/>
+        <a:defRPr sz="2667" kern="1200">
+          <a:solidFill>
+            <a:schemeClr val="tx1"/>
+          </a:solidFill>
+          <a:latin typeface="+mn-lt"/>
+          <a:ea typeface="+mn-ea"/>
+          <a:cs typeface="+mn-cs"/>
+        </a:defRPr>
+      </a:lvl4pPr>
+      <a:lvl5pPr marL="2743131" indent="-304792" algn="l" defTabSz="609585" rtl="0" eaLnBrk="1" latinLnBrk="0" hangingPunct="1">
+        <a:spcBef>
+          <a:spcPct val="20000"/>
+        </a:spcBef>
+        <a:buFont typeface="Arial"/>
+        <a:buChar char="»"/>
+        <a:defRPr sz="2667" kern="1200">
+          <a:solidFill>
+            <a:schemeClr val="tx1"/>
+          </a:solidFill>
+          <a:latin typeface="+mn-lt"/>
+          <a:ea typeface="+mn-ea"/>
+          <a:cs typeface="+mn-cs"/>
+        </a:defRPr>
+      </a:lvl5pPr>
+      <a:lvl6pPr marL="3352716" indent="-304792" algn="l" defTabSz="609585" rtl="0" eaLnBrk="1" latinLnBrk="0" hangingPunct="1">
+        <a:spcBef>
+          <a:spcPct val="20000"/>
+        </a:spcBef>
+        <a:buFont typeface="Arial"/>
+        <a:buChar char="•"/>
+        <a:defRPr sz="2667" kern="1200">
+          <a:solidFill>
+            <a:schemeClr val="tx1"/>
+          </a:solidFill>
+          <a:latin typeface="+mn-lt"/>
+          <a:ea typeface="+mn-ea"/>
+          <a:cs typeface="+mn-cs"/>
+        </a:defRPr>
+      </a:lvl6pPr>
+      <a:lvl7pPr marL="3962301" indent="-304792" algn="l" defTabSz="609585" rtl="0" eaLnBrk="1" latinLnBrk="0" hangingPunct="1">
+        <a:spcBef>
+          <a:spcPct val="20000"/>
+        </a:spcBef>
+        <a:buFont typeface="Arial"/>
+        <a:buChar char="•"/>
+        <a:defRPr sz="2667" kern="1200">
+          <a:solidFill>
+            <a:schemeClr val="tx1"/>
+          </a:solidFill>
+          <a:latin typeface="+mn-lt"/>
+          <a:ea typeface="+mn-ea"/>
+          <a:cs typeface="+mn-cs"/>
+        </a:defRPr>
+      </a:lvl7pPr>
+      <a:lvl8pPr marL="4571886" indent="-304792" algn="l" defTabSz="609585" rtl="0" eaLnBrk="1" latinLnBrk="0" hangingPunct="1">
+        <a:spcBef>
+          <a:spcPct val="20000"/>
+        </a:spcBef>
+        <a:buFont typeface="Arial"/>
+        <a:buChar char="•"/>
+        <a:defRPr sz="2667" kern="1200">
+          <a:solidFill>
+            <a:schemeClr val="tx1"/>
+          </a:solidFill>
+          <a:latin typeface="+mn-lt"/>
+          <a:ea typeface="+mn-ea"/>
+          <a:cs typeface="+mn-cs"/>
+        </a:defRPr>
+      </a:lvl8pPr>
+      <a:lvl9pPr marL="5181470" indent="-304792" algn="l" defTabSz="609585" rtl="0" eaLnBrk="1" latinLnBrk="0" hangingPunct="1">
+        <a:spcBef>
+          <a:spcPct val="20000"/>
+        </a:spcBef>
+        <a:buFont typeface="Arial"/>
+        <a:buChar char="•"/>
+        <a:defRPr sz="2667" kern="1200">
+          <a:solidFill>
+            <a:schemeClr val="tx1"/>
+          </a:solidFill>
+          <a:latin typeface="+mn-lt"/>
+          <a:ea typeface="+mn-ea"/>
+          <a:cs typeface="+mn-cs"/>
+        </a:defRPr>
+      </a:lvl9pPr>
+    </p:bodyStyle>
+    <p:otherStyle>
+      <a:defPPr>
+        <a:defRPr lang="en-US"/>
+      </a:defPPr>
+      <a:lvl1pPr marL="0" algn="l" defTabSz="609585" rtl="0" eaLnBrk="1" latinLnBrk="0" hangingPunct="1">
+        <a:defRPr sz="2400" kern="1200">
+          <a:solidFill>
+            <a:schemeClr val="tx1"/>
+          </a:solidFill>
+          <a:latin typeface="+mn-lt"/>
+          <a:ea typeface="+mn-ea"/>
+          <a:cs typeface="+mn-cs"/>
+        </a:defRPr>
+      </a:lvl1pPr>
+      <a:lvl2pPr marL="609585" algn="l" defTabSz="609585" rtl="0" eaLnBrk="1" latinLnBrk="0" hangingPunct="1">
+        <a:defRPr sz="2400" kern="1200">
+          <a:solidFill>
+            <a:schemeClr val="tx1"/>
+          </a:solidFill>
+          <a:latin typeface="+mn-lt"/>
+          <a:ea typeface="+mn-ea"/>
+          <a:cs typeface="+mn-cs"/>
+        </a:defRPr>
+      </a:lvl2pPr>
+      <a:lvl3pPr marL="1219170" algn="l" defTabSz="609585" rtl="0" eaLnBrk="1" latinLnBrk="0" hangingPunct="1">
+        <a:defRPr sz="2400" kern="1200">
+          <a:solidFill>
+            <a:schemeClr val="tx1"/>
+          </a:solidFill>
+          <a:latin typeface="+mn-lt"/>
+          <a:ea typeface="+mn-ea"/>
+          <a:cs typeface="+mn-cs"/>
+        </a:defRPr>
+      </a:lvl3pPr>
+      <a:lvl4pPr marL="1828754" algn="l" defTabSz="609585" rtl="0" eaLnBrk="1" latinLnBrk="0" hangingPunct="1">
+        <a:defRPr sz="2400" kern="1200">
+          <a:solidFill>
+            <a:schemeClr val="tx1"/>
+          </a:solidFill>
+          <a:latin typeface="+mn-lt"/>
+          <a:ea typeface="+mn-ea"/>
+          <a:cs typeface="+mn-cs"/>
+        </a:defRPr>
+      </a:lvl4pPr>
+      <a:lvl5pPr marL="2438339" algn="l" defTabSz="609585" rtl="0" eaLnBrk="1" latinLnBrk="0" hangingPunct="1">
+        <a:defRPr sz="2400" kern="1200">
+          <a:solidFill>
+            <a:schemeClr val="tx1"/>
+          </a:solidFill>
+          <a:latin typeface="+mn-lt"/>
+          <a:ea typeface="+mn-ea"/>
+          <a:cs typeface="+mn-cs"/>
+        </a:defRPr>
+      </a:lvl5pPr>
+      <a:lvl6pPr marL="3047924" algn="l" defTabSz="609585" rtl="0" eaLnBrk="1" latinLnBrk="0" hangingPunct="1">
+        <a:defRPr sz="2400" kern="1200">
+          <a:solidFill>
+            <a:schemeClr val="tx1"/>
+          </a:solidFill>
+          <a:latin typeface="+mn-lt"/>
+          <a:ea typeface="+mn-ea"/>
+          <a:cs typeface="+mn-cs"/>
+        </a:defRPr>
+      </a:lvl6pPr>
+      <a:lvl7pPr marL="3657509" algn="l" defTabSz="609585" rtl="0" eaLnBrk="1" latinLnBrk="0" hangingPunct="1">
+        <a:defRPr sz="2400" kern="1200">
+          <a:solidFill>
+            <a:schemeClr val="tx1"/>
+          </a:solidFill>
+          <a:latin typeface="+mn-lt"/>
+          <a:ea typeface="+mn-ea"/>
+          <a:cs typeface="+mn-cs"/>
+        </a:defRPr>
+      </a:lvl7pPr>
+      <a:lvl8pPr marL="4267093" algn="l" defTabSz="609585" rtl="0" eaLnBrk="1" latinLnBrk="0" hangingPunct="1">
+        <a:defRPr sz="2400" kern="1200">
+          <a:solidFill>
+            <a:schemeClr val="tx1"/>
+          </a:solidFill>
+          <a:latin typeface="+mn-lt"/>
+          <a:ea typeface="+mn-ea"/>
+          <a:cs typeface="+mn-cs"/>
+        </a:defRPr>
+      </a:lvl8pPr>
+      <a:lvl9pPr marL="4876678" algn="l" defTabSz="609585" rtl="0" eaLnBrk="1" latinLnBrk="0" hangingPunct="1">
+        <a:defRPr sz="2400" kern="1200">
+          <a:solidFill>
+            <a:schemeClr val="tx1"/>
+          </a:solidFill>
+          <a:latin typeface="+mn-lt"/>
+          <a:ea typeface="+mn-ea"/>
+          <a:cs typeface="+mn-cs"/>
+        </a:defRPr>
+      </a:lvl9pPr>
+    </p:otherStyle>
+  </p:txStyles>
+</p:sldMaster>
+</file>
+
+<file path=ppt/slideMasters/slideMaster2.xml><?xml version="1.0" encoding="utf-8"?>
+<p:sldMaster xmlns:a="http://schemas.openxmlformats.org/drawingml/2006/main" xmlns:r="http://schemas.openxmlformats.org/officeDocument/2006/relationships" xmlns:p="http://schemas.openxmlformats.org/presentationml/2006/main">
+  <p:cSld>
+    <p:bg>
+      <p:bgPr>
+        <a:solidFill>
+          <a:schemeClr val="bg1">
+            <a:lumMod val="75000"/>
+            <a:lumOff val="25000"/>
+          </a:schemeClr>
+        </a:solidFill>
+        <a:effectLst/>
+      </p:bgPr>
+    </p:bg>
+    <p:spTree>
+      <p:nvGrpSpPr>
+        <p:cNvPr id="1" name=""/>
+        <p:cNvGrpSpPr/>
+        <p:nvPr/>
+      </p:nvGrpSpPr>
+      <p:grpSpPr>
+        <a:xfrm>
+          <a:off x="0" y="0"/>
+          <a:ext cx="0" cy="0"/>
+          <a:chOff x="0" y="0"/>
+          <a:chExt cx="0" cy="0"/>
+        </a:xfrm>
+      </p:grpSpPr>
+      <p:sp>
+        <p:nvSpPr>
+          <p:cNvPr id="7" name="Rectangle 6"/>
+          <p:cNvSpPr/>
+          <p:nvPr/>
+        </p:nvSpPr>
+        <p:spPr>
+          <a:xfrm>
+            <a:off x="1" y="6400800"/>
+            <a:ext cx="12192000" cy="457200"/>
+          </a:xfrm>
+          <a:prstGeom prst="rect">
+            <a:avLst/>
+          </a:prstGeom>
+          <a:solidFill>
+            <a:schemeClr val="accent1">
+              <a:lumMod val="75000"/>
+            </a:schemeClr>
+          </a:solidFill>
+          <a:ln>
+            <a:noFill/>
+          </a:ln>
+        </p:spPr>
+        <p:style>
+          <a:lnRef idx="2">
+            <a:schemeClr val="accent1">
+              <a:shade val="50000"/>
+            </a:schemeClr>
+          </a:lnRef>
+          <a:fillRef idx="1">
+            <a:schemeClr val="accent1"/>
+          </a:fillRef>
+          <a:effectRef idx="0">
+            <a:schemeClr val="accent1"/>
+          </a:effectRef>
+          <a:fontRef idx="minor">
+            <a:schemeClr val="lt1"/>
+          </a:fontRef>
+        </p:style>
+      </p:sp>
+      <p:sp>
+        <p:nvSpPr>
+          <p:cNvPr id="9" name="Rectangle 8"/>
+          <p:cNvSpPr/>
+          <p:nvPr/>
+        </p:nvSpPr>
+        <p:spPr>
+          <a:xfrm>
+            <a:off x="1" y="6334316"/>
+            <a:ext cx="12192000" cy="66484"/>
+          </a:xfrm>
+          <a:prstGeom prst="rect">
+            <a:avLst/>
+          </a:prstGeom>
+          <a:solidFill>
+            <a:schemeClr val="accent1"/>
+          </a:solidFill>
+          <a:ln>
+            <a:noFill/>
+          </a:ln>
+        </p:spPr>
+        <p:style>
+          <a:lnRef idx="2">
+            <a:schemeClr val="accent1">
+              <a:shade val="50000"/>
+            </a:schemeClr>
+          </a:lnRef>
+          <a:fillRef idx="1">
+            <a:schemeClr val="accent1"/>
+          </a:fillRef>
+          <a:effectRef idx="0">
+            <a:schemeClr val="accent1"/>
+          </a:effectRef>
+          <a:fontRef idx="minor">
+            <a:schemeClr val="lt1"/>
+          </a:fontRef>
+        </p:style>
+      </p:sp>
+      <p:sp>
+        <p:nvSpPr>
           <p:cNvPr id="2" name="Title Placeholder 1"/>
           <p:cNvSpPr>
             <a:spLocks noGrp="1"/>
@@ -3269,9 +6740,9 @@
             </a:lvl1pPr>
           </a:lstStyle>
           <a:p>
-            <a:fld id="{EA857CBD-A883-4259-9501-1C56CD3D7B17}" type="datetimeFigureOut">
+            <a:fld id="{D088F999-7A4E-6B4F-9FED-EF75B73AD044}" type="datetimeFigureOut">
               <a:rPr lang="en-US" smtClean="0"/>
-              <a:t>8/30/2021</a:t>
+              <a:t>9/22/2021</a:t>
             </a:fld>
             <a:endParaRPr lang="en-US"/>
           </a:p>
@@ -3343,7 +6814,7 @@
             </a:lvl1pPr>
           </a:lstStyle>
           <a:p>
-            <a:fld id="{CF02091F-C107-4755-91B3-FAAE4F49D9FF}" type="slidenum">
+            <a:fld id="{5D024AAD-DF78-DE44-A1F3-EEB19EDC9165}" type="slidenum">
               <a:rPr lang="en-US" smtClean="0"/>
               <a:t>‹#›</a:t>
             </a:fld>
@@ -3392,23 +6863,23 @@
     </p:spTree>
     <p:extLst>
       <p:ext uri="{BB962C8B-B14F-4D97-AF65-F5344CB8AC3E}">
-        <p14:creationId xmlns:p14="http://schemas.microsoft.com/office/powerpoint/2010/main" val="2197461635"/>
+        <p14:creationId xmlns:p14="http://schemas.microsoft.com/office/powerpoint/2010/main" val="2782837388"/>
       </p:ext>
     </p:extLst>
   </p:cSld>
-  <p:clrMap bg1="lt1" tx1="dk1" bg2="lt2" tx2="dk2" accent1="accent1" accent2="accent2" accent3="accent3" accent4="accent4" accent5="accent5" accent6="accent6" hlink="hlink" folHlink="folHlink"/>
+  <p:clrMap bg1="dk1" tx1="lt1" bg2="dk2" tx2="lt2" accent1="accent1" accent2="accent2" accent3="accent3" accent4="accent4" accent5="accent5" accent6="accent6" hlink="hlink" folHlink="folHlink"/>
   <p:sldLayoutIdLst>
-    <p:sldLayoutId id="2147483673" r:id="rId1"/>
-    <p:sldLayoutId id="2147483674" r:id="rId2"/>
-    <p:sldLayoutId id="2147483675" r:id="rId3"/>
-    <p:sldLayoutId id="2147483676" r:id="rId4"/>
-    <p:sldLayoutId id="2147483677" r:id="rId5"/>
-    <p:sldLayoutId id="2147483678" r:id="rId6"/>
-    <p:sldLayoutId id="2147483679" r:id="rId7"/>
-    <p:sldLayoutId id="2147483680" r:id="rId8"/>
-    <p:sldLayoutId id="2147483681" r:id="rId9"/>
-    <p:sldLayoutId id="2147483682" r:id="rId10"/>
-    <p:sldLayoutId id="2147483683" r:id="rId11"/>
+    <p:sldLayoutId id="2147483709" r:id="rId1"/>
+    <p:sldLayoutId id="2147483710" r:id="rId2"/>
+    <p:sldLayoutId id="2147483711" r:id="rId3"/>
+    <p:sldLayoutId id="2147483712" r:id="rId4"/>
+    <p:sldLayoutId id="2147483713" r:id="rId5"/>
+    <p:sldLayoutId id="2147483714" r:id="rId6"/>
+    <p:sldLayoutId id="2147483715" r:id="rId7"/>
+    <p:sldLayoutId id="2147483716" r:id="rId8"/>
+    <p:sldLayoutId id="2147483717" r:id="rId9"/>
+    <p:sldLayoutId id="2147483718" r:id="rId10"/>
+    <p:sldLayoutId id="2147483719" r:id="rId11"/>
   </p:sldLayoutIdLst>
   <p:txStyles>
     <p:titleStyle>
@@ -3445,7 +6916,7 @@
           <a:spcPts val="200"/>
         </a:spcAft>
         <a:buClr>
-          <a:schemeClr val="accent1"/>
+          <a:schemeClr val="accent3"/>
         </a:buClr>
         <a:buSzPct val="100000"/>
         <a:buFont typeface="Calibri" panose="020F0502020204030204" pitchFamily="34" charset="0"/>
@@ -3473,7 +6944,7 @@
           <a:spcPts val="400"/>
         </a:spcAft>
         <a:buClr>
-          <a:schemeClr val="accent1"/>
+          <a:schemeClr val="accent3"/>
         </a:buClr>
         <a:buFont typeface="Calibri" pitchFamily="34" charset="0"/>
         <a:buChar char="◦"/>
@@ -3500,7 +6971,7 @@
           <a:spcPts val="400"/>
         </a:spcAft>
         <a:buClr>
-          <a:schemeClr val="accent1"/>
+          <a:schemeClr val="accent3"/>
         </a:buClr>
         <a:buFont typeface="Calibri" pitchFamily="34" charset="0"/>
         <a:buChar char="◦"/>
@@ -3527,7 +6998,7 @@
           <a:spcPts val="400"/>
         </a:spcAft>
         <a:buClr>
-          <a:schemeClr val="accent1"/>
+          <a:schemeClr val="accent3"/>
         </a:buClr>
         <a:buFont typeface="Calibri" pitchFamily="34" charset="0"/>
         <a:buChar char="◦"/>
@@ -3554,7 +7025,7 @@
           <a:spcPts val="400"/>
         </a:spcAft>
         <a:buClr>
-          <a:schemeClr val="accent1"/>
+          <a:schemeClr val="accent3"/>
         </a:buClr>
         <a:buFont typeface="Calibri" pitchFamily="34" charset="0"/>
         <a:buChar char="◦"/>
@@ -3581,7 +7052,7 @@
           <a:spcPts val="400"/>
         </a:spcAft>
         <a:buClr>
-          <a:schemeClr val="accent1"/>
+          <a:schemeClr val="accent3"/>
         </a:buClr>
         <a:buFont typeface="Calibri" pitchFamily="34" charset="0"/>
         <a:buChar char="◦"/>
@@ -3608,7 +7079,7 @@
           <a:spcPts val="400"/>
         </a:spcAft>
         <a:buClr>
-          <a:schemeClr val="accent1"/>
+          <a:schemeClr val="accent3"/>
         </a:buClr>
         <a:buFont typeface="Calibri" pitchFamily="34" charset="0"/>
         <a:buChar char="◦"/>
@@ -3635,7 +7106,7 @@
           <a:spcPts val="400"/>
         </a:spcAft>
         <a:buClr>
-          <a:schemeClr val="accent1"/>
+          <a:schemeClr val="accent3"/>
         </a:buClr>
         <a:buFont typeface="Calibri" pitchFamily="34" charset="0"/>
         <a:buChar char="◦"/>
@@ -3662,7 +7133,7 @@
           <a:spcPts val="400"/>
         </a:spcAft>
         <a:buClr>
-          <a:schemeClr val="accent1"/>
+          <a:schemeClr val="accent3"/>
         </a:buClr>
         <a:buFont typeface="Calibri" pitchFamily="34" charset="0"/>
         <a:buChar char="◦"/>
@@ -3795,6 +7266,423 @@
           <a:chExt cx="0" cy="0"/>
         </a:xfrm>
       </p:grpSpPr>
+      <p:sp>
+        <p:nvSpPr>
+          <p:cNvPr id="4" name="Rectangle 3">
+            <a:extLst>
+              <a:ext uri="{FF2B5EF4-FFF2-40B4-BE49-F238E27FC236}">
+                <a16:creationId xmlns:a16="http://schemas.microsoft.com/office/drawing/2014/main" id="{2DB7453A-5DFD-6B43-9EF9-B4DB30288921}"/>
+              </a:ext>
+            </a:extLst>
+          </p:cNvPr>
+          <p:cNvSpPr/>
+          <p:nvPr/>
+        </p:nvSpPr>
+        <p:spPr>
+          <a:xfrm>
+            <a:off x="0" y="4343400"/>
+            <a:ext cx="12192000" cy="2514600"/>
+          </a:xfrm>
+          <a:prstGeom prst="rect">
+            <a:avLst/>
+          </a:prstGeom>
+          <a:solidFill>
+            <a:srgbClr val="403938"/>
+          </a:solidFill>
+          <a:ln>
+            <a:noFill/>
+          </a:ln>
+        </p:spPr>
+        <p:style>
+          <a:lnRef idx="1">
+            <a:schemeClr val="accent1"/>
+          </a:lnRef>
+          <a:fillRef idx="3">
+            <a:schemeClr val="accent1"/>
+          </a:fillRef>
+          <a:effectRef idx="2">
+            <a:schemeClr val="accent1"/>
+          </a:effectRef>
+          <a:fontRef idx="minor">
+            <a:schemeClr val="lt1"/>
+          </a:fontRef>
+        </p:style>
+        <p:txBody>
+          <a:bodyPr rtlCol="0" anchor="ctr"/>
+          <a:lstStyle/>
+          <a:p>
+            <a:pPr algn="ctr" defTabSz="1219170"/>
+            <a:endParaRPr lang="en-US" sz="2400" dirty="0">
+              <a:solidFill>
+                <a:prstClr val="white"/>
+              </a:solidFill>
+              <a:latin typeface="Calibri"/>
+            </a:endParaRPr>
+          </a:p>
+        </p:txBody>
+      </p:sp>
+      <p:sp>
+        <p:nvSpPr>
+          <p:cNvPr id="6" name="Rectangle 5"/>
+          <p:cNvSpPr>
+            <a:spLocks noChangeArrowheads="1"/>
+          </p:cNvSpPr>
+          <p:nvPr/>
+        </p:nvSpPr>
+        <p:spPr bwMode="auto">
+          <a:xfrm>
+            <a:off x="304800" y="4826683"/>
+            <a:ext cx="5317067" cy="1727200"/>
+          </a:xfrm>
+          <a:prstGeom prst="rect">
+            <a:avLst/>
+          </a:prstGeom>
+          <a:noFill/>
+          <a:ln>
+            <a:noFill/>
+          </a:ln>
+          <a:effectLst/>
+          <a:extLst>
+            <a:ext uri="{909E8E84-426E-40DD-AFC4-6F175D3DCCD1}">
+              <a14:hiddenFill xmlns:a14="http://schemas.microsoft.com/office/drawing/2010/main">
+                <a:solidFill>
+                  <a:schemeClr val="accent1"/>
+                </a:solidFill>
+              </a14:hiddenFill>
+            </a:ext>
+            <a:ext uri="{91240B29-F687-4F45-9708-019B960494DF}">
+              <a14:hiddenLine xmlns:a14="http://schemas.microsoft.com/office/drawing/2010/main" w="9525">
+                <a:solidFill>
+                  <a:schemeClr val="tx1"/>
+                </a:solidFill>
+                <a:miter lim="800000"/>
+                <a:headEnd/>
+                <a:tailEnd/>
+              </a14:hiddenLine>
+            </a:ext>
+            <a:ext uri="{AF507438-7753-43E0-B8FC-AC1667EBCBE1}">
+              <a14:hiddenEffects xmlns:a14="http://schemas.microsoft.com/office/drawing/2010/main">
+                <a:effectLst>
+                  <a:outerShdw dist="35921" dir="2700000" algn="ctr" rotWithShape="0">
+                    <a:schemeClr val="bg2"/>
+                  </a:outerShdw>
+                </a:effectLst>
+              </a14:hiddenEffects>
+            </a:ext>
+          </a:extLst>
+        </p:spPr>
+        <p:txBody>
+          <a:bodyPr lIns="114564" tIns="57283" rIns="114564" bIns="57283"/>
+          <a:lstStyle/>
+          <a:p>
+            <a:pPr defTabSz="1219170">
+              <a:defRPr/>
+            </a:pPr>
+            <a:r>
+              <a:rPr lang="en-US" sz="4267" b="1" dirty="0">
+                <a:solidFill>
+                  <a:prstClr val="white"/>
+                </a:solidFill>
+                <a:latin typeface="Arial" charset="0"/>
+              </a:rPr>
+              <a:t>Chris Woodruff</a:t>
+            </a:r>
+            <a:endParaRPr lang="en-US" sz="3733" b="1" dirty="0">
+              <a:solidFill>
+                <a:prstClr val="white"/>
+              </a:solidFill>
+              <a:latin typeface="Arial" charset="0"/>
+            </a:endParaRPr>
+          </a:p>
+          <a:p>
+            <a:pPr defTabSz="1219170">
+              <a:defRPr/>
+            </a:pPr>
+            <a:r>
+              <a:rPr lang="en-US" sz="3200" b="1" dirty="0" err="1">
+                <a:solidFill>
+                  <a:prstClr val="white"/>
+                </a:solidFill>
+                <a:latin typeface="Arial" charset="0"/>
+              </a:rPr>
+              <a:t>LearningAbout.Dev</a:t>
+            </a:r>
+            <a:endParaRPr lang="en-US" sz="3200" b="1" dirty="0">
+              <a:solidFill>
+                <a:prstClr val="white"/>
+              </a:solidFill>
+              <a:latin typeface="Arial" charset="0"/>
+            </a:endParaRPr>
+          </a:p>
+          <a:p>
+            <a:pPr defTabSz="1219170">
+              <a:defRPr/>
+            </a:pPr>
+            <a:endParaRPr lang="en-US" sz="2400" b="1" dirty="0">
+              <a:solidFill>
+                <a:prstClr val="white"/>
+              </a:solidFill>
+              <a:latin typeface="Arial" charset="0"/>
+            </a:endParaRPr>
+          </a:p>
+          <a:p>
+            <a:pPr defTabSz="1219170">
+              <a:defRPr/>
+            </a:pPr>
+            <a:endParaRPr lang="en-US" sz="1867" dirty="0">
+              <a:solidFill>
+                <a:prstClr val="white"/>
+              </a:solidFill>
+              <a:latin typeface="Times New Roman" pitchFamily="28" charset="0"/>
+            </a:endParaRPr>
+          </a:p>
+        </p:txBody>
+      </p:sp>
+      <p:sp>
+        <p:nvSpPr>
+          <p:cNvPr id="7" name="Text Box 7"/>
+          <p:cNvSpPr txBox="1">
+            <a:spLocks noChangeArrowheads="1"/>
+          </p:cNvSpPr>
+          <p:nvPr/>
+        </p:nvSpPr>
+        <p:spPr bwMode="auto">
+          <a:xfrm>
+            <a:off x="7924801" y="4824276"/>
+            <a:ext cx="4889497" cy="830997"/>
+          </a:xfrm>
+          <a:prstGeom prst="rect">
+            <a:avLst/>
+          </a:prstGeom>
+          <a:noFill/>
+          <a:ln>
+            <a:noFill/>
+          </a:ln>
+          <a:effectLst/>
+          <a:extLst>
+            <a:ext uri="{909E8E84-426E-40DD-AFC4-6F175D3DCCD1}">
+              <a14:hiddenFill xmlns:a14="http://schemas.microsoft.com/office/drawing/2010/main">
+                <a:solidFill>
+                  <a:schemeClr val="accent1"/>
+                </a:solidFill>
+              </a14:hiddenFill>
+            </a:ext>
+            <a:ext uri="{91240B29-F687-4F45-9708-019B960494DF}">
+              <a14:hiddenLine xmlns:a14="http://schemas.microsoft.com/office/drawing/2010/main" w="9525" algn="ctr">
+                <a:solidFill>
+                  <a:schemeClr val="tx1"/>
+                </a:solidFill>
+                <a:miter lim="800000"/>
+                <a:headEnd/>
+                <a:tailEnd/>
+              </a14:hiddenLine>
+            </a:ext>
+            <a:ext uri="{AF507438-7753-43E0-B8FC-AC1667EBCBE1}">
+              <a14:hiddenEffects xmlns:a14="http://schemas.microsoft.com/office/drawing/2010/main">
+                <a:effectLst>
+                  <a:outerShdw dist="35921" dir="2700000" algn="ctr" rotWithShape="0">
+                    <a:schemeClr val="bg2"/>
+                  </a:outerShdw>
+                </a:effectLst>
+              </a14:hiddenEffects>
+            </a:ext>
+          </a:extLst>
+        </p:spPr>
+        <p:txBody>
+          <a:bodyPr wrap="square">
+            <a:spAutoFit/>
+          </a:bodyPr>
+          <a:lstStyle>
+            <a:lvl1pPr>
+              <a:defRPr sz="1600">
+                <a:solidFill>
+                  <a:schemeClr val="tx1"/>
+                </a:solidFill>
+                <a:latin typeface="Lucida Console" pitchFamily="49" charset="0"/>
+                <a:cs typeface="Arial" charset="0"/>
+              </a:defRPr>
+            </a:lvl1pPr>
+            <a:lvl2pPr marL="742950" indent="-285750">
+              <a:defRPr sz="1600">
+                <a:solidFill>
+                  <a:schemeClr val="tx1"/>
+                </a:solidFill>
+                <a:latin typeface="Lucida Console" pitchFamily="49" charset="0"/>
+                <a:cs typeface="Arial" charset="0"/>
+              </a:defRPr>
+            </a:lvl2pPr>
+            <a:lvl3pPr marL="1143000" indent="-228600">
+              <a:defRPr sz="1600">
+                <a:solidFill>
+                  <a:schemeClr val="tx1"/>
+                </a:solidFill>
+                <a:latin typeface="Lucida Console" pitchFamily="49" charset="0"/>
+                <a:cs typeface="Arial" charset="0"/>
+              </a:defRPr>
+            </a:lvl3pPr>
+            <a:lvl4pPr marL="1600200" indent="-228600">
+              <a:defRPr sz="1600">
+                <a:solidFill>
+                  <a:schemeClr val="tx1"/>
+                </a:solidFill>
+                <a:latin typeface="Lucida Console" pitchFamily="49" charset="0"/>
+                <a:cs typeface="Arial" charset="0"/>
+              </a:defRPr>
+            </a:lvl4pPr>
+            <a:lvl5pPr marL="2057400" indent="-228600">
+              <a:defRPr sz="1600">
+                <a:solidFill>
+                  <a:schemeClr val="tx1"/>
+                </a:solidFill>
+                <a:latin typeface="Lucida Console" pitchFamily="49" charset="0"/>
+                <a:cs typeface="Arial" charset="0"/>
+              </a:defRPr>
+            </a:lvl5pPr>
+            <a:lvl6pPr marL="2514600" indent="-228600" eaLnBrk="0" fontAlgn="base" hangingPunct="0">
+              <a:spcBef>
+                <a:spcPct val="0"/>
+              </a:spcBef>
+              <a:spcAft>
+                <a:spcPct val="0"/>
+              </a:spcAft>
+              <a:defRPr sz="1600">
+                <a:solidFill>
+                  <a:schemeClr val="tx1"/>
+                </a:solidFill>
+                <a:latin typeface="Lucida Console" pitchFamily="49" charset="0"/>
+                <a:cs typeface="Arial" charset="0"/>
+              </a:defRPr>
+            </a:lvl6pPr>
+            <a:lvl7pPr marL="2971800" indent="-228600" eaLnBrk="0" fontAlgn="base" hangingPunct="0">
+              <a:spcBef>
+                <a:spcPct val="0"/>
+              </a:spcBef>
+              <a:spcAft>
+                <a:spcPct val="0"/>
+              </a:spcAft>
+              <a:defRPr sz="1600">
+                <a:solidFill>
+                  <a:schemeClr val="tx1"/>
+                </a:solidFill>
+                <a:latin typeface="Lucida Console" pitchFamily="49" charset="0"/>
+                <a:cs typeface="Arial" charset="0"/>
+              </a:defRPr>
+            </a:lvl7pPr>
+            <a:lvl8pPr marL="3429000" indent="-228600" eaLnBrk="0" fontAlgn="base" hangingPunct="0">
+              <a:spcBef>
+                <a:spcPct val="0"/>
+              </a:spcBef>
+              <a:spcAft>
+                <a:spcPct val="0"/>
+              </a:spcAft>
+              <a:defRPr sz="1600">
+                <a:solidFill>
+                  <a:schemeClr val="tx1"/>
+                </a:solidFill>
+                <a:latin typeface="Lucida Console" pitchFamily="49" charset="0"/>
+                <a:cs typeface="Arial" charset="0"/>
+              </a:defRPr>
+            </a:lvl8pPr>
+            <a:lvl9pPr marL="3886200" indent="-228600" eaLnBrk="0" fontAlgn="base" hangingPunct="0">
+              <a:spcBef>
+                <a:spcPct val="0"/>
+              </a:spcBef>
+              <a:spcAft>
+                <a:spcPct val="0"/>
+              </a:spcAft>
+              <a:defRPr sz="1600">
+                <a:solidFill>
+                  <a:schemeClr val="tx1"/>
+                </a:solidFill>
+                <a:latin typeface="Lucida Console" pitchFamily="49" charset="0"/>
+                <a:cs typeface="Arial" charset="0"/>
+              </a:defRPr>
+            </a:lvl9pPr>
+          </a:lstStyle>
+          <a:p>
+            <a:pPr defTabSz="1219170"/>
+            <a:r>
+              <a:rPr lang="en-US" sz="2667" dirty="0">
+                <a:solidFill>
+                  <a:prstClr val="white"/>
+                </a:solidFill>
+                <a:latin typeface="Arial" charset="0"/>
+              </a:rPr>
+              <a:t>Level: Intermediate, etc.</a:t>
+            </a:r>
+          </a:p>
+          <a:p>
+            <a:pPr defTabSz="1219170"/>
+            <a:endParaRPr lang="en-US" sz="2133" b="1" dirty="0">
+              <a:solidFill>
+                <a:prstClr val="white"/>
+              </a:solidFill>
+              <a:latin typeface="Arial" charset="0"/>
+            </a:endParaRPr>
+          </a:p>
+        </p:txBody>
+      </p:sp>
+      <p:pic>
+        <p:nvPicPr>
+          <p:cNvPr id="2" name="Picture 1"/>
+          <p:cNvPicPr>
+            <a:picLocks noChangeAspect="1"/>
+          </p:cNvPicPr>
+          <p:nvPr/>
+        </p:nvPicPr>
+        <p:blipFill>
+          <a:blip r:embed="rId3">
+            <a:extLst>
+              <a:ext uri="{28A0092B-C50C-407E-A947-70E740481C1C}">
+                <a14:useLocalDpi xmlns:a14="http://schemas.microsoft.com/office/drawing/2010/main" val="0"/>
+              </a:ext>
+            </a:extLst>
+          </a:blip>
+          <a:stretch>
+            <a:fillRect/>
+          </a:stretch>
+        </p:blipFill>
+        <p:spPr>
+          <a:xfrm>
+            <a:off x="0" y="-17379"/>
+            <a:ext cx="12192000" cy="4665579"/>
+          </a:xfrm>
+          <a:prstGeom prst="rect">
+            <a:avLst/>
+          </a:prstGeom>
+        </p:spPr>
+      </p:pic>
+    </p:spTree>
+    <p:extLst>
+      <p:ext uri="{BB962C8B-B14F-4D97-AF65-F5344CB8AC3E}">
+        <p14:creationId xmlns:p14="http://schemas.microsoft.com/office/powerpoint/2010/main" val="1057191978"/>
+      </p:ext>
+    </p:extLst>
+  </p:cSld>
+  <p:clrMapOvr>
+    <a:masterClrMapping/>
+  </p:clrMapOvr>
+  <p:transition spd="slow"/>
+</p:sld>
+</file>
+
+<file path=ppt/slides/slide2.xml><?xml version="1.0" encoding="utf-8"?>
+<p:sld xmlns:a="http://schemas.openxmlformats.org/drawingml/2006/main" xmlns:r="http://schemas.openxmlformats.org/officeDocument/2006/relationships" xmlns:p="http://schemas.openxmlformats.org/presentationml/2006/main">
+  <p:cSld>
+    <p:spTree>
+      <p:nvGrpSpPr>
+        <p:cNvPr id="1" name=""/>
+        <p:cNvGrpSpPr/>
+        <p:nvPr/>
+      </p:nvGrpSpPr>
+      <p:grpSpPr>
+        <a:xfrm>
+          <a:off x="0" y="0"/>
+          <a:ext cx="0" cy="0"/>
+          <a:chOff x="0" y="0"/>
+          <a:chExt cx="0" cy="0"/>
+        </a:xfrm>
+      </p:grpSpPr>
       <p:pic>
         <p:nvPicPr>
           <p:cNvPr id="5" name="Picture 4">
@@ -3856,7 +7744,10 @@
           </a:bodyPr>
           <a:lstStyle/>
           <a:p>
-            <a:endParaRPr lang="en-US"/>
+            <a:r>
+              <a:rPr lang="en-US" dirty="0"/>
+              <a:t>Creating Integration Tests for Web API</a:t>
+            </a:r>
           </a:p>
         </p:txBody>
       </p:sp>
@@ -3883,7 +7774,33 @@
           </a:bodyPr>
           <a:lstStyle/>
           <a:p>
-            <a:endParaRPr lang="en-US"/>
+            <a:r>
+              <a:rPr lang="en-US" b="0" i="0" dirty="0">
+                <a:solidFill>
+                  <a:srgbClr val="FFFFFF"/>
+                </a:solidFill>
+                <a:effectLst/>
+                <a:latin typeface="Roboto" panose="02000000000000000000" pitchFamily="2" charset="0"/>
+              </a:rPr>
+              <a:t>Learn to Produce Effective</a:t>
+            </a:r>
+            <a:br>
+              <a:rPr lang="en-US" dirty="0"/>
+            </a:br>
+            <a:r>
+              <a:rPr lang="en-US" b="0" i="0" dirty="0">
+                <a:solidFill>
+                  <a:srgbClr val="FFFFFF"/>
+                </a:solidFill>
+                <a:effectLst/>
+                <a:latin typeface="Roboto" panose="02000000000000000000" pitchFamily="2" charset="0"/>
+              </a:rPr>
+              <a:t>Web APIs with ASP.NET 5</a:t>
+            </a:r>
+            <a:endParaRPr lang="en-US" dirty="0"/>
+          </a:p>
+          <a:p>
+            <a:endParaRPr lang="en-US" dirty="0"/>
           </a:p>
         </p:txBody>
       </p:sp>
@@ -3901,6 +7818,326 @@
 </file>
 
 <file path=ppt/theme/theme1.xml><?xml version="1.0" encoding="utf-8"?>
+<a:theme xmlns:a="http://schemas.openxmlformats.org/drawingml/2006/main" name="Custom Design">
+  <a:themeElements>
+    <a:clrScheme name="Office">
+      <a:dk1>
+        <a:sysClr val="windowText" lastClr="000000"/>
+      </a:dk1>
+      <a:lt1>
+        <a:sysClr val="window" lastClr="FFFFFF"/>
+      </a:lt1>
+      <a:dk2>
+        <a:srgbClr val="1F497D"/>
+      </a:dk2>
+      <a:lt2>
+        <a:srgbClr val="EEECE1"/>
+      </a:lt2>
+      <a:accent1>
+        <a:srgbClr val="4F81BD"/>
+      </a:accent1>
+      <a:accent2>
+        <a:srgbClr val="C0504D"/>
+      </a:accent2>
+      <a:accent3>
+        <a:srgbClr val="9BBB59"/>
+      </a:accent3>
+      <a:accent4>
+        <a:srgbClr val="8064A2"/>
+      </a:accent4>
+      <a:accent5>
+        <a:srgbClr val="4BACC6"/>
+      </a:accent5>
+      <a:accent6>
+        <a:srgbClr val="F79646"/>
+      </a:accent6>
+      <a:hlink>
+        <a:srgbClr val="0000FF"/>
+      </a:hlink>
+      <a:folHlink>
+        <a:srgbClr val="800080"/>
+      </a:folHlink>
+    </a:clrScheme>
+    <a:fontScheme name="Office">
+      <a:majorFont>
+        <a:latin typeface="Calibri"/>
+        <a:ea typeface=""/>
+        <a:cs typeface=""/>
+        <a:font script="Jpan" typeface="ＭＳ Ｐゴシック"/>
+        <a:font script="Hang" typeface="맑은 고딕"/>
+        <a:font script="Hans" typeface="宋体"/>
+        <a:font script="Hant" typeface="新細明體"/>
+        <a:font script="Arab" typeface="Times New Roman"/>
+        <a:font script="Hebr" typeface="Times New Roman"/>
+        <a:font script="Thai" typeface="Angsana New"/>
+        <a:font script="Ethi" typeface="Nyala"/>
+        <a:font script="Beng" typeface="Vrinda"/>
+        <a:font script="Gujr" typeface="Shruti"/>
+        <a:font script="Khmr" typeface="MoolBoran"/>
+        <a:font script="Knda" typeface="Tunga"/>
+        <a:font script="Guru" typeface="Raavi"/>
+        <a:font script="Cans" typeface="Euphemia"/>
+        <a:font script="Cher" typeface="Plantagenet Cherokee"/>
+        <a:font script="Yiii" typeface="Microsoft Yi Baiti"/>
+        <a:font script="Tibt" typeface="Microsoft Himalaya"/>
+        <a:font script="Thaa" typeface="MV Boli"/>
+        <a:font script="Deva" typeface="Mangal"/>
+        <a:font script="Telu" typeface="Gautami"/>
+        <a:font script="Taml" typeface="Latha"/>
+        <a:font script="Syrc" typeface="Estrangelo Edessa"/>
+        <a:font script="Orya" typeface="Kalinga"/>
+        <a:font script="Mlym" typeface="Kartika"/>
+        <a:font script="Laoo" typeface="DokChampa"/>
+        <a:font script="Sinh" typeface="Iskoola Pota"/>
+        <a:font script="Mong" typeface="Mongolian Baiti"/>
+        <a:font script="Viet" typeface="Times New Roman"/>
+        <a:font script="Uigh" typeface="Microsoft Uighur"/>
+        <a:font script="Geor" typeface="Sylfaen"/>
+      </a:majorFont>
+      <a:minorFont>
+        <a:latin typeface="Calibri"/>
+        <a:ea typeface=""/>
+        <a:cs typeface=""/>
+        <a:font script="Jpan" typeface="ＭＳ Ｐゴシック"/>
+        <a:font script="Hang" typeface="맑은 고딕"/>
+        <a:font script="Hans" typeface="宋体"/>
+        <a:font script="Hant" typeface="新細明體"/>
+        <a:font script="Arab" typeface="Arial"/>
+        <a:font script="Hebr" typeface="Arial"/>
+        <a:font script="Thai" typeface="Cordia New"/>
+        <a:font script="Ethi" typeface="Nyala"/>
+        <a:font script="Beng" typeface="Vrinda"/>
+        <a:font script="Gujr" typeface="Shruti"/>
+        <a:font script="Khmr" typeface="DaunPenh"/>
+        <a:font script="Knda" typeface="Tunga"/>
+        <a:font script="Guru" typeface="Raavi"/>
+        <a:font script="Cans" typeface="Euphemia"/>
+        <a:font script="Cher" typeface="Plantagenet Cherokee"/>
+        <a:font script="Yiii" typeface="Microsoft Yi Baiti"/>
+        <a:font script="Tibt" typeface="Microsoft Himalaya"/>
+        <a:font script="Thaa" typeface="MV Boli"/>
+        <a:font script="Deva" typeface="Mangal"/>
+        <a:font script="Telu" typeface="Gautami"/>
+        <a:font script="Taml" typeface="Latha"/>
+        <a:font script="Syrc" typeface="Estrangelo Edessa"/>
+        <a:font script="Orya" typeface="Kalinga"/>
+        <a:font script="Mlym" typeface="Kartika"/>
+        <a:font script="Laoo" typeface="DokChampa"/>
+        <a:font script="Sinh" typeface="Iskoola Pota"/>
+        <a:font script="Mong" typeface="Mongolian Baiti"/>
+        <a:font script="Viet" typeface="Arial"/>
+        <a:font script="Uigh" typeface="Microsoft Uighur"/>
+        <a:font script="Geor" typeface="Sylfaen"/>
+      </a:minorFont>
+    </a:fontScheme>
+    <a:fmtScheme name="Office">
+      <a:fillStyleLst>
+        <a:solidFill>
+          <a:schemeClr val="phClr"/>
+        </a:solidFill>
+        <a:gradFill rotWithShape="1">
+          <a:gsLst>
+            <a:gs pos="0">
+              <a:schemeClr val="phClr">
+                <a:tint val="50000"/>
+                <a:satMod val="300000"/>
+              </a:schemeClr>
+            </a:gs>
+            <a:gs pos="35000">
+              <a:schemeClr val="phClr">
+                <a:tint val="37000"/>
+                <a:satMod val="300000"/>
+              </a:schemeClr>
+            </a:gs>
+            <a:gs pos="100000">
+              <a:schemeClr val="phClr">
+                <a:tint val="15000"/>
+                <a:satMod val="350000"/>
+              </a:schemeClr>
+            </a:gs>
+          </a:gsLst>
+          <a:lin ang="16200000" scaled="1"/>
+        </a:gradFill>
+        <a:gradFill rotWithShape="1">
+          <a:gsLst>
+            <a:gs pos="0">
+              <a:schemeClr val="phClr">
+                <a:tint val="100000"/>
+                <a:shade val="100000"/>
+                <a:satMod val="130000"/>
+              </a:schemeClr>
+            </a:gs>
+            <a:gs pos="100000">
+              <a:schemeClr val="phClr">
+                <a:tint val="50000"/>
+                <a:shade val="100000"/>
+                <a:satMod val="350000"/>
+              </a:schemeClr>
+            </a:gs>
+          </a:gsLst>
+          <a:lin ang="16200000" scaled="0"/>
+        </a:gradFill>
+      </a:fillStyleLst>
+      <a:lnStyleLst>
+        <a:ln w="9525" cap="flat" cmpd="sng" algn="ctr">
+          <a:solidFill>
+            <a:schemeClr val="phClr">
+              <a:shade val="95000"/>
+              <a:satMod val="105000"/>
+            </a:schemeClr>
+          </a:solidFill>
+          <a:prstDash val="solid"/>
+        </a:ln>
+        <a:ln w="25400" cap="flat" cmpd="sng" algn="ctr">
+          <a:solidFill>
+            <a:schemeClr val="phClr"/>
+          </a:solidFill>
+          <a:prstDash val="solid"/>
+        </a:ln>
+        <a:ln w="38100" cap="flat" cmpd="sng" algn="ctr">
+          <a:solidFill>
+            <a:schemeClr val="phClr"/>
+          </a:solidFill>
+          <a:prstDash val="solid"/>
+        </a:ln>
+      </a:lnStyleLst>
+      <a:effectStyleLst>
+        <a:effectStyle>
+          <a:effectLst>
+            <a:outerShdw blurRad="40000" dist="20000" dir="5400000" rotWithShape="0">
+              <a:srgbClr val="000000">
+                <a:alpha val="38000"/>
+              </a:srgbClr>
+            </a:outerShdw>
+          </a:effectLst>
+        </a:effectStyle>
+        <a:effectStyle>
+          <a:effectLst>
+            <a:outerShdw blurRad="40000" dist="23000" dir="5400000" rotWithShape="0">
+              <a:srgbClr val="000000">
+                <a:alpha val="35000"/>
+              </a:srgbClr>
+            </a:outerShdw>
+          </a:effectLst>
+        </a:effectStyle>
+        <a:effectStyle>
+          <a:effectLst>
+            <a:outerShdw blurRad="40000" dist="23000" dir="5400000" rotWithShape="0">
+              <a:srgbClr val="000000">
+                <a:alpha val="35000"/>
+              </a:srgbClr>
+            </a:outerShdw>
+          </a:effectLst>
+          <a:scene3d>
+            <a:camera prst="orthographicFront">
+              <a:rot lat="0" lon="0" rev="0"/>
+            </a:camera>
+            <a:lightRig rig="threePt" dir="t">
+              <a:rot lat="0" lon="0" rev="1200000"/>
+            </a:lightRig>
+          </a:scene3d>
+          <a:sp3d>
+            <a:bevelT w="63500" h="25400"/>
+          </a:sp3d>
+        </a:effectStyle>
+      </a:effectStyleLst>
+      <a:bgFillStyleLst>
+        <a:solidFill>
+          <a:schemeClr val="phClr"/>
+        </a:solidFill>
+        <a:gradFill rotWithShape="1">
+          <a:gsLst>
+            <a:gs pos="0">
+              <a:schemeClr val="phClr">
+                <a:tint val="40000"/>
+                <a:satMod val="350000"/>
+              </a:schemeClr>
+            </a:gs>
+            <a:gs pos="40000">
+              <a:schemeClr val="phClr">
+                <a:tint val="45000"/>
+                <a:shade val="99000"/>
+                <a:satMod val="350000"/>
+              </a:schemeClr>
+            </a:gs>
+            <a:gs pos="100000">
+              <a:schemeClr val="phClr">
+                <a:shade val="20000"/>
+                <a:satMod val="255000"/>
+              </a:schemeClr>
+            </a:gs>
+          </a:gsLst>
+          <a:path path="circle">
+            <a:fillToRect l="50000" t="-80000" r="50000" b="180000"/>
+          </a:path>
+        </a:gradFill>
+        <a:gradFill rotWithShape="1">
+          <a:gsLst>
+            <a:gs pos="0">
+              <a:schemeClr val="phClr">
+                <a:tint val="80000"/>
+                <a:satMod val="300000"/>
+              </a:schemeClr>
+            </a:gs>
+            <a:gs pos="100000">
+              <a:schemeClr val="phClr">
+                <a:shade val="30000"/>
+                <a:satMod val="200000"/>
+              </a:schemeClr>
+            </a:gs>
+          </a:gsLst>
+          <a:path path="circle">
+            <a:fillToRect l="50000" t="50000" r="50000" b="50000"/>
+          </a:path>
+        </a:gradFill>
+      </a:bgFillStyleLst>
+    </a:fmtScheme>
+  </a:themeElements>
+  <a:objectDefaults>
+    <a:spDef>
+      <a:spPr/>
+      <a:bodyPr/>
+      <a:lstStyle/>
+      <a:style>
+        <a:lnRef idx="1">
+          <a:schemeClr val="accent1"/>
+        </a:lnRef>
+        <a:fillRef idx="3">
+          <a:schemeClr val="accent1"/>
+        </a:fillRef>
+        <a:effectRef idx="2">
+          <a:schemeClr val="accent1"/>
+        </a:effectRef>
+        <a:fontRef idx="minor">
+          <a:schemeClr val="lt1"/>
+        </a:fontRef>
+      </a:style>
+    </a:spDef>
+    <a:lnDef>
+      <a:spPr/>
+      <a:bodyPr/>
+      <a:lstStyle/>
+      <a:style>
+        <a:lnRef idx="2">
+          <a:schemeClr val="accent1"/>
+        </a:lnRef>
+        <a:fillRef idx="0">
+          <a:schemeClr val="accent1"/>
+        </a:fillRef>
+        <a:effectRef idx="1">
+          <a:schemeClr val="accent1"/>
+        </a:effectRef>
+        <a:fontRef idx="minor">
+          <a:schemeClr val="tx1"/>
+        </a:fontRef>
+      </a:style>
+    </a:lnDef>
+  </a:objectDefaults>
+  <a:extraClrSchemeLst/>
+</a:theme>
+</file>
+
+<file path=ppt/theme/theme2.xml><?xml version="1.0" encoding="utf-8"?>
 <a:theme xmlns:a="http://schemas.openxmlformats.org/drawingml/2006/main" name="Retrospect">
   <a:themeElements>
     <a:clrScheme name="Retrospect">
@@ -3911,34 +8148,34 @@
         <a:sysClr val="window" lastClr="FFFFFF"/>
       </a:lt1>
       <a:dk2>
-        <a:srgbClr val="455F51"/>
+        <a:srgbClr val="564B3C"/>
       </a:dk2>
       <a:lt2>
-        <a:srgbClr val="E2DFCC"/>
+        <a:srgbClr val="ECEDD1"/>
       </a:lt2>
       <a:accent1>
-        <a:srgbClr val="99CB38"/>
+        <a:srgbClr val="93A299"/>
       </a:accent1>
       <a:accent2>
-        <a:srgbClr val="63A537"/>
+        <a:srgbClr val="CF543F"/>
       </a:accent2>
       <a:accent3>
-        <a:srgbClr val="37A76F"/>
+        <a:srgbClr val="B5AE53"/>
       </a:accent3>
       <a:accent4>
-        <a:srgbClr val="44C1A3"/>
+        <a:srgbClr val="848058"/>
       </a:accent4>
       <a:accent5>
-        <a:srgbClr val="4EB3CF"/>
+        <a:srgbClr val="E8B54D"/>
       </a:accent5>
       <a:accent6>
-        <a:srgbClr val="51C3F9"/>
+        <a:srgbClr val="786C71"/>
       </a:accent6>
       <a:hlink>
-        <a:srgbClr val="6B9F25"/>
+        <a:srgbClr val="CCCC00"/>
       </a:hlink>
       <a:folHlink>
-        <a:srgbClr val="B26B02"/>
+        <a:srgbClr val="B2B2B2"/>
       </a:folHlink>
     </a:clrScheme>
     <a:fontScheme name="Retrospect">
@@ -4177,7 +8414,302 @@
   <a:extraClrSchemeLst/>
   <a:extLst>
     <a:ext uri="{05A4C25C-085E-4340-85A3-A5531E510DB2}">
-      <thm15:themeFamily xmlns:thm15="http://schemas.microsoft.com/office/thememl/2012/main" name="Retrospect" id="{5F128B03-DCCA-4EEB-AB3B-CF2899314A46}" vid="{D26EA377-59BD-4C9C-9D94-EE8416EE4C79}"/>
+      <thm15:themeFamily xmlns:thm15="http://schemas.microsoft.com/office/thememl/2012/main" name="Retrospect" id="{5F128B03-DCCA-4EEB-AB3B-CF2899314A46}" vid="{E3DA18C2-75F1-4980-A5F0-165F6F71DE6D}"/>
+    </a:ext>
+  </a:extLst>
+</a:theme>
+</file>
+
+<file path=ppt/theme/theme3.xml><?xml version="1.0" encoding="utf-8"?>
+<a:theme xmlns:a="http://schemas.openxmlformats.org/drawingml/2006/main" name="Office Theme">
+  <a:themeElements>
+    <a:clrScheme name="Office">
+      <a:dk1>
+        <a:sysClr val="windowText" lastClr="000000"/>
+      </a:dk1>
+      <a:lt1>
+        <a:sysClr val="window" lastClr="FFFFFF"/>
+      </a:lt1>
+      <a:dk2>
+        <a:srgbClr val="44546A"/>
+      </a:dk2>
+      <a:lt2>
+        <a:srgbClr val="E7E6E6"/>
+      </a:lt2>
+      <a:accent1>
+        <a:srgbClr val="4472C4"/>
+      </a:accent1>
+      <a:accent2>
+        <a:srgbClr val="ED7D31"/>
+      </a:accent2>
+      <a:accent3>
+        <a:srgbClr val="A5A5A5"/>
+      </a:accent3>
+      <a:accent4>
+        <a:srgbClr val="FFC000"/>
+      </a:accent4>
+      <a:accent5>
+        <a:srgbClr val="5B9BD5"/>
+      </a:accent5>
+      <a:accent6>
+        <a:srgbClr val="70AD47"/>
+      </a:accent6>
+      <a:hlink>
+        <a:srgbClr val="0563C1"/>
+      </a:hlink>
+      <a:folHlink>
+        <a:srgbClr val="954F72"/>
+      </a:folHlink>
+    </a:clrScheme>
+    <a:fontScheme name="Office">
+      <a:majorFont>
+        <a:latin typeface="Calibri Light" panose="020F0302020204030204"/>
+        <a:ea typeface=""/>
+        <a:cs typeface=""/>
+        <a:font script="Jpan" typeface="游ゴシック Light"/>
+        <a:font script="Hang" typeface="맑은 고딕"/>
+        <a:font script="Hans" typeface="等线 Light"/>
+        <a:font script="Hant" typeface="新細明體"/>
+        <a:font script="Arab" typeface="Times New Roman"/>
+        <a:font script="Hebr" typeface="Times New Roman"/>
+        <a:font script="Thai" typeface="Angsana New"/>
+        <a:font script="Ethi" typeface="Nyala"/>
+        <a:font script="Beng" typeface="Vrinda"/>
+        <a:font script="Gujr" typeface="Shruti"/>
+        <a:font script="Khmr" typeface="MoolBoran"/>
+        <a:font script="Knda" typeface="Tunga"/>
+        <a:font script="Guru" typeface="Raavi"/>
+        <a:font script="Cans" typeface="Euphemia"/>
+        <a:font script="Cher" typeface="Plantagenet Cherokee"/>
+        <a:font script="Yiii" typeface="Microsoft Yi Baiti"/>
+        <a:font script="Tibt" typeface="Microsoft Himalaya"/>
+        <a:font script="Thaa" typeface="MV Boli"/>
+        <a:font script="Deva" typeface="Mangal"/>
+        <a:font script="Telu" typeface="Gautami"/>
+        <a:font script="Taml" typeface="Latha"/>
+        <a:font script="Syrc" typeface="Estrangelo Edessa"/>
+        <a:font script="Orya" typeface="Kalinga"/>
+        <a:font script="Mlym" typeface="Kartika"/>
+        <a:font script="Laoo" typeface="DokChampa"/>
+        <a:font script="Sinh" typeface="Iskoola Pota"/>
+        <a:font script="Mong" typeface="Mongolian Baiti"/>
+        <a:font script="Viet" typeface="Times New Roman"/>
+        <a:font script="Uigh" typeface="Microsoft Uighur"/>
+        <a:font script="Geor" typeface="Sylfaen"/>
+        <a:font script="Armn" typeface="Arial"/>
+        <a:font script="Bugi" typeface="Leelawadee UI"/>
+        <a:font script="Bopo" typeface="Microsoft JhengHei"/>
+        <a:font script="Java" typeface="Javanese Text"/>
+        <a:font script="Lisu" typeface="Segoe UI"/>
+        <a:font script="Mymr" typeface="Myanmar Text"/>
+        <a:font script="Nkoo" typeface="Ebrima"/>
+        <a:font script="Olck" typeface="Nirmala UI"/>
+        <a:font script="Osma" typeface="Ebrima"/>
+        <a:font script="Phag" typeface="Phagspa"/>
+        <a:font script="Syrn" typeface="Estrangelo Edessa"/>
+        <a:font script="Syrj" typeface="Estrangelo Edessa"/>
+        <a:font script="Syre" typeface="Estrangelo Edessa"/>
+        <a:font script="Sora" typeface="Nirmala UI"/>
+        <a:font script="Tale" typeface="Microsoft Tai Le"/>
+        <a:font script="Talu" typeface="Microsoft New Tai Lue"/>
+        <a:font script="Tfng" typeface="Ebrima"/>
+      </a:majorFont>
+      <a:minorFont>
+        <a:latin typeface="Calibri" panose="020F0502020204030204"/>
+        <a:ea typeface=""/>
+        <a:cs typeface=""/>
+        <a:font script="Jpan" typeface="游ゴシック"/>
+        <a:font script="Hang" typeface="맑은 고딕"/>
+        <a:font script="Hans" typeface="等线"/>
+        <a:font script="Hant" typeface="新細明體"/>
+        <a:font script="Arab" typeface="Arial"/>
+        <a:font script="Hebr" typeface="Arial"/>
+        <a:font script="Thai" typeface="Cordia New"/>
+        <a:font script="Ethi" typeface="Nyala"/>
+        <a:font script="Beng" typeface="Vrinda"/>
+        <a:font script="Gujr" typeface="Shruti"/>
+        <a:font script="Khmr" typeface="DaunPenh"/>
+        <a:font script="Knda" typeface="Tunga"/>
+        <a:font script="Guru" typeface="Raavi"/>
+        <a:font script="Cans" typeface="Euphemia"/>
+        <a:font script="Cher" typeface="Plantagenet Cherokee"/>
+        <a:font script="Yiii" typeface="Microsoft Yi Baiti"/>
+        <a:font script="Tibt" typeface="Microsoft Himalaya"/>
+        <a:font script="Thaa" typeface="MV Boli"/>
+        <a:font script="Deva" typeface="Mangal"/>
+        <a:font script="Telu" typeface="Gautami"/>
+        <a:font script="Taml" typeface="Latha"/>
+        <a:font script="Syrc" typeface="Estrangelo Edessa"/>
+        <a:font script="Orya" typeface="Kalinga"/>
+        <a:font script="Mlym" typeface="Kartika"/>
+        <a:font script="Laoo" typeface="DokChampa"/>
+        <a:font script="Sinh" typeface="Iskoola Pota"/>
+        <a:font script="Mong" typeface="Mongolian Baiti"/>
+        <a:font script="Viet" typeface="Arial"/>
+        <a:font script="Uigh" typeface="Microsoft Uighur"/>
+        <a:font script="Geor" typeface="Sylfaen"/>
+        <a:font script="Armn" typeface="Arial"/>
+        <a:font script="Bugi" typeface="Leelawadee UI"/>
+        <a:font script="Bopo" typeface="Microsoft JhengHei"/>
+        <a:font script="Java" typeface="Javanese Text"/>
+        <a:font script="Lisu" typeface="Segoe UI"/>
+        <a:font script="Mymr" typeface="Myanmar Text"/>
+        <a:font script="Nkoo" typeface="Ebrima"/>
+        <a:font script="Olck" typeface="Nirmala UI"/>
+        <a:font script="Osma" typeface="Ebrima"/>
+        <a:font script="Phag" typeface="Phagspa"/>
+        <a:font script="Syrn" typeface="Estrangelo Edessa"/>
+        <a:font script="Syrj" typeface="Estrangelo Edessa"/>
+        <a:font script="Syre" typeface="Estrangelo Edessa"/>
+        <a:font script="Sora" typeface="Nirmala UI"/>
+        <a:font script="Tale" typeface="Microsoft Tai Le"/>
+        <a:font script="Talu" typeface="Microsoft New Tai Lue"/>
+        <a:font script="Tfng" typeface="Ebrima"/>
+      </a:minorFont>
+    </a:fontScheme>
+    <a:fmtScheme name="Office">
+      <a:fillStyleLst>
+        <a:solidFill>
+          <a:schemeClr val="phClr"/>
+        </a:solidFill>
+        <a:gradFill rotWithShape="1">
+          <a:gsLst>
+            <a:gs pos="0">
+              <a:schemeClr val="phClr">
+                <a:lumMod val="110000"/>
+                <a:satMod val="105000"/>
+                <a:tint val="67000"/>
+              </a:schemeClr>
+            </a:gs>
+            <a:gs pos="50000">
+              <a:schemeClr val="phClr">
+                <a:lumMod val="105000"/>
+                <a:satMod val="103000"/>
+                <a:tint val="73000"/>
+              </a:schemeClr>
+            </a:gs>
+            <a:gs pos="100000">
+              <a:schemeClr val="phClr">
+                <a:lumMod val="105000"/>
+                <a:satMod val="109000"/>
+                <a:tint val="81000"/>
+              </a:schemeClr>
+            </a:gs>
+          </a:gsLst>
+          <a:lin ang="5400000" scaled="0"/>
+        </a:gradFill>
+        <a:gradFill rotWithShape="1">
+          <a:gsLst>
+            <a:gs pos="0">
+              <a:schemeClr val="phClr">
+                <a:satMod val="103000"/>
+                <a:lumMod val="102000"/>
+                <a:tint val="94000"/>
+              </a:schemeClr>
+            </a:gs>
+            <a:gs pos="50000">
+              <a:schemeClr val="phClr">
+                <a:satMod val="110000"/>
+                <a:lumMod val="100000"/>
+                <a:shade val="100000"/>
+              </a:schemeClr>
+            </a:gs>
+            <a:gs pos="100000">
+              <a:schemeClr val="phClr">
+                <a:lumMod val="99000"/>
+                <a:satMod val="120000"/>
+                <a:shade val="78000"/>
+              </a:schemeClr>
+            </a:gs>
+          </a:gsLst>
+          <a:lin ang="5400000" scaled="0"/>
+        </a:gradFill>
+      </a:fillStyleLst>
+      <a:lnStyleLst>
+        <a:ln w="6350" cap="flat" cmpd="sng" algn="ctr">
+          <a:solidFill>
+            <a:schemeClr val="phClr"/>
+          </a:solidFill>
+          <a:prstDash val="solid"/>
+          <a:miter lim="800000"/>
+        </a:ln>
+        <a:ln w="12700" cap="flat" cmpd="sng" algn="ctr">
+          <a:solidFill>
+            <a:schemeClr val="phClr"/>
+          </a:solidFill>
+          <a:prstDash val="solid"/>
+          <a:miter lim="800000"/>
+        </a:ln>
+        <a:ln w="19050" cap="flat" cmpd="sng" algn="ctr">
+          <a:solidFill>
+            <a:schemeClr val="phClr"/>
+          </a:solidFill>
+          <a:prstDash val="solid"/>
+          <a:miter lim="800000"/>
+        </a:ln>
+      </a:lnStyleLst>
+      <a:effectStyleLst>
+        <a:effectStyle>
+          <a:effectLst/>
+        </a:effectStyle>
+        <a:effectStyle>
+          <a:effectLst/>
+        </a:effectStyle>
+        <a:effectStyle>
+          <a:effectLst>
+            <a:outerShdw blurRad="57150" dist="19050" dir="5400000" algn="ctr" rotWithShape="0">
+              <a:srgbClr val="000000">
+                <a:alpha val="63000"/>
+              </a:srgbClr>
+            </a:outerShdw>
+          </a:effectLst>
+        </a:effectStyle>
+      </a:effectStyleLst>
+      <a:bgFillStyleLst>
+        <a:solidFill>
+          <a:schemeClr val="phClr"/>
+        </a:solidFill>
+        <a:solidFill>
+          <a:schemeClr val="phClr">
+            <a:tint val="95000"/>
+            <a:satMod val="170000"/>
+          </a:schemeClr>
+        </a:solidFill>
+        <a:gradFill rotWithShape="1">
+          <a:gsLst>
+            <a:gs pos="0">
+              <a:schemeClr val="phClr">
+                <a:tint val="93000"/>
+                <a:satMod val="150000"/>
+                <a:shade val="98000"/>
+                <a:lumMod val="102000"/>
+              </a:schemeClr>
+            </a:gs>
+            <a:gs pos="50000">
+              <a:schemeClr val="phClr">
+                <a:tint val="98000"/>
+                <a:satMod val="130000"/>
+                <a:shade val="90000"/>
+                <a:lumMod val="103000"/>
+              </a:schemeClr>
+            </a:gs>
+            <a:gs pos="100000">
+              <a:schemeClr val="phClr">
+                <a:shade val="63000"/>
+                <a:satMod val="120000"/>
+              </a:schemeClr>
+            </a:gs>
+          </a:gsLst>
+          <a:lin ang="5400000" scaled="0"/>
+        </a:gradFill>
+      </a:bgFillStyleLst>
+    </a:fmtScheme>
+  </a:themeElements>
+  <a:objectDefaults/>
+  <a:extraClrSchemeLst/>
+  <a:extLst>
+    <a:ext uri="{05A4C25C-085E-4340-85A3-A5531E510DB2}">
+      <thm15:themeFamily xmlns:thm15="http://schemas.microsoft.com/office/thememl/2012/main" name="Office Theme" id="{62F939B6-93AF-4DB8-9C6B-D6C7DFDC589F}" vid="{4A3C46E8-61CC-4603-A589-7422A47A8E4A}"/>
     </a:ext>
   </a:extLst>
 </a:theme>
